--- a/STT465_14.pptx
+++ b/STT465_14.pptx
@@ -5,7 +5,7 @@
     <p:sldMasterId id="2147483648" r:id="rId1"/>
   </p:sldMasterIdLst>
   <p:notesMasterIdLst>
-    <p:notesMasterId r:id="rId18"/>
+    <p:notesMasterId r:id="rId21"/>
   </p:notesMasterIdLst>
   <p:sldIdLst>
     <p:sldId id="338" r:id="rId2"/>
@@ -13,17 +13,20 @@
     <p:sldId id="369" r:id="rId4"/>
     <p:sldId id="372" r:id="rId5"/>
     <p:sldId id="373" r:id="rId6"/>
-    <p:sldId id="382" r:id="rId7"/>
-    <p:sldId id="374" r:id="rId8"/>
-    <p:sldId id="375" r:id="rId9"/>
-    <p:sldId id="376" r:id="rId10"/>
-    <p:sldId id="377" r:id="rId11"/>
-    <p:sldId id="378" r:id="rId12"/>
-    <p:sldId id="380" r:id="rId13"/>
-    <p:sldId id="383" r:id="rId14"/>
-    <p:sldId id="381" r:id="rId15"/>
-    <p:sldId id="384" r:id="rId16"/>
-    <p:sldId id="385" r:id="rId17"/>
+    <p:sldId id="386" r:id="rId7"/>
+    <p:sldId id="387" r:id="rId8"/>
+    <p:sldId id="382" r:id="rId9"/>
+    <p:sldId id="374" r:id="rId10"/>
+    <p:sldId id="388" r:id="rId11"/>
+    <p:sldId id="375" r:id="rId12"/>
+    <p:sldId id="376" r:id="rId13"/>
+    <p:sldId id="377" r:id="rId14"/>
+    <p:sldId id="378" r:id="rId15"/>
+    <p:sldId id="380" r:id="rId16"/>
+    <p:sldId id="383" r:id="rId17"/>
+    <p:sldId id="381" r:id="rId18"/>
+    <p:sldId id="384" r:id="rId19"/>
+    <p:sldId id="385" r:id="rId20"/>
   </p:sldIdLst>
   <p:sldSz cx="9144000" cy="6858000" type="screen4x3"/>
   <p:notesSz cx="6858000" cy="9144000"/>
@@ -214,7 +217,7 @@
             <a:fld id="{EC2AD4C0-0FC1-44D9-A720-D776D6428221}" type="datetimeFigureOut">
               <a:rPr lang="en-US" smtClean="0"/>
               <a:pPr/>
-              <a:t>11/30/15</a:t>
+              <a:t>12/1/15</a:t>
             </a:fld>
             <a:endParaRPr lang="en-US"/>
           </a:p>
@@ -567,6 +570,252 @@
 </p:notes>
 </file>
 
+<file path=ppt/notesSlides/notesSlide10.xml><?xml version="1.0" encoding="utf-8"?>
+<p:notes xmlns:a="http://schemas.openxmlformats.org/drawingml/2006/main" xmlns:r="http://schemas.openxmlformats.org/officeDocument/2006/relationships" xmlns:p="http://schemas.openxmlformats.org/presentationml/2006/main">
+  <p:cSld>
+    <p:spTree>
+      <p:nvGrpSpPr>
+        <p:cNvPr id="1" name=""/>
+        <p:cNvGrpSpPr/>
+        <p:nvPr/>
+      </p:nvGrpSpPr>
+      <p:grpSpPr>
+        <a:xfrm>
+          <a:off x="0" y="0"/>
+          <a:ext cx="0" cy="0"/>
+          <a:chOff x="0" y="0"/>
+          <a:chExt cx="0" cy="0"/>
+        </a:xfrm>
+      </p:grpSpPr>
+      <p:sp>
+        <p:nvSpPr>
+          <p:cNvPr id="2" name="Slide Image Placeholder 1"/>
+          <p:cNvSpPr>
+            <a:spLocks noGrp="1" noRot="1" noChangeAspect="1"/>
+          </p:cNvSpPr>
+          <p:nvPr>
+            <p:ph type="sldImg"/>
+          </p:nvPr>
+        </p:nvSpPr>
+        <p:spPr/>
+      </p:sp>
+      <p:sp>
+        <p:nvSpPr>
+          <p:cNvPr id="3" name="Notes Placeholder 2"/>
+          <p:cNvSpPr>
+            <a:spLocks noGrp="1"/>
+          </p:cNvSpPr>
+          <p:nvPr>
+            <p:ph type="body" idx="1"/>
+          </p:nvPr>
+        </p:nvSpPr>
+        <p:spPr/>
+        <p:txBody>
+          <a:bodyPr>
+            <a:normAutofit/>
+          </a:bodyPr>
+          <a:lstStyle/>
+          <a:p>
+            <a:endParaRPr lang="en-US"/>
+          </a:p>
+        </p:txBody>
+      </p:sp>
+      <p:sp>
+        <p:nvSpPr>
+          <p:cNvPr id="4" name="Slide Number Placeholder 3"/>
+          <p:cNvSpPr>
+            <a:spLocks noGrp="1"/>
+          </p:cNvSpPr>
+          <p:nvPr>
+            <p:ph type="sldNum" sz="quarter" idx="10"/>
+          </p:nvPr>
+        </p:nvSpPr>
+        <p:spPr/>
+        <p:txBody>
+          <a:bodyPr/>
+          <a:lstStyle/>
+          <a:p>
+            <a:fld id="{CACBEE2F-8C26-493F-9430-82D1D1B7C623}" type="slidenum">
+              <a:rPr lang="en-US" smtClean="0"/>
+              <a:pPr/>
+              <a:t>11</a:t>
+            </a:fld>
+            <a:endParaRPr lang="en-US"/>
+          </a:p>
+        </p:txBody>
+      </p:sp>
+    </p:spTree>
+  </p:cSld>
+  <p:clrMapOvr>
+    <a:masterClrMapping/>
+  </p:clrMapOvr>
+</p:notes>
+</file>
+
+<file path=ppt/notesSlides/notesSlide11.xml><?xml version="1.0" encoding="utf-8"?>
+<p:notes xmlns:a="http://schemas.openxmlformats.org/drawingml/2006/main" xmlns:r="http://schemas.openxmlformats.org/officeDocument/2006/relationships" xmlns:p="http://schemas.openxmlformats.org/presentationml/2006/main">
+  <p:cSld>
+    <p:spTree>
+      <p:nvGrpSpPr>
+        <p:cNvPr id="1" name=""/>
+        <p:cNvGrpSpPr/>
+        <p:nvPr/>
+      </p:nvGrpSpPr>
+      <p:grpSpPr>
+        <a:xfrm>
+          <a:off x="0" y="0"/>
+          <a:ext cx="0" cy="0"/>
+          <a:chOff x="0" y="0"/>
+          <a:chExt cx="0" cy="0"/>
+        </a:xfrm>
+      </p:grpSpPr>
+      <p:sp>
+        <p:nvSpPr>
+          <p:cNvPr id="2" name="Slide Image Placeholder 1"/>
+          <p:cNvSpPr>
+            <a:spLocks noGrp="1" noRot="1" noChangeAspect="1"/>
+          </p:cNvSpPr>
+          <p:nvPr>
+            <p:ph type="sldImg"/>
+          </p:nvPr>
+        </p:nvSpPr>
+        <p:spPr/>
+      </p:sp>
+      <p:sp>
+        <p:nvSpPr>
+          <p:cNvPr id="3" name="Notes Placeholder 2"/>
+          <p:cNvSpPr>
+            <a:spLocks noGrp="1"/>
+          </p:cNvSpPr>
+          <p:nvPr>
+            <p:ph type="body" idx="1"/>
+          </p:nvPr>
+        </p:nvSpPr>
+        <p:spPr/>
+        <p:txBody>
+          <a:bodyPr>
+            <a:normAutofit/>
+          </a:bodyPr>
+          <a:lstStyle/>
+          <a:p>
+            <a:endParaRPr lang="en-US" dirty="0"/>
+          </a:p>
+        </p:txBody>
+      </p:sp>
+      <p:sp>
+        <p:nvSpPr>
+          <p:cNvPr id="4" name="Slide Number Placeholder 3"/>
+          <p:cNvSpPr>
+            <a:spLocks noGrp="1"/>
+          </p:cNvSpPr>
+          <p:nvPr>
+            <p:ph type="sldNum" sz="quarter" idx="10"/>
+          </p:nvPr>
+        </p:nvSpPr>
+        <p:spPr/>
+        <p:txBody>
+          <a:bodyPr/>
+          <a:lstStyle/>
+          <a:p>
+            <a:fld id="{CACBEE2F-8C26-493F-9430-82D1D1B7C623}" type="slidenum">
+              <a:rPr lang="en-US" smtClean="0"/>
+              <a:pPr/>
+              <a:t>18</a:t>
+            </a:fld>
+            <a:endParaRPr lang="en-US"/>
+          </a:p>
+        </p:txBody>
+      </p:sp>
+    </p:spTree>
+  </p:cSld>
+  <p:clrMapOvr>
+    <a:masterClrMapping/>
+  </p:clrMapOvr>
+</p:notes>
+</file>
+
+<file path=ppt/notesSlides/notesSlide12.xml><?xml version="1.0" encoding="utf-8"?>
+<p:notes xmlns:a="http://schemas.openxmlformats.org/drawingml/2006/main" xmlns:r="http://schemas.openxmlformats.org/officeDocument/2006/relationships" xmlns:p="http://schemas.openxmlformats.org/presentationml/2006/main">
+  <p:cSld>
+    <p:spTree>
+      <p:nvGrpSpPr>
+        <p:cNvPr id="1" name=""/>
+        <p:cNvGrpSpPr/>
+        <p:nvPr/>
+      </p:nvGrpSpPr>
+      <p:grpSpPr>
+        <a:xfrm>
+          <a:off x="0" y="0"/>
+          <a:ext cx="0" cy="0"/>
+          <a:chOff x="0" y="0"/>
+          <a:chExt cx="0" cy="0"/>
+        </a:xfrm>
+      </p:grpSpPr>
+      <p:sp>
+        <p:nvSpPr>
+          <p:cNvPr id="2" name="Slide Image Placeholder 1"/>
+          <p:cNvSpPr>
+            <a:spLocks noGrp="1" noRot="1" noChangeAspect="1"/>
+          </p:cNvSpPr>
+          <p:nvPr>
+            <p:ph type="sldImg"/>
+          </p:nvPr>
+        </p:nvSpPr>
+        <p:spPr/>
+      </p:sp>
+      <p:sp>
+        <p:nvSpPr>
+          <p:cNvPr id="3" name="Notes Placeholder 2"/>
+          <p:cNvSpPr>
+            <a:spLocks noGrp="1"/>
+          </p:cNvSpPr>
+          <p:nvPr>
+            <p:ph type="body" idx="1"/>
+          </p:nvPr>
+        </p:nvSpPr>
+        <p:spPr/>
+        <p:txBody>
+          <a:bodyPr>
+            <a:normAutofit/>
+          </a:bodyPr>
+          <a:lstStyle/>
+          <a:p>
+            <a:endParaRPr lang="en-US" dirty="0"/>
+          </a:p>
+        </p:txBody>
+      </p:sp>
+      <p:sp>
+        <p:nvSpPr>
+          <p:cNvPr id="4" name="Slide Number Placeholder 3"/>
+          <p:cNvSpPr>
+            <a:spLocks noGrp="1"/>
+          </p:cNvSpPr>
+          <p:nvPr>
+            <p:ph type="sldNum" sz="quarter" idx="10"/>
+          </p:nvPr>
+        </p:nvSpPr>
+        <p:spPr/>
+        <p:txBody>
+          <a:bodyPr/>
+          <a:lstStyle/>
+          <a:p>
+            <a:fld id="{CACBEE2F-8C26-493F-9430-82D1D1B7C623}" type="slidenum">
+              <a:rPr lang="en-US" smtClean="0"/>
+              <a:pPr/>
+              <a:t>19</a:t>
+            </a:fld>
+            <a:endParaRPr lang="en-US"/>
+          </a:p>
+        </p:txBody>
+      </p:sp>
+    </p:spTree>
+  </p:cSld>
+  <p:clrMapOvr>
+    <a:masterClrMapping/>
+  </p:clrMapOvr>
+</p:notes>
+</file>
+
 <file path=ppt/notesSlides/notesSlide2.xml><?xml version="1.0" encoding="utf-8"?>
 <p:notes xmlns:a="http://schemas.openxmlformats.org/drawingml/2006/main" xmlns:r="http://schemas.openxmlformats.org/officeDocument/2006/relationships" xmlns:p="http://schemas.openxmlformats.org/presentationml/2006/main">
   <p:cSld>
@@ -1023,7 +1272,7 @@
           </a:bodyPr>
           <a:lstStyle/>
           <a:p>
-            <a:endParaRPr lang="en-US"/>
+            <a:endParaRPr lang="en-US" dirty="0"/>
           </a:p>
         </p:txBody>
       </p:sp>
@@ -1127,7 +1376,7 @@
             <a:fld id="{CACBEE2F-8C26-493F-9430-82D1D1B7C623}" type="slidenum">
               <a:rPr lang="en-US" smtClean="0"/>
               <a:pPr/>
-              <a:t>15</a:t>
+              <a:t>9</a:t>
             </a:fld>
             <a:endParaRPr lang="en-US"/>
           </a:p>
@@ -1209,7 +1458,7 @@
             <a:fld id="{CACBEE2F-8C26-493F-9430-82D1D1B7C623}" type="slidenum">
               <a:rPr lang="en-US" smtClean="0"/>
               <a:pPr/>
-              <a:t>16</a:t>
+              <a:t>10</a:t>
             </a:fld>
             <a:endParaRPr lang="en-US"/>
           </a:p>
@@ -1405,7 +1654,7 @@
             <a:fld id="{F9C811E6-0209-4075-80E7-F5953C8ECEE3}" type="datetime1">
               <a:rPr lang="en-US" smtClean="0"/>
               <a:pPr/>
-              <a:t>11/30/15</a:t>
+              <a:t>12/1/15</a:t>
             </a:fld>
             <a:endParaRPr lang="en-US"/>
           </a:p>
@@ -1576,7 +1825,7 @@
             <a:fld id="{648E6BB1-E6D9-4EE7-828F-046F7223761D}" type="datetime1">
               <a:rPr lang="en-US" smtClean="0"/>
               <a:pPr/>
-              <a:t>11/30/15</a:t>
+              <a:t>12/1/15</a:t>
             </a:fld>
             <a:endParaRPr lang="en-US"/>
           </a:p>
@@ -1757,7 +2006,7 @@
             <a:fld id="{B4B9C580-A780-4D76-B2D1-C34F1DA97DF0}" type="datetime1">
               <a:rPr lang="en-US" smtClean="0"/>
               <a:pPr/>
-              <a:t>11/30/15</a:t>
+              <a:t>12/1/15</a:t>
             </a:fld>
             <a:endParaRPr lang="en-US"/>
           </a:p>
@@ -1928,7 +2177,7 @@
             <a:fld id="{EB19DDAF-3255-4785-974C-BB4FAF02D67E}" type="datetime1">
               <a:rPr lang="en-US" smtClean="0"/>
               <a:pPr/>
-              <a:t>11/30/15</a:t>
+              <a:t>12/1/15</a:t>
             </a:fld>
             <a:endParaRPr lang="en-US"/>
           </a:p>
@@ -2175,7 +2424,7 @@
             <a:fld id="{C344AF86-11D1-4E84-BA60-17130236FDAA}" type="datetime1">
               <a:rPr lang="en-US" smtClean="0"/>
               <a:pPr/>
-              <a:t>11/30/15</a:t>
+              <a:t>12/1/15</a:t>
             </a:fld>
             <a:endParaRPr lang="en-US"/>
           </a:p>
@@ -2464,7 +2713,7 @@
             <a:fld id="{A8DD670F-7E07-4783-A6F8-B28127B5AF4A}" type="datetime1">
               <a:rPr lang="en-US" smtClean="0"/>
               <a:pPr/>
-              <a:t>11/30/15</a:t>
+              <a:t>12/1/15</a:t>
             </a:fld>
             <a:endParaRPr lang="en-US"/>
           </a:p>
@@ -2887,7 +3136,7 @@
             <a:fld id="{92676DD9-688F-48EE-8233-B3B78BDDA63D}" type="datetime1">
               <a:rPr lang="en-US" smtClean="0"/>
               <a:pPr/>
-              <a:t>11/30/15</a:t>
+              <a:t>12/1/15</a:t>
             </a:fld>
             <a:endParaRPr lang="en-US"/>
           </a:p>
@@ -3006,7 +3255,7 @@
             <a:fld id="{F6CC4A83-AE34-48B8-B90E-70388FDBF0F7}" type="datetime1">
               <a:rPr lang="en-US" smtClean="0"/>
               <a:pPr/>
-              <a:t>11/30/15</a:t>
+              <a:t>12/1/15</a:t>
             </a:fld>
             <a:endParaRPr lang="en-US"/>
           </a:p>
@@ -3102,7 +3351,7 @@
             <a:fld id="{510CA3E2-9601-488E-B92B-23013819BD02}" type="datetime1">
               <a:rPr lang="en-US" smtClean="0"/>
               <a:pPr/>
-              <a:t>11/30/15</a:t>
+              <a:t>12/1/15</a:t>
             </a:fld>
             <a:endParaRPr lang="en-US"/>
           </a:p>
@@ -3380,7 +3629,7 @@
             <a:fld id="{331F1CBD-358A-4E18-86FD-C337233E15F0}" type="datetime1">
               <a:rPr lang="en-US" smtClean="0"/>
               <a:pPr/>
-              <a:t>11/30/15</a:t>
+              <a:t>12/1/15</a:t>
             </a:fld>
             <a:endParaRPr lang="en-US"/>
           </a:p>
@@ -3634,7 +3883,7 @@
             <a:fld id="{3CB4F0D5-901F-4458-A8F8-F062616694B4}" type="datetime1">
               <a:rPr lang="en-US" smtClean="0"/>
               <a:pPr/>
-              <a:t>11/30/15</a:t>
+              <a:t>12/1/15</a:t>
             </a:fld>
             <a:endParaRPr lang="en-US"/>
           </a:p>
@@ -3848,7 +4097,7 @@
             <a:fld id="{F77D84EF-BDBF-448B-906E-D51D4CAF22DC}" type="datetime1">
               <a:rPr lang="en-US" smtClean="0"/>
               <a:pPr/>
-              <a:t>11/30/15</a:t>
+              <a:t>12/1/15</a:t>
             </a:fld>
             <a:endParaRPr lang="en-US"/>
           </a:p>
@@ -4438,6 +4687,346 @@
       </p:grpSpPr>
       <p:sp>
         <p:nvSpPr>
+          <p:cNvPr id="2" name="Title 1"/>
+          <p:cNvSpPr>
+            <a:spLocks noGrp="1"/>
+          </p:cNvSpPr>
+          <p:nvPr>
+            <p:ph type="ctrTitle"/>
+          </p:nvPr>
+        </p:nvSpPr>
+        <p:spPr>
+          <a:xfrm>
+            <a:off x="914400" y="0"/>
+            <a:ext cx="7772400" cy="762000"/>
+          </a:xfrm>
+        </p:spPr>
+        <p:txBody>
+          <a:bodyPr>
+            <a:normAutofit/>
+          </a:bodyPr>
+          <a:lstStyle/>
+          <a:p>
+            <a:r>
+              <a:rPr lang="en-US" sz="3200" dirty="0" smtClean="0">
+                <a:solidFill>
+                  <a:schemeClr val="accent2">
+                    <a:lumMod val="75000"/>
+                  </a:schemeClr>
+                </a:solidFill>
+              </a:rPr>
+              <a:t>Outline of a Gibbs Sampler</a:t>
+            </a:r>
+            <a:endParaRPr lang="en-US" sz="3200" dirty="0">
+              <a:solidFill>
+                <a:schemeClr val="accent2">
+                  <a:lumMod val="75000"/>
+                </a:schemeClr>
+              </a:solidFill>
+            </a:endParaRPr>
+          </a:p>
+        </p:txBody>
+      </p:sp>
+      <p:sp>
+        <p:nvSpPr>
+          <p:cNvPr id="4" name="Footer Placeholder 3"/>
+          <p:cNvSpPr>
+            <a:spLocks noGrp="1"/>
+          </p:cNvSpPr>
+          <p:nvPr>
+            <p:ph type="ftr" sz="quarter" idx="11"/>
+          </p:nvPr>
+        </p:nvSpPr>
+        <p:spPr>
+          <a:xfrm>
+            <a:off x="3124200" y="6569075"/>
+            <a:ext cx="2895600" cy="365125"/>
+          </a:xfrm>
+        </p:spPr>
+        <p:txBody>
+          <a:bodyPr/>
+          <a:lstStyle/>
+          <a:p>
+            <a:r>
+              <a:rPr lang="en-US" dirty="0" smtClean="0">
+                <a:solidFill>
+                  <a:schemeClr val="accent1"/>
+                </a:solidFill>
+              </a:rPr>
+              <a:t>STT 465, MSU, Fall, 2015</a:t>
+            </a:r>
+            <a:endParaRPr lang="en-US" dirty="0">
+              <a:solidFill>
+                <a:schemeClr val="accent1"/>
+              </a:solidFill>
+            </a:endParaRPr>
+          </a:p>
+        </p:txBody>
+      </p:sp>
+      <p:sp>
+        <p:nvSpPr>
+          <p:cNvPr id="14" name="TextBox 13"/>
+          <p:cNvSpPr txBox="1"/>
+          <p:nvPr/>
+        </p:nvSpPr>
+        <p:spPr>
+          <a:xfrm>
+            <a:off x="914400" y="762000"/>
+            <a:ext cx="7620000" cy="5262979"/>
+          </a:xfrm>
+          <a:prstGeom prst="rect">
+            <a:avLst/>
+          </a:prstGeom>
+          <a:noFill/>
+        </p:spPr>
+        <p:txBody>
+          <a:bodyPr wrap="square" rtlCol="0">
+            <a:spAutoFit/>
+          </a:bodyPr>
+          <a:lstStyle/>
+          <a:p>
+            <a:pPr marL="342900" indent="-342900">
+              <a:buFont typeface="Symbol" charset="0"/>
+              <a:buChar char=""/>
+            </a:pPr>
+            <a:r>
+              <a:rPr lang="en-US" sz="2400" dirty="0" smtClean="0">
+                <a:solidFill>
+                  <a:schemeClr val="tx2"/>
+                </a:solidFill>
+              </a:rPr>
+              <a:t>Time to event of censored data points follow have a truncated normal fully conditional distribution.</a:t>
+            </a:r>
+          </a:p>
+          <a:p>
+            <a:pPr marL="342900" indent="-342900">
+              <a:buFont typeface="Symbol" charset="0"/>
+              <a:buChar char=""/>
+            </a:pPr>
+            <a:endParaRPr lang="en-US" sz="2400" dirty="0">
+              <a:solidFill>
+                <a:schemeClr val="tx2"/>
+              </a:solidFill>
+            </a:endParaRPr>
+          </a:p>
+          <a:p>
+            <a:pPr marL="342900" indent="-342900">
+              <a:buFont typeface="Symbol" charset="0"/>
+              <a:buChar char=""/>
+            </a:pPr>
+            <a:r>
+              <a:rPr lang="en-US" sz="2400" dirty="0" smtClean="0">
+                <a:solidFill>
+                  <a:schemeClr val="tx2"/>
+                </a:solidFill>
+              </a:rPr>
+              <a:t>The other fully conditional distributions are as those of the standard linear regression without censoring. </a:t>
+            </a:r>
+          </a:p>
+          <a:p>
+            <a:pPr marL="342900" indent="-342900">
+              <a:buFont typeface="Symbol" charset="0"/>
+              <a:buChar char=""/>
+            </a:pPr>
+            <a:endParaRPr lang="en-US" sz="2400" dirty="0">
+              <a:solidFill>
+                <a:schemeClr val="tx2"/>
+              </a:solidFill>
+            </a:endParaRPr>
+          </a:p>
+          <a:p>
+            <a:pPr marL="342900" indent="-342900">
+              <a:buFont typeface="Symbol" charset="0"/>
+              <a:buChar char=""/>
+            </a:pPr>
+            <a:r>
+              <a:rPr lang="en-US" sz="2400" dirty="0" smtClean="0">
+                <a:solidFill>
+                  <a:schemeClr val="tx2"/>
+                </a:solidFill>
+              </a:rPr>
+              <a:t>Therefore, relative to a Gibbs sampler for a model without censoring, we just need to add a step where we ‘impute’ the un-observed time to events with samples drawn from the corresponding fully conditionals (truncated normal, in our case).</a:t>
+            </a:r>
+          </a:p>
+          <a:p>
+            <a:pPr marL="342900" indent="-342900">
+              <a:buFont typeface="Symbol" charset="0"/>
+              <a:buChar char=""/>
+            </a:pPr>
+            <a:endParaRPr lang="en-US" sz="2400" dirty="0">
+              <a:solidFill>
+                <a:schemeClr val="tx2"/>
+              </a:solidFill>
+            </a:endParaRPr>
+          </a:p>
+          <a:p>
+            <a:pPr marL="342900" indent="-342900">
+              <a:buFont typeface="Symbol" charset="0"/>
+              <a:buChar char=""/>
+            </a:pPr>
+            <a:endParaRPr lang="en-US" sz="2400" dirty="0">
+              <a:solidFill>
+                <a:schemeClr val="tx2"/>
+              </a:solidFill>
+            </a:endParaRPr>
+          </a:p>
+          <a:p>
+            <a:endParaRPr lang="en-US" sz="2400" dirty="0" smtClean="0">
+              <a:solidFill>
+                <a:schemeClr val="tx2"/>
+              </a:solidFill>
+            </a:endParaRPr>
+          </a:p>
+        </p:txBody>
+      </p:sp>
+    </p:spTree>
+    <p:extLst>
+      <p:ext uri="{BB962C8B-B14F-4D97-AF65-F5344CB8AC3E}">
+        <p14:creationId xmlns:p14="http://schemas.microsoft.com/office/powerpoint/2010/main" val="3252012988"/>
+      </p:ext>
+    </p:extLst>
+  </p:cSld>
+  <p:clrMapOvr>
+    <a:masterClrMapping/>
+  </p:clrMapOvr>
+  <p:timing>
+    <p:tnLst>
+      <p:par>
+        <p:cTn xmlns:p14="http://schemas.microsoft.com/office/powerpoint/2010/main" id="1" dur="indefinite" restart="never" nodeType="tmRoot"/>
+      </p:par>
+    </p:tnLst>
+  </p:timing>
+</p:sld>
+</file>
+
+<file path=ppt/slides/slide11.xml><?xml version="1.0" encoding="utf-8"?>
+<p:sld xmlns:a="http://schemas.openxmlformats.org/drawingml/2006/main" xmlns:r="http://schemas.openxmlformats.org/officeDocument/2006/relationships" xmlns:p="http://schemas.openxmlformats.org/presentationml/2006/main">
+  <p:cSld>
+    <p:spTree>
+      <p:nvGrpSpPr>
+        <p:cNvPr id="1" name=""/>
+        <p:cNvGrpSpPr/>
+        <p:nvPr/>
+      </p:nvGrpSpPr>
+      <p:grpSpPr>
+        <a:xfrm>
+          <a:off x="0" y="0"/>
+          <a:ext cx="0" cy="0"/>
+          <a:chOff x="0" y="0"/>
+          <a:chExt cx="0" cy="0"/>
+        </a:xfrm>
+      </p:grpSpPr>
+      <p:sp>
+        <p:nvSpPr>
+          <p:cNvPr id="2" name="Title 1"/>
+          <p:cNvSpPr>
+            <a:spLocks noGrp="1"/>
+          </p:cNvSpPr>
+          <p:nvPr>
+            <p:ph type="ctrTitle"/>
+          </p:nvPr>
+        </p:nvSpPr>
+        <p:spPr>
+          <a:xfrm>
+            <a:off x="838200" y="2057400"/>
+            <a:ext cx="7772400" cy="1825482"/>
+          </a:xfrm>
+          <a:ln>
+            <a:solidFill>
+              <a:srgbClr val="800000"/>
+            </a:solidFill>
+            <a:prstDash val="sysDash"/>
+          </a:ln>
+        </p:spPr>
+        <p:txBody>
+          <a:bodyPr>
+            <a:normAutofit/>
+          </a:bodyPr>
+          <a:lstStyle/>
+          <a:p>
+            <a:r>
+              <a:rPr lang="en-US" sz="3200" dirty="0" smtClean="0">
+                <a:solidFill>
+                  <a:schemeClr val="accent2">
+                    <a:lumMod val="75000"/>
+                  </a:schemeClr>
+                </a:solidFill>
+              </a:rPr>
+              <a:t>Regression with Binary Outcomes</a:t>
+            </a:r>
+          </a:p>
+        </p:txBody>
+      </p:sp>
+      <p:sp>
+        <p:nvSpPr>
+          <p:cNvPr id="4" name="Footer Placeholder 3"/>
+          <p:cNvSpPr>
+            <a:spLocks noGrp="1"/>
+          </p:cNvSpPr>
+          <p:nvPr>
+            <p:ph type="ftr" sz="quarter" idx="11"/>
+          </p:nvPr>
+        </p:nvSpPr>
+        <p:spPr/>
+        <p:txBody>
+          <a:bodyPr/>
+          <a:lstStyle/>
+          <a:p>
+            <a:r>
+              <a:rPr lang="en-US" dirty="0" smtClean="0">
+                <a:solidFill>
+                  <a:schemeClr val="accent1"/>
+                </a:solidFill>
+              </a:rPr>
+              <a:t>STT 465, MSU, Fall, 2015</a:t>
+            </a:r>
+            <a:endParaRPr lang="en-US" dirty="0">
+              <a:solidFill>
+                <a:schemeClr val="accent1"/>
+              </a:solidFill>
+            </a:endParaRPr>
+          </a:p>
+        </p:txBody>
+      </p:sp>
+    </p:spTree>
+    <p:extLst>
+      <p:ext uri="{BB962C8B-B14F-4D97-AF65-F5344CB8AC3E}">
+        <p14:creationId xmlns:p14="http://schemas.microsoft.com/office/powerpoint/2010/main" val="4187999207"/>
+      </p:ext>
+    </p:extLst>
+  </p:cSld>
+  <p:clrMapOvr>
+    <a:masterClrMapping/>
+  </p:clrMapOvr>
+  <p:timing>
+    <p:tnLst>
+      <p:par>
+        <p:cTn xmlns:p14="http://schemas.microsoft.com/office/powerpoint/2010/main" id="1" dur="indefinite" restart="never" nodeType="tmRoot"/>
+      </p:par>
+    </p:tnLst>
+  </p:timing>
+</p:sld>
+</file>
+
+<file path=ppt/slides/slide12.xml><?xml version="1.0" encoding="utf-8"?>
+<p:sld xmlns:a="http://schemas.openxmlformats.org/drawingml/2006/main" xmlns:r="http://schemas.openxmlformats.org/officeDocument/2006/relationships" xmlns:p="http://schemas.openxmlformats.org/presentationml/2006/main">
+  <p:cSld>
+    <p:spTree>
+      <p:nvGrpSpPr>
+        <p:cNvPr id="1" name=""/>
+        <p:cNvGrpSpPr/>
+        <p:nvPr/>
+      </p:nvGrpSpPr>
+      <p:grpSpPr>
+        <a:xfrm>
+          <a:off x="0" y="0"/>
+          <a:ext cx="0" cy="0"/>
+          <a:chOff x="0" y="0"/>
+          <a:chExt cx="0" cy="0"/>
+        </a:xfrm>
+      </p:grpSpPr>
+      <p:sp>
+        <p:nvSpPr>
           <p:cNvPr id="14" name="TextBox 13"/>
           <p:cNvSpPr txBox="1"/>
           <p:nvPr/>
@@ -4478,7 +5067,7 @@
                   <a:srgbClr val="800000"/>
                 </a:solidFill>
               </a:rPr>
-              <a:t>Logistic Regression</a:t>
+              <a:t>Regression with Binary Outcomes</a:t>
             </a:r>
             <a:endParaRPr lang="en-US" dirty="0" smtClean="0">
               <a:solidFill>
@@ -4512,6 +5101,622 @@
           </a:bodyPr>
           <a:lstStyle/>
           <a:p>
+            <a:r>
+              <a:rPr lang="en-US" sz="2000" dirty="0" smtClean="0">
+                <a:solidFill>
+                  <a:schemeClr val="accent1">
+                    <a:lumMod val="75000"/>
+                  </a:schemeClr>
+                </a:solidFill>
+              </a:rPr>
+              <a:t>-    Binary outcomes follow Bernoulli distributions</a:t>
+            </a:r>
+            <a:endParaRPr lang="en-US" sz="2000" dirty="0">
+              <a:solidFill>
+                <a:schemeClr val="accent1">
+                  <a:lumMod val="75000"/>
+                </a:schemeClr>
+              </a:solidFill>
+            </a:endParaRPr>
+          </a:p>
+          <a:p>
+            <a:endParaRPr lang="en-US" sz="2000" dirty="0" smtClean="0">
+              <a:solidFill>
+                <a:schemeClr val="accent1">
+                  <a:lumMod val="75000"/>
+                </a:schemeClr>
+              </a:solidFill>
+            </a:endParaRPr>
+          </a:p>
+          <a:p>
+            <a:endParaRPr lang="en-US" sz="2000" dirty="0">
+              <a:solidFill>
+                <a:schemeClr val="accent1">
+                  <a:lumMod val="75000"/>
+                </a:schemeClr>
+              </a:solidFill>
+            </a:endParaRPr>
+          </a:p>
+          <a:p>
+            <a:endParaRPr lang="en-US" sz="2000" dirty="0" smtClean="0">
+              <a:solidFill>
+                <a:schemeClr val="accent1">
+                  <a:lumMod val="75000"/>
+                </a:schemeClr>
+              </a:solidFill>
+            </a:endParaRPr>
+          </a:p>
+          <a:p>
+            <a:endParaRPr lang="en-US" sz="2000" dirty="0">
+              <a:solidFill>
+                <a:schemeClr val="accent1">
+                  <a:lumMod val="75000"/>
+                </a:schemeClr>
+              </a:solidFill>
+            </a:endParaRPr>
+          </a:p>
+          <a:p>
+            <a:pPr marL="342900" indent="-342900">
+              <a:buFontTx/>
+              <a:buChar char="-"/>
+            </a:pPr>
+            <a:r>
+              <a:rPr lang="en-US" sz="2000" dirty="0" smtClean="0">
+                <a:solidFill>
+                  <a:schemeClr val="accent1">
+                    <a:lumMod val="75000"/>
+                  </a:schemeClr>
+                </a:solidFill>
+              </a:rPr>
+              <a:t>Regression with Binary outcomes: we want to make </a:t>
+            </a:r>
+            <a:r>
+              <a:rPr lang="en-US" sz="2000" dirty="0" err="1" smtClean="0">
+                <a:solidFill>
+                  <a:schemeClr val="accent1">
+                    <a:lumMod val="75000"/>
+                  </a:schemeClr>
+                </a:solidFill>
+              </a:rPr>
+              <a:t>θ</a:t>
+            </a:r>
+            <a:r>
+              <a:rPr lang="en-US" sz="2000" dirty="0" smtClean="0">
+                <a:solidFill>
+                  <a:schemeClr val="accent1">
+                    <a:lumMod val="75000"/>
+                  </a:schemeClr>
+                </a:solidFill>
+              </a:rPr>
+              <a:t> a function of one or more predictors. </a:t>
+            </a:r>
+          </a:p>
+          <a:p>
+            <a:pPr marL="342900" indent="-342900">
+              <a:buFontTx/>
+              <a:buChar char="-"/>
+            </a:pPr>
+            <a:r>
+              <a:rPr lang="en-US" sz="2000" dirty="0" smtClean="0">
+                <a:solidFill>
+                  <a:schemeClr val="accent1">
+                    <a:lumMod val="75000"/>
+                  </a:schemeClr>
+                </a:solidFill>
+              </a:rPr>
+              <a:t>Problem:</a:t>
+            </a:r>
+          </a:p>
+          <a:p>
+            <a:r>
+              <a:rPr lang="en-US" sz="2000" dirty="0">
+                <a:solidFill>
+                  <a:schemeClr val="accent1">
+                    <a:lumMod val="75000"/>
+                  </a:schemeClr>
+                </a:solidFill>
+              </a:rPr>
+              <a:t>	</a:t>
+            </a:r>
+            <a:r>
+              <a:rPr lang="en-US" sz="2000" dirty="0" smtClean="0">
+                <a:solidFill>
+                  <a:schemeClr val="accent1">
+                    <a:lumMod val="75000"/>
+                  </a:schemeClr>
+                </a:solidFill>
+              </a:rPr>
+              <a:t>- </a:t>
+            </a:r>
+            <a:r>
+              <a:rPr lang="en-US" sz="2000" dirty="0" err="1" smtClean="0">
+                <a:solidFill>
+                  <a:schemeClr val="accent1">
+                    <a:lumMod val="75000"/>
+                  </a:schemeClr>
+                </a:solidFill>
+              </a:rPr>
+              <a:t>θ</a:t>
+            </a:r>
+            <a:r>
+              <a:rPr lang="en-US" sz="2000" dirty="0" smtClean="0">
+                <a:solidFill>
+                  <a:schemeClr val="accent1">
+                    <a:lumMod val="75000"/>
+                  </a:schemeClr>
+                </a:solidFill>
+              </a:rPr>
+              <a:t>  lives in the 0-1 interval, </a:t>
+            </a:r>
+          </a:p>
+          <a:p>
+            <a:r>
+              <a:rPr lang="en-US" sz="2000" dirty="0" smtClean="0">
+                <a:solidFill>
+                  <a:schemeClr val="accent1">
+                    <a:lumMod val="75000"/>
+                  </a:schemeClr>
+                </a:solidFill>
+              </a:rPr>
+              <a:t>	- </a:t>
+            </a:r>
+            <a:r>
+              <a:rPr lang="en-US" sz="2000" dirty="0">
+                <a:solidFill>
+                  <a:schemeClr val="accent1">
+                    <a:lumMod val="75000"/>
+                  </a:schemeClr>
+                </a:solidFill>
+              </a:rPr>
+              <a:t>while a regression </a:t>
+            </a:r>
+            <a:r>
+              <a:rPr lang="en-US" sz="2000" dirty="0" smtClean="0">
+                <a:solidFill>
+                  <a:schemeClr val="accent1">
+                    <a:lumMod val="75000"/>
+                  </a:schemeClr>
+                </a:solidFill>
+              </a:rPr>
+              <a:t>function                lives in the real line.</a:t>
+            </a:r>
+            <a:endParaRPr lang="en-US" sz="2000" dirty="0">
+              <a:solidFill>
+                <a:schemeClr val="accent1">
+                  <a:lumMod val="75000"/>
+                </a:schemeClr>
+              </a:solidFill>
+            </a:endParaRPr>
+          </a:p>
+          <a:p>
+            <a:endParaRPr lang="en-US" sz="2000" dirty="0">
+              <a:solidFill>
+                <a:schemeClr val="accent1">
+                  <a:lumMod val="75000"/>
+                </a:schemeClr>
+              </a:solidFill>
+            </a:endParaRPr>
+          </a:p>
+          <a:p>
+            <a:pPr marL="342900" indent="-342900">
+              <a:buFontTx/>
+              <a:buChar char="-"/>
+            </a:pPr>
+            <a:r>
+              <a:rPr lang="en-US" sz="2000" dirty="0" smtClean="0">
+                <a:solidFill>
+                  <a:schemeClr val="accent1">
+                    <a:lumMod val="75000"/>
+                  </a:schemeClr>
+                </a:solidFill>
+              </a:rPr>
+              <a:t>To get around this we need to introduce a link function that maps from the real line to the 0-1 interval.</a:t>
+            </a:r>
+          </a:p>
+          <a:p>
+            <a:pPr marL="342900" indent="-342900">
+              <a:buFontTx/>
+              <a:buChar char="-"/>
+            </a:pPr>
+            <a:endParaRPr lang="en-US" sz="2000" dirty="0">
+              <a:solidFill>
+                <a:schemeClr val="accent1">
+                  <a:lumMod val="75000"/>
+                </a:schemeClr>
+              </a:solidFill>
+            </a:endParaRPr>
+          </a:p>
+          <a:p>
+            <a:pPr marL="342900" indent="-342900">
+              <a:buFontTx/>
+              <a:buChar char="-"/>
+            </a:pPr>
+            <a:r>
+              <a:rPr lang="en-US" sz="2000" dirty="0" smtClean="0">
+                <a:solidFill>
+                  <a:schemeClr val="accent1">
+                    <a:lumMod val="75000"/>
+                  </a:schemeClr>
+                </a:solidFill>
+              </a:rPr>
+              <a:t>The most commonly used links are the </a:t>
+            </a:r>
+            <a:r>
+              <a:rPr lang="en-US" sz="2000" dirty="0" err="1" smtClean="0">
+                <a:solidFill>
+                  <a:schemeClr val="accent1">
+                    <a:lumMod val="75000"/>
+                  </a:schemeClr>
+                </a:solidFill>
+              </a:rPr>
+              <a:t>logit</a:t>
+            </a:r>
+            <a:r>
+              <a:rPr lang="en-US" sz="2000" dirty="0" smtClean="0">
+                <a:solidFill>
+                  <a:schemeClr val="accent1">
+                    <a:lumMod val="75000"/>
+                  </a:schemeClr>
+                </a:solidFill>
+              </a:rPr>
+              <a:t> and </a:t>
+            </a:r>
+            <a:r>
+              <a:rPr lang="en-US" sz="2000" dirty="0" err="1" smtClean="0">
+                <a:solidFill>
+                  <a:schemeClr val="accent1">
+                    <a:lumMod val="75000"/>
+                  </a:schemeClr>
+                </a:solidFill>
+              </a:rPr>
+              <a:t>probit</a:t>
+            </a:r>
+            <a:r>
+              <a:rPr lang="en-US" sz="2000" dirty="0" smtClean="0">
+                <a:solidFill>
+                  <a:schemeClr val="accent1">
+                    <a:lumMod val="75000"/>
+                  </a:schemeClr>
+                </a:solidFill>
+              </a:rPr>
+              <a:t> link.</a:t>
+            </a:r>
+          </a:p>
+          <a:p>
+            <a:pPr marL="342900" indent="-342900">
+              <a:buFontTx/>
+              <a:buChar char="-"/>
+            </a:pPr>
+            <a:endParaRPr lang="en-US" sz="2000" dirty="0" smtClean="0">
+              <a:solidFill>
+                <a:schemeClr val="accent1">
+                  <a:lumMod val="75000"/>
+                </a:schemeClr>
+              </a:solidFill>
+            </a:endParaRPr>
+          </a:p>
+        </p:txBody>
+      </p:sp>
+      <p:sp>
+        <p:nvSpPr>
+          <p:cNvPr id="5" name="Footer Placeholder 3"/>
+          <p:cNvSpPr>
+            <a:spLocks noGrp="1"/>
+          </p:cNvSpPr>
+          <p:nvPr>
+            <p:ph type="ftr" sz="quarter" idx="11"/>
+          </p:nvPr>
+        </p:nvSpPr>
+        <p:spPr>
+          <a:xfrm>
+            <a:off x="3124200" y="6356350"/>
+            <a:ext cx="2895600" cy="365125"/>
+          </a:xfrm>
+        </p:spPr>
+        <p:txBody>
+          <a:bodyPr/>
+          <a:lstStyle/>
+          <a:p>
+            <a:r>
+              <a:rPr lang="en-US" dirty="0" smtClean="0">
+                <a:solidFill>
+                  <a:schemeClr val="accent1"/>
+                </a:solidFill>
+              </a:rPr>
+              <a:t>STT 465, MSU, Fall, 2015</a:t>
+            </a:r>
+            <a:endParaRPr lang="en-US" dirty="0">
+              <a:solidFill>
+                <a:schemeClr val="accent1"/>
+              </a:solidFill>
+            </a:endParaRPr>
+          </a:p>
+        </p:txBody>
+      </p:sp>
+      <p:graphicFrame>
+        <p:nvGraphicFramePr>
+          <p:cNvPr id="6" name="Object 5"/>
+          <p:cNvGraphicFramePr>
+            <a:graphicFrameLocks noChangeAspect="1"/>
+          </p:cNvGraphicFramePr>
+          <p:nvPr>
+            <p:extLst>
+              <p:ext uri="{D42A27DB-BD31-4B8C-83A1-F6EECF244321}">
+                <p14:modId xmlns:p14="http://schemas.microsoft.com/office/powerpoint/2010/main" val="2189224114"/>
+              </p:ext>
+            </p:extLst>
+          </p:nvPr>
+        </p:nvGraphicFramePr>
+        <p:xfrm>
+          <a:off x="3657600" y="1676400"/>
+          <a:ext cx="2211387" cy="485775"/>
+        </p:xfrm>
+        <a:graphic>
+          <a:graphicData uri="http://schemas.openxmlformats.org/presentationml/2006/ole">
+            <mc:AlternateContent xmlns:mc="http://schemas.openxmlformats.org/markup-compatibility/2006">
+              <mc:Choice xmlns:v="urn:schemas-microsoft-com:vml" Requires="v">
+                <p:oleObj spid="_x0000_s58437" name="Equation" r:id="rId3" imgW="1333500" imgH="292100" progId="Equation.3">
+                  <p:embed/>
+                </p:oleObj>
+              </mc:Choice>
+              <mc:Fallback>
+                <p:oleObj name="Equation" r:id="rId3" imgW="1333500" imgH="292100" progId="Equation.3">
+                  <p:embed/>
+                  <p:pic>
+                    <p:nvPicPr>
+                      <p:cNvPr id="0" name=""/>
+                      <p:cNvPicPr/>
+                      <p:nvPr/>
+                    </p:nvPicPr>
+                    <p:blipFill>
+                      <a:blip r:embed="rId4"/>
+                      <a:stretch>
+                        <a:fillRect/>
+                      </a:stretch>
+                    </p:blipFill>
+                    <p:spPr>
+                      <a:xfrm>
+                        <a:off x="3657600" y="1676400"/>
+                        <a:ext cx="2211387" cy="485775"/>
+                      </a:xfrm>
+                      <a:prstGeom prst="rect">
+                        <a:avLst/>
+                      </a:prstGeom>
+                    </p:spPr>
+                  </p:pic>
+                </p:oleObj>
+              </mc:Fallback>
+            </mc:AlternateContent>
+          </a:graphicData>
+        </a:graphic>
+      </p:graphicFrame>
+      <p:graphicFrame>
+        <p:nvGraphicFramePr>
+          <p:cNvPr id="7" name="Object 6"/>
+          <p:cNvGraphicFramePr>
+            <a:graphicFrameLocks noChangeAspect="1"/>
+          </p:cNvGraphicFramePr>
+          <p:nvPr>
+            <p:extLst>
+              <p:ext uri="{D42A27DB-BD31-4B8C-83A1-F6EECF244321}">
+                <p14:modId xmlns:p14="http://schemas.microsoft.com/office/powerpoint/2010/main" val="1786920887"/>
+              </p:ext>
+            </p:extLst>
+          </p:nvPr>
+        </p:nvGraphicFramePr>
+        <p:xfrm>
+          <a:off x="1905000" y="1752600"/>
+          <a:ext cx="1073150" cy="400050"/>
+        </p:xfrm>
+        <a:graphic>
+          <a:graphicData uri="http://schemas.openxmlformats.org/presentationml/2006/ole">
+            <mc:AlternateContent xmlns:mc="http://schemas.openxmlformats.org/markup-compatibility/2006">
+              <mc:Choice xmlns:v="urn:schemas-microsoft-com:vml" Requires="v">
+                <p:oleObj spid="_x0000_s58438" name="Equation" r:id="rId5" imgW="647700" imgH="241300" progId="Equation.3">
+                  <p:embed/>
+                </p:oleObj>
+              </mc:Choice>
+              <mc:Fallback>
+                <p:oleObj name="Equation" r:id="rId5" imgW="647700" imgH="241300" progId="Equation.3">
+                  <p:embed/>
+                  <p:pic>
+                    <p:nvPicPr>
+                      <p:cNvPr id="0" name=""/>
+                      <p:cNvPicPr/>
+                      <p:nvPr/>
+                    </p:nvPicPr>
+                    <p:blipFill>
+                      <a:blip r:embed="rId6"/>
+                      <a:stretch>
+                        <a:fillRect/>
+                      </a:stretch>
+                    </p:blipFill>
+                    <p:spPr>
+                      <a:xfrm>
+                        <a:off x="1905000" y="1752600"/>
+                        <a:ext cx="1073150" cy="400050"/>
+                      </a:xfrm>
+                      <a:prstGeom prst="rect">
+                        <a:avLst/>
+                      </a:prstGeom>
+                    </p:spPr>
+                  </p:pic>
+                </p:oleObj>
+              </mc:Fallback>
+            </mc:AlternateContent>
+          </a:graphicData>
+        </a:graphic>
+      </p:graphicFrame>
+      <p:graphicFrame>
+        <p:nvGraphicFramePr>
+          <p:cNvPr id="8" name="Object 7"/>
+          <p:cNvGraphicFramePr>
+            <a:graphicFrameLocks noChangeAspect="1"/>
+          </p:cNvGraphicFramePr>
+          <p:nvPr>
+            <p:extLst>
+              <p:ext uri="{D42A27DB-BD31-4B8C-83A1-F6EECF244321}">
+                <p14:modId xmlns:p14="http://schemas.microsoft.com/office/powerpoint/2010/main" val="158786686"/>
+              </p:ext>
+            </p:extLst>
+          </p:nvPr>
+        </p:nvGraphicFramePr>
+        <p:xfrm>
+          <a:off x="4482403" y="3733800"/>
+          <a:ext cx="775397" cy="412750"/>
+        </p:xfrm>
+        <a:graphic>
+          <a:graphicData uri="http://schemas.openxmlformats.org/presentationml/2006/ole">
+            <mc:AlternateContent xmlns:mc="http://schemas.openxmlformats.org/markup-compatibility/2006">
+              <mc:Choice xmlns:v="urn:schemas-microsoft-com:vml" Requires="v">
+                <p:oleObj spid="_x0000_s58439" name="Equation" r:id="rId7" imgW="622300" imgH="330200" progId="Equation.3">
+                  <p:embed/>
+                </p:oleObj>
+              </mc:Choice>
+              <mc:Fallback>
+                <p:oleObj name="Equation" r:id="rId7" imgW="622300" imgH="330200" progId="Equation.3">
+                  <p:embed/>
+                  <p:pic>
+                    <p:nvPicPr>
+                      <p:cNvPr id="0" name=""/>
+                      <p:cNvPicPr/>
+                      <p:nvPr/>
+                    </p:nvPicPr>
+                    <p:blipFill>
+                      <a:blip r:embed="rId8"/>
+                      <a:stretch>
+                        <a:fillRect/>
+                      </a:stretch>
+                    </p:blipFill>
+                    <p:spPr>
+                      <a:xfrm>
+                        <a:off x="4482403" y="3733800"/>
+                        <a:ext cx="775397" cy="412750"/>
+                      </a:xfrm>
+                      <a:prstGeom prst="rect">
+                        <a:avLst/>
+                      </a:prstGeom>
+                    </p:spPr>
+                  </p:pic>
+                </p:oleObj>
+              </mc:Fallback>
+            </mc:AlternateContent>
+          </a:graphicData>
+        </a:graphic>
+      </p:graphicFrame>
+    </p:spTree>
+    <p:extLst>
+      <p:ext uri="{BB962C8B-B14F-4D97-AF65-F5344CB8AC3E}">
+        <p14:creationId xmlns:p14="http://schemas.microsoft.com/office/powerpoint/2010/main" val="1939629523"/>
+      </p:ext>
+    </p:extLst>
+  </p:cSld>
+  <p:clrMapOvr>
+    <a:masterClrMapping/>
+  </p:clrMapOvr>
+  <p:timing>
+    <p:tnLst>
+      <p:par>
+        <p:cTn xmlns:p14="http://schemas.microsoft.com/office/powerpoint/2010/main" id="1" dur="indefinite" restart="never" nodeType="tmRoot"/>
+      </p:par>
+    </p:tnLst>
+  </p:timing>
+</p:sld>
+</file>
+
+<file path=ppt/slides/slide13.xml><?xml version="1.0" encoding="utf-8"?>
+<p:sld xmlns:a="http://schemas.openxmlformats.org/drawingml/2006/main" xmlns:r="http://schemas.openxmlformats.org/officeDocument/2006/relationships" xmlns:p="http://schemas.openxmlformats.org/presentationml/2006/main">
+  <p:cSld>
+    <p:spTree>
+      <p:nvGrpSpPr>
+        <p:cNvPr id="1" name=""/>
+        <p:cNvGrpSpPr/>
+        <p:nvPr/>
+      </p:nvGrpSpPr>
+      <p:grpSpPr>
+        <a:xfrm>
+          <a:off x="0" y="0"/>
+          <a:ext cx="0" cy="0"/>
+          <a:chOff x="0" y="0"/>
+          <a:chExt cx="0" cy="0"/>
+        </a:xfrm>
+      </p:grpSpPr>
+      <p:sp>
+        <p:nvSpPr>
+          <p:cNvPr id="14" name="TextBox 13"/>
+          <p:cNvSpPr txBox="1"/>
+          <p:nvPr/>
+        </p:nvSpPr>
+        <p:spPr>
+          <a:xfrm>
+            <a:off x="914400" y="0"/>
+            <a:ext cx="7467600" cy="646331"/>
+          </a:xfrm>
+          <a:prstGeom prst="rect">
+            <a:avLst/>
+          </a:prstGeom>
+          <a:noFill/>
+          <a:ln>
+            <a:solidFill>
+              <a:srgbClr val="800000"/>
+            </a:solidFill>
+            <a:prstDash val="sysDash"/>
+          </a:ln>
+        </p:spPr>
+        <p:txBody>
+          <a:bodyPr wrap="square" rtlCol="0">
+            <a:spAutoFit/>
+          </a:bodyPr>
+          <a:lstStyle/>
+          <a:p>
+            <a:endParaRPr lang="en-US" sz="800" dirty="0" smtClean="0">
+              <a:solidFill>
+                <a:srgbClr val="800000"/>
+              </a:solidFill>
+            </a:endParaRPr>
+          </a:p>
+          <a:p>
+            <a:pPr algn="ctr"/>
+            <a:r>
+              <a:rPr lang="en-US" sz="2800" dirty="0" smtClean="0">
+                <a:solidFill>
+                  <a:srgbClr val="800000"/>
+                </a:solidFill>
+              </a:rPr>
+              <a:t>Logistic Regression</a:t>
+            </a:r>
+            <a:endParaRPr lang="en-US" dirty="0" smtClean="0">
+              <a:solidFill>
+                <a:schemeClr val="accent1">
+                  <a:lumMod val="75000"/>
+                </a:schemeClr>
+              </a:solidFill>
+            </a:endParaRPr>
+          </a:p>
+        </p:txBody>
+      </p:sp>
+      <p:sp>
+        <p:nvSpPr>
+          <p:cNvPr id="15" name="TextBox 14"/>
+          <p:cNvSpPr txBox="1"/>
+          <p:nvPr/>
+        </p:nvSpPr>
+        <p:spPr>
+          <a:xfrm>
+            <a:off x="457200" y="990600"/>
+            <a:ext cx="8229600" cy="5016758"/>
+          </a:xfrm>
+          <a:prstGeom prst="rect">
+            <a:avLst/>
+          </a:prstGeom>
+          <a:noFill/>
+        </p:spPr>
+        <p:txBody>
+          <a:bodyPr wrap="square" rtlCol="0">
+            <a:spAutoFit/>
+          </a:bodyPr>
+          <a:lstStyle/>
+          <a:p>
             <a:endParaRPr lang="en-US" sz="2000" dirty="0" smtClean="0">
               <a:solidFill>
                 <a:schemeClr val="accent1">
@@ -4715,7 +5920,7 @@
           <a:graphicData uri="http://schemas.openxmlformats.org/presentationml/2006/ole">
             <mc:AlternateContent xmlns:mc="http://schemas.openxmlformats.org/markup-compatibility/2006">
               <mc:Choice xmlns:v="urn:schemas-microsoft-com:vml" Requires="v">
-                <p:oleObj spid="_x0000_s59442" name="Equation" r:id="rId3" imgW="787400" imgH="241300" progId="Equation.3">
+                <p:oleObj spid="_x0000_s59458" name="Equation" r:id="rId3" imgW="787400" imgH="241300" progId="Equation.3">
                   <p:embed/>
                 </p:oleObj>
               </mc:Choice>
@@ -4772,7 +5977,7 @@
           <a:graphicData uri="http://schemas.openxmlformats.org/presentationml/2006/ole">
             <mc:AlternateContent xmlns:mc="http://schemas.openxmlformats.org/markup-compatibility/2006">
               <mc:Choice xmlns:v="urn:schemas-microsoft-com:vml" Requires="v">
-                <p:oleObj spid="_x0000_s59443" name="Equation" r:id="rId5" imgW="1384300" imgH="431800" progId="Equation.3">
+                <p:oleObj spid="_x0000_s59459" name="Equation" r:id="rId5" imgW="1384300" imgH="431800" progId="Equation.3">
                   <p:embed/>
                 </p:oleObj>
               </mc:Choice>
@@ -4829,7 +6034,7 @@
           <a:graphicData uri="http://schemas.openxmlformats.org/presentationml/2006/ole">
             <mc:AlternateContent xmlns:mc="http://schemas.openxmlformats.org/markup-compatibility/2006">
               <mc:Choice xmlns:v="urn:schemas-microsoft-com:vml" Requires="v">
-                <p:oleObj spid="_x0000_s59444" name="Equation" r:id="rId7" imgW="1117600" imgH="609600" progId="Equation.3">
+                <p:oleObj spid="_x0000_s59460" name="Equation" r:id="rId7" imgW="1117600" imgH="609600" progId="Equation.3">
                   <p:embed/>
                 </p:oleObj>
               </mc:Choice>
@@ -4908,7 +6113,7 @@
 </p:sld>
 </file>
 
-<file path=ppt/slides/slide11.xml><?xml version="1.0" encoding="utf-8"?>
+<file path=ppt/slides/slide14.xml><?xml version="1.0" encoding="utf-8"?>
 <p:sld xmlns:a="http://schemas.openxmlformats.org/drawingml/2006/main" xmlns:r="http://schemas.openxmlformats.org/officeDocument/2006/relationships" xmlns:p="http://schemas.openxmlformats.org/presentationml/2006/main">
   <p:cSld>
     <p:spTree>
@@ -5169,7 +6374,7 @@
           <a:graphicData uri="http://schemas.openxmlformats.org/presentationml/2006/ole">
             <mc:AlternateContent xmlns:mc="http://schemas.openxmlformats.org/markup-compatibility/2006">
               <mc:Choice xmlns:v="urn:schemas-microsoft-com:vml" Requires="v">
-                <p:oleObj spid="_x0000_s60488" name="Equation" r:id="rId3" imgW="1651000" imgH="431800" progId="Equation.3">
+                <p:oleObj spid="_x0000_s60509" name="Equation" r:id="rId3" imgW="1651000" imgH="431800" progId="Equation.3">
                   <p:embed/>
                 </p:oleObj>
               </mc:Choice>
@@ -5226,7 +6431,7 @@
           <a:graphicData uri="http://schemas.openxmlformats.org/presentationml/2006/ole">
             <mc:AlternateContent xmlns:mc="http://schemas.openxmlformats.org/markup-compatibility/2006">
               <mc:Choice xmlns:v="urn:schemas-microsoft-com:vml" Requires="v">
-                <p:oleObj spid="_x0000_s60489" name="Equation" r:id="rId5" imgW="1143000" imgH="609600" progId="Equation.3">
+                <p:oleObj spid="_x0000_s60510" name="Equation" r:id="rId5" imgW="1143000" imgH="609600" progId="Equation.3">
                   <p:embed/>
                 </p:oleObj>
               </mc:Choice>
@@ -5283,7 +6488,7 @@
           <a:graphicData uri="http://schemas.openxmlformats.org/presentationml/2006/ole">
             <mc:AlternateContent xmlns:mc="http://schemas.openxmlformats.org/markup-compatibility/2006">
               <mc:Choice xmlns:v="urn:schemas-microsoft-com:vml" Requires="v">
-                <p:oleObj spid="_x0000_s60490" name="Equation" r:id="rId7" imgW="1511300" imgH="317500" progId="Equation.3">
+                <p:oleObj spid="_x0000_s60511" name="Equation" r:id="rId7" imgW="1511300" imgH="317500" progId="Equation.3">
                   <p:embed/>
                 </p:oleObj>
               </mc:Choice>
@@ -5340,7 +6545,7 @@
           <a:graphicData uri="http://schemas.openxmlformats.org/presentationml/2006/ole">
             <mc:AlternateContent xmlns:mc="http://schemas.openxmlformats.org/markup-compatibility/2006">
               <mc:Choice xmlns:v="urn:schemas-microsoft-com:vml" Requires="v">
-                <p:oleObj spid="_x0000_s60491" name="Equation" r:id="rId9" imgW="2159000" imgH="508000" progId="Equation.3">
+                <p:oleObj spid="_x0000_s60512" name="Equation" r:id="rId9" imgW="2159000" imgH="508000" progId="Equation.3">
                   <p:embed/>
                 </p:oleObj>
               </mc:Choice>
@@ -5407,15 +6612,7 @@
                   <a:schemeClr val="tx2"/>
                 </a:solidFill>
               </a:rPr>
-              <a:t>The above function can be used to derive Max. Likelihood </a:t>
-            </a:r>
-            <a:r>
-              <a:rPr lang="en-US" sz="2400" dirty="0" smtClean="0">
-                <a:solidFill>
-                  <a:schemeClr val="tx2"/>
-                </a:solidFill>
-              </a:rPr>
-              <a:t>Estimates (see </a:t>
+              <a:t>The above function can be used to derive Max. Likelihood Estimates (see </a:t>
             </a:r>
             <a:r>
               <a:rPr lang="en-US" sz="2400" dirty="0" err="1" smtClean="0">
@@ -5465,11 +6662,6 @@
               </a:rPr>
               <a:t>)</a:t>
             </a:r>
-            <a:endParaRPr lang="en-US" sz="2400" dirty="0" smtClean="0">
-              <a:solidFill>
-                <a:schemeClr val="tx2"/>
-              </a:solidFill>
-            </a:endParaRPr>
           </a:p>
         </p:txBody>
       </p:sp>
@@ -5493,7 +6685,7 @@
 </p:sld>
 </file>
 
-<file path=ppt/slides/slide12.xml><?xml version="1.0" encoding="utf-8"?>
+<file path=ppt/slides/slide15.xml><?xml version="1.0" encoding="utf-8"?>
 <p:sld xmlns:a="http://schemas.openxmlformats.org/drawingml/2006/main" xmlns:r="http://schemas.openxmlformats.org/officeDocument/2006/relationships" xmlns:p="http://schemas.openxmlformats.org/presentationml/2006/main">
   <p:cSld>
     <p:spTree>
@@ -5805,7 +6997,7 @@
           <a:graphicData uri="http://schemas.openxmlformats.org/presentationml/2006/ole">
             <mc:AlternateContent xmlns:mc="http://schemas.openxmlformats.org/markup-compatibility/2006">
               <mc:Choice xmlns:v="urn:schemas-microsoft-com:vml" Requires="v">
-                <p:oleObj spid="_x0000_s63537" name="Equation" r:id="rId3" imgW="1092200" imgH="330200" progId="Equation.3">
+                <p:oleObj spid="_x0000_s63558" name="Equation" r:id="rId3" imgW="1092200" imgH="330200" progId="Equation.3">
                   <p:embed/>
                 </p:oleObj>
               </mc:Choice>
@@ -5862,7 +7054,7 @@
           <a:graphicData uri="http://schemas.openxmlformats.org/presentationml/2006/ole">
             <mc:AlternateContent xmlns:mc="http://schemas.openxmlformats.org/markup-compatibility/2006">
               <mc:Choice xmlns:v="urn:schemas-microsoft-com:vml" Requires="v">
-                <p:oleObj spid="_x0000_s63538" name="Equation" r:id="rId5" imgW="1168400" imgH="469900" progId="Equation.3">
+                <p:oleObj spid="_x0000_s63559" name="Equation" r:id="rId5" imgW="1168400" imgH="469900" progId="Equation.3">
                   <p:embed/>
                 </p:oleObj>
               </mc:Choice>
@@ -5919,7 +7111,7 @@
           <a:graphicData uri="http://schemas.openxmlformats.org/presentationml/2006/ole">
             <mc:AlternateContent xmlns:mc="http://schemas.openxmlformats.org/markup-compatibility/2006">
               <mc:Choice xmlns:v="urn:schemas-microsoft-com:vml" Requires="v">
-                <p:oleObj spid="_x0000_s63539" name="Equation" r:id="rId7" imgW="698500" imgH="317500" progId="Equation.3">
+                <p:oleObj spid="_x0000_s63560" name="Equation" r:id="rId7" imgW="698500" imgH="317500" progId="Equation.3">
                   <p:embed/>
                 </p:oleObj>
               </mc:Choice>
@@ -5976,7 +7168,7 @@
           <a:graphicData uri="http://schemas.openxmlformats.org/presentationml/2006/ole">
             <mc:AlternateContent xmlns:mc="http://schemas.openxmlformats.org/markup-compatibility/2006">
               <mc:Choice xmlns:v="urn:schemas-microsoft-com:vml" Requires="v">
-                <p:oleObj spid="_x0000_s63540" name="Equation" r:id="rId9" imgW="2032000" imgH="1752600" progId="Equation.3">
+                <p:oleObj spid="_x0000_s63561" name="Equation" r:id="rId9" imgW="2032000" imgH="1752600" progId="Equation.3">
                   <p:embed/>
                 </p:oleObj>
               </mc:Choice>
@@ -6031,7 +7223,7 @@
 </p:sld>
 </file>
 
-<file path=ppt/slides/slide13.xml><?xml version="1.0" encoding="utf-8"?>
+<file path=ppt/slides/slide16.xml><?xml version="1.0" encoding="utf-8"?>
 <p:sld xmlns:a="http://schemas.openxmlformats.org/drawingml/2006/main" xmlns:r="http://schemas.openxmlformats.org/officeDocument/2006/relationships" xmlns:p="http://schemas.openxmlformats.org/presentationml/2006/main">
   <p:cSld>
     <p:spTree>
@@ -6343,7 +7535,7 @@
           <a:graphicData uri="http://schemas.openxmlformats.org/presentationml/2006/ole">
             <mc:AlternateContent xmlns:mc="http://schemas.openxmlformats.org/markup-compatibility/2006">
               <mc:Choice xmlns:v="urn:schemas-microsoft-com:vml" Requires="v">
-                <p:oleObj spid="_x0000_s65545" name="Equation" r:id="rId3" imgW="787400" imgH="241300" progId="Equation.3">
+                <p:oleObj spid="_x0000_s65556" name="Equation" r:id="rId3" imgW="787400" imgH="241300" progId="Equation.3">
                   <p:embed/>
                 </p:oleObj>
               </mc:Choice>
@@ -6400,7 +7592,7 @@
           <a:graphicData uri="http://schemas.openxmlformats.org/presentationml/2006/ole">
             <mc:AlternateContent xmlns:mc="http://schemas.openxmlformats.org/markup-compatibility/2006">
               <mc:Choice xmlns:v="urn:schemas-microsoft-com:vml" Requires="v">
-                <p:oleObj spid="_x0000_s65546" name="Equation" r:id="rId5" imgW="1384300" imgH="368300" progId="Equation.3">
+                <p:oleObj spid="_x0000_s65557" name="Equation" r:id="rId5" imgW="1384300" imgH="368300" progId="Equation.3">
                   <p:embed/>
                 </p:oleObj>
               </mc:Choice>
@@ -6479,7 +7671,7 @@
 </p:sld>
 </file>
 
-<file path=ppt/slides/slide14.xml><?xml version="1.0" encoding="utf-8"?>
+<file path=ppt/slides/slide17.xml><?xml version="1.0" encoding="utf-8"?>
 <p:sld xmlns:a="http://schemas.openxmlformats.org/drawingml/2006/main" xmlns:r="http://schemas.openxmlformats.org/officeDocument/2006/relationships" xmlns:p="http://schemas.openxmlformats.org/presentationml/2006/main">
   <p:cSld>
     <p:spTree>
@@ -6756,7 +7948,7 @@
           <a:graphicData uri="http://schemas.openxmlformats.org/presentationml/2006/ole">
             <mc:AlternateContent xmlns:mc="http://schemas.openxmlformats.org/markup-compatibility/2006">
               <mc:Choice xmlns:v="urn:schemas-microsoft-com:vml" Requires="v">
-                <p:oleObj spid="_x0000_s64580" name="Equation" r:id="rId3" imgW="1511300" imgH="317500" progId="Equation.3">
+                <p:oleObj spid="_x0000_s64596" name="Equation" r:id="rId3" imgW="1511300" imgH="317500" progId="Equation.3">
                   <p:embed/>
                 </p:oleObj>
               </mc:Choice>
@@ -6813,7 +8005,7 @@
           <a:graphicData uri="http://schemas.openxmlformats.org/presentationml/2006/ole">
             <mc:AlternateContent xmlns:mc="http://schemas.openxmlformats.org/markup-compatibility/2006">
               <mc:Choice xmlns:v="urn:schemas-microsoft-com:vml" Requires="v">
-                <p:oleObj spid="_x0000_s64581" name="Equation" r:id="rId5" imgW="3657600" imgH="431800" progId="Equation.3">
+                <p:oleObj spid="_x0000_s64597" name="Equation" r:id="rId5" imgW="3657600" imgH="431800" progId="Equation.3">
                   <p:embed/>
                 </p:oleObj>
               </mc:Choice>
@@ -6870,7 +8062,7 @@
           <a:graphicData uri="http://schemas.openxmlformats.org/presentationml/2006/ole">
             <mc:AlternateContent xmlns:mc="http://schemas.openxmlformats.org/markup-compatibility/2006">
               <mc:Choice xmlns:v="urn:schemas-microsoft-com:vml" Requires="v">
-                <p:oleObj spid="_x0000_s64582" name="Equation" r:id="rId7" imgW="1384300" imgH="368300" progId="Equation.3">
+                <p:oleObj spid="_x0000_s64598" name="Equation" r:id="rId7" imgW="1384300" imgH="368300" progId="Equation.3">
                   <p:embed/>
                 </p:oleObj>
               </mc:Choice>
@@ -6937,15 +8129,7 @@
                   <a:schemeClr val="tx2"/>
                 </a:solidFill>
               </a:rPr>
-              <a:t>The above function can be used to derive Max. Likelihood </a:t>
-            </a:r>
-            <a:r>
-              <a:rPr lang="en-US" sz="2400" dirty="0" smtClean="0">
-                <a:solidFill>
-                  <a:schemeClr val="tx2"/>
-                </a:solidFill>
-              </a:rPr>
-              <a:t>Estimates (see </a:t>
+              <a:t>The above function can be used to derive Max. Likelihood Estimates (see </a:t>
             </a:r>
             <a:r>
               <a:rPr lang="en-US" sz="2400" dirty="0" err="1" smtClean="0">
@@ -7015,11 +8199,6 @@
               </a:rPr>
               <a:t>)</a:t>
             </a:r>
-            <a:endParaRPr lang="en-US" sz="2400" dirty="0" smtClean="0">
-              <a:solidFill>
-                <a:schemeClr val="tx2"/>
-              </a:solidFill>
-            </a:endParaRPr>
           </a:p>
           <a:p>
             <a:pPr marL="342900" indent="-342900">
@@ -7046,15 +8225,7 @@
                   <a:schemeClr val="tx2"/>
                 </a:solidFill>
               </a:rPr>
-              <a:t>Instead we will use ‘data augmentation</a:t>
-            </a:r>
-            <a:r>
-              <a:rPr lang="en-US" sz="2400" dirty="0" smtClean="0">
-                <a:solidFill>
-                  <a:schemeClr val="tx2"/>
-                </a:solidFill>
-              </a:rPr>
-              <a:t>’</a:t>
+              <a:t>Instead we will use ‘data augmentation’</a:t>
             </a:r>
             <a:endParaRPr lang="en-US" sz="2400" dirty="0">
               <a:solidFill>
@@ -7084,7 +8255,7 @@
 </p:sld>
 </file>
 
-<file path=ppt/slides/slide15.xml><?xml version="1.0" encoding="utf-8"?>
+<file path=ppt/slides/slide18.xml><?xml version="1.0" encoding="utf-8"?>
 <p:sld xmlns:a="http://schemas.openxmlformats.org/drawingml/2006/main" xmlns:r="http://schemas.openxmlformats.org/officeDocument/2006/relationships" xmlns:p="http://schemas.openxmlformats.org/presentationml/2006/main">
   <p:cSld>
     <p:spTree>
@@ -7480,7 +8651,7 @@
           <a:graphicData uri="http://schemas.openxmlformats.org/presentationml/2006/ole">
             <mc:AlternateContent xmlns:mc="http://schemas.openxmlformats.org/markup-compatibility/2006">
               <mc:Choice xmlns:v="urn:schemas-microsoft-com:vml" Requires="v">
-                <p:oleObj spid="_x0000_s66577" name="Equation" r:id="rId4" imgW="3543300" imgH="647700" progId="Equation.3">
+                <p:oleObj spid="_x0000_s66598" name="Equation" r:id="rId4" imgW="3543300" imgH="647700" progId="Equation.3">
                   <p:embed/>
                 </p:oleObj>
               </mc:Choice>
@@ -7537,7 +8708,7 @@
           <a:graphicData uri="http://schemas.openxmlformats.org/presentationml/2006/ole">
             <mc:AlternateContent xmlns:mc="http://schemas.openxmlformats.org/markup-compatibility/2006">
               <mc:Choice xmlns:v="urn:schemas-microsoft-com:vml" Requires="v">
-                <p:oleObj spid="_x0000_s66578" name="Equation" r:id="rId6" imgW="939800" imgH="292100" progId="Equation.3">
+                <p:oleObj spid="_x0000_s66599" name="Equation" r:id="rId6" imgW="939800" imgH="292100" progId="Equation.3">
                   <p:embed/>
                 </p:oleObj>
               </mc:Choice>
@@ -7594,7 +8765,7 @@
           <a:graphicData uri="http://schemas.openxmlformats.org/presentationml/2006/ole">
             <mc:AlternateContent xmlns:mc="http://schemas.openxmlformats.org/markup-compatibility/2006">
               <mc:Choice xmlns:v="urn:schemas-microsoft-com:vml" Requires="v">
-                <p:oleObj spid="_x0000_s66579" name="Equation" r:id="rId8" imgW="215900" imgH="215900" progId="Equation.3">
+                <p:oleObj spid="_x0000_s66600" name="Equation" r:id="rId8" imgW="215900" imgH="215900" progId="Equation.3">
                   <p:embed/>
                 </p:oleObj>
               </mc:Choice>
@@ -7653,15 +8824,7 @@
             <a:pPr algn="ctr"/>
             <a:r>
               <a:rPr lang="en-US" dirty="0" smtClean="0"/>
-              <a:t>Unobserved </a:t>
-            </a:r>
-            <a:r>
-              <a:rPr lang="en-US" dirty="0" smtClean="0"/>
-              <a:t>liability</a:t>
-            </a:r>
-            <a:r>
-              <a:rPr lang="en-US" dirty="0" smtClean="0"/>
-              <a:t>.</a:t>
+              <a:t>Unobserved liability.</a:t>
             </a:r>
             <a:endParaRPr lang="en-US" dirty="0"/>
           </a:p>
@@ -7689,7 +8852,7 @@
           <a:graphicData uri="http://schemas.openxmlformats.org/presentationml/2006/ole">
             <mc:AlternateContent xmlns:mc="http://schemas.openxmlformats.org/markup-compatibility/2006">
               <mc:Choice xmlns:v="urn:schemas-microsoft-com:vml" Requires="v">
-                <p:oleObj spid="_x0000_s66580" name="Equation" r:id="rId10" imgW="4978400" imgH="647700" progId="Equation.3">
+                <p:oleObj spid="_x0000_s66601" name="Equation" r:id="rId10" imgW="4978400" imgH="647700" progId="Equation.3">
                   <p:embed/>
                 </p:oleObj>
               </mc:Choice>
@@ -7744,7 +8907,7 @@
 </p:sld>
 </file>
 
-<file path=ppt/slides/slide16.xml><?xml version="1.0" encoding="utf-8"?>
+<file path=ppt/slides/slide19.xml><?xml version="1.0" encoding="utf-8"?>
 <p:sld xmlns:a="http://schemas.openxmlformats.org/drawingml/2006/main" xmlns:r="http://schemas.openxmlformats.org/officeDocument/2006/relationships" xmlns:p="http://schemas.openxmlformats.org/presentationml/2006/main">
   <p:cSld>
     <p:spTree>
@@ -8025,7 +9188,7 @@
           <a:graphicData uri="http://schemas.openxmlformats.org/presentationml/2006/ole">
             <mc:AlternateContent xmlns:mc="http://schemas.openxmlformats.org/markup-compatibility/2006">
               <mc:Choice xmlns:v="urn:schemas-microsoft-com:vml" Requires="v">
-                <p:oleObj spid="_x0000_s67589" name="Equation" r:id="rId4" imgW="2946400" imgH="647700" progId="Equation.3">
+                <p:oleObj spid="_x0000_s67595" name="Equation" r:id="rId4" imgW="2946400" imgH="647700" progId="Equation.3">
                   <p:embed/>
                 </p:oleObj>
               </mc:Choice>
@@ -9511,7 +10674,7 @@
                   <a:srgbClr val="800000"/>
                 </a:solidFill>
               </a:rPr>
-              <a:t>Notation</a:t>
+              <a:t>Notation and datum Likelihood</a:t>
             </a:r>
             <a:endParaRPr lang="en-US" dirty="0" smtClean="0">
               <a:solidFill>
@@ -9531,7 +10694,7 @@
         </p:nvSpPr>
         <p:spPr>
           <a:xfrm>
-            <a:off x="457200" y="990600"/>
+            <a:off x="152400" y="914400"/>
             <a:ext cx="8229600" cy="1446550"/>
           </a:xfrm>
           <a:prstGeom prst="rect">
@@ -9559,7 +10722,7 @@
                   <a:srgbClr val="1F497D"/>
                 </a:solidFill>
               </a:rPr>
-              <a:t>variables</a:t>
+              <a:t>vectors</a:t>
             </a:r>
             <a:endParaRPr lang="en-US" sz="2000" dirty="0" smtClean="0">
               <a:solidFill>
@@ -9585,34 +10748,16 @@
               <a:buChar char="-"/>
             </a:pPr>
             <a:r>
-              <a:rPr lang="en-US" sz="2000" dirty="0" smtClean="0">
-                <a:solidFill>
-                  <a:schemeClr val="accent1">
-                    <a:lumMod val="75000"/>
-                  </a:schemeClr>
-                </a:solidFill>
-              </a:rPr>
-              <a:t>Y</a:t>
-            </a:r>
-            <a:r>
-              <a:rPr lang="en-US" sz="2000" baseline="-25000" dirty="0" smtClean="0">
-                <a:solidFill>
-                  <a:schemeClr val="accent1">
-                    <a:lumMod val="75000"/>
-                  </a:schemeClr>
-                </a:solidFill>
-              </a:rPr>
-              <a:t>i</a:t>
-            </a:r>
-            <a:r>
-              <a:rPr lang="en-US" sz="2000" dirty="0" smtClean="0">
-                <a:solidFill>
-                  <a:schemeClr val="accent1">
-                    <a:lumMod val="75000"/>
-                  </a:schemeClr>
-                </a:solidFill>
-              </a:rPr>
-              <a:t> : time to event or time to censoring.</a:t>
+              <a:rPr lang="en-US" sz="2000" i="1" dirty="0" smtClean="0"/>
+              <a:t>y</a:t>
+            </a:r>
+            <a:r>
+              <a:rPr lang="en-US" sz="2000" dirty="0" smtClean="0"/>
+              <a:t> </a:t>
+            </a:r>
+            <a:r>
+              <a:rPr lang="en-US" sz="2000" dirty="0" smtClean="0"/>
+              <a:t>: time to event or time to censoring.</a:t>
             </a:r>
           </a:p>
           <a:p>
@@ -9621,44 +10766,24 @@
               <a:buChar char="-"/>
             </a:pPr>
             <a:r>
-              <a:rPr lang="en-US" sz="2000" dirty="0" err="1" smtClean="0">
-                <a:solidFill>
-                  <a:schemeClr val="accent1">
-                    <a:lumMod val="75000"/>
-                  </a:schemeClr>
-                </a:solidFill>
-              </a:rPr>
-              <a:t>C</a:t>
-            </a:r>
-            <a:r>
-              <a:rPr lang="en-US" sz="2000" baseline="-25000" dirty="0" err="1" smtClean="0">
-                <a:solidFill>
-                  <a:schemeClr val="accent1">
-                    <a:lumMod val="75000"/>
-                  </a:schemeClr>
-                </a:solidFill>
-              </a:rPr>
-              <a:t>i</a:t>
-            </a:r>
-            <a:r>
-              <a:rPr lang="en-US" sz="2000" baseline="-25000" dirty="0" smtClean="0">
-                <a:solidFill>
-                  <a:schemeClr val="accent1">
-                    <a:lumMod val="75000"/>
-                  </a:schemeClr>
-                </a:solidFill>
-              </a:rPr>
-              <a:t>:  </a:t>
-            </a:r>
-            <a:r>
-              <a:rPr lang="en-US" sz="2000" dirty="0" smtClean="0">
-                <a:solidFill>
-                  <a:schemeClr val="accent1">
-                    <a:lumMod val="75000"/>
-                  </a:schemeClr>
-                </a:solidFill>
-              </a:rPr>
-              <a:t>1 if event, 0 if censored</a:t>
+              <a:rPr lang="en-US" sz="2000" i="1" dirty="0" smtClean="0"/>
+              <a:t>d</a:t>
+            </a:r>
+            <a:r>
+              <a:rPr lang="en-US" sz="2000" baseline="-25000" dirty="0" smtClean="0"/>
+              <a:t> </a:t>
+            </a:r>
+            <a:r>
+              <a:rPr lang="en-US" sz="2000" dirty="0" smtClean="0"/>
+              <a:t>: 1 </a:t>
+            </a:r>
+            <a:r>
+              <a:rPr lang="en-US" sz="2000" dirty="0" smtClean="0"/>
+              <a:t>if event, 0 if </a:t>
+            </a:r>
+            <a:r>
+              <a:rPr lang="en-US" sz="2000" dirty="0" smtClean="0"/>
+              <a:t>censored.</a:t>
             </a:r>
           </a:p>
         </p:txBody>
@@ -9699,6 +10824,174 @@
           </a:p>
         </p:txBody>
       </p:sp>
+      <p:sp>
+        <p:nvSpPr>
+          <p:cNvPr id="6" name="TextBox 5"/>
+          <p:cNvSpPr txBox="1"/>
+          <p:nvPr/>
+        </p:nvSpPr>
+        <p:spPr>
+          <a:xfrm>
+            <a:off x="228600" y="2590800"/>
+            <a:ext cx="8229600" cy="1138773"/>
+          </a:xfrm>
+          <a:prstGeom prst="rect">
+            <a:avLst/>
+          </a:prstGeom>
+          <a:noFill/>
+        </p:spPr>
+        <p:txBody>
+          <a:bodyPr wrap="square" rtlCol="0">
+            <a:spAutoFit/>
+          </a:bodyPr>
+          <a:lstStyle/>
+          <a:p>
+            <a:r>
+              <a:rPr lang="en-US" sz="2800" dirty="0" smtClean="0">
+                <a:solidFill>
+                  <a:srgbClr val="1F497D"/>
+                </a:solidFill>
+              </a:rPr>
+              <a:t>For notation purposes, we will use </a:t>
+            </a:r>
+            <a:endParaRPr lang="en-US" sz="2000" dirty="0" smtClean="0">
+              <a:solidFill>
+                <a:schemeClr val="accent1">
+                  <a:lumMod val="75000"/>
+                </a:schemeClr>
+              </a:solidFill>
+            </a:endParaRPr>
+          </a:p>
+          <a:p>
+            <a:pPr lvl="1"/>
+            <a:endParaRPr lang="en-US" sz="2000" dirty="0">
+              <a:solidFill>
+                <a:schemeClr val="accent1">
+                  <a:lumMod val="75000"/>
+                </a:schemeClr>
+              </a:solidFill>
+            </a:endParaRPr>
+          </a:p>
+          <a:p>
+            <a:pPr lvl="1"/>
+            <a:endParaRPr lang="en-US" sz="2000" dirty="0" smtClean="0"/>
+          </a:p>
+        </p:txBody>
+      </p:sp>
+      <p:graphicFrame>
+        <p:nvGraphicFramePr>
+          <p:cNvPr id="7" name="Object 6"/>
+          <p:cNvGraphicFramePr>
+            <a:graphicFrameLocks noChangeAspect="1"/>
+          </p:cNvGraphicFramePr>
+          <p:nvPr>
+            <p:extLst>
+              <p:ext uri="{D42A27DB-BD31-4B8C-83A1-F6EECF244321}">
+                <p14:modId xmlns:p14="http://schemas.microsoft.com/office/powerpoint/2010/main" val="3081422989"/>
+              </p:ext>
+            </p:extLst>
+          </p:nvPr>
+        </p:nvGraphicFramePr>
+        <p:xfrm>
+          <a:off x="533400" y="3429000"/>
+          <a:ext cx="7391400" cy="430322"/>
+        </p:xfrm>
+        <a:graphic>
+          <a:graphicData uri="http://schemas.openxmlformats.org/presentationml/2006/ole">
+            <mc:AlternateContent xmlns:mc="http://schemas.openxmlformats.org/markup-compatibility/2006">
+              <mc:Choice xmlns:v="urn:schemas-microsoft-com:vml" Requires="v">
+                <p:oleObj spid="_x0000_s70665" name="Equation" r:id="rId3" imgW="3721100" imgH="215900" progId="Equation.3">
+                  <p:embed/>
+                </p:oleObj>
+              </mc:Choice>
+              <mc:Fallback>
+                <p:oleObj name="Equation" r:id="rId3" imgW="3721100" imgH="215900" progId="Equation.3">
+                  <p:embed/>
+                  <p:pic>
+                    <p:nvPicPr>
+                      <p:cNvPr id="0" name=""/>
+                      <p:cNvPicPr/>
+                      <p:nvPr/>
+                    </p:nvPicPr>
+                    <p:blipFill>
+                      <a:blip r:embed="rId4"/>
+                      <a:stretch>
+                        <a:fillRect/>
+                      </a:stretch>
+                    </p:blipFill>
+                    <p:spPr>
+                      <a:xfrm>
+                        <a:off x="533400" y="3429000"/>
+                        <a:ext cx="7391400" cy="430322"/>
+                      </a:xfrm>
+                      <a:prstGeom prst="rect">
+                        <a:avLst/>
+                      </a:prstGeom>
+                    </p:spPr>
+                  </p:pic>
+                </p:oleObj>
+              </mc:Fallback>
+            </mc:AlternateContent>
+          </a:graphicData>
+        </a:graphic>
+      </p:graphicFrame>
+      <p:graphicFrame>
+        <p:nvGraphicFramePr>
+          <p:cNvPr id="8" name="Object 7"/>
+          <p:cNvGraphicFramePr>
+            <a:graphicFrameLocks noChangeAspect="1"/>
+          </p:cNvGraphicFramePr>
+          <p:nvPr>
+            <p:extLst>
+              <p:ext uri="{D42A27DB-BD31-4B8C-83A1-F6EECF244321}">
+                <p14:modId xmlns:p14="http://schemas.microsoft.com/office/powerpoint/2010/main" val="1987343427"/>
+              </p:ext>
+            </p:extLst>
+          </p:nvPr>
+        </p:nvGraphicFramePr>
+        <p:xfrm>
+          <a:off x="457200" y="4233432"/>
+          <a:ext cx="8534400" cy="414767"/>
+        </p:xfrm>
+        <a:graphic>
+          <a:graphicData uri="http://schemas.openxmlformats.org/presentationml/2006/ole">
+            <mc:AlternateContent xmlns:mc="http://schemas.openxmlformats.org/markup-compatibility/2006">
+              <mc:Choice xmlns:v="urn:schemas-microsoft-com:vml" Requires="v">
+                <p:oleObj spid="_x0000_s70666" name="Equation" r:id="rId5" imgW="4457700" imgH="215900" progId="Equation.3">
+                  <p:embed/>
+                </p:oleObj>
+              </mc:Choice>
+              <mc:Fallback>
+                <p:oleObj name="Equation" r:id="rId5" imgW="4457700" imgH="215900" progId="Equation.3">
+                  <p:embed/>
+                  <p:pic>
+                    <p:nvPicPr>
+                      <p:cNvPr id="0" name=""/>
+                      <p:cNvPicPr/>
+                      <p:nvPr/>
+                    </p:nvPicPr>
+                    <p:blipFill>
+                      <a:blip r:embed="rId6"/>
+                      <a:stretch>
+                        <a:fillRect/>
+                      </a:stretch>
+                    </p:blipFill>
+                    <p:spPr>
+                      <a:xfrm>
+                        <a:off x="457200" y="4233432"/>
+                        <a:ext cx="8534400" cy="414767"/>
+                      </a:xfrm>
+                      <a:prstGeom prst="rect">
+                        <a:avLst/>
+                      </a:prstGeom>
+                    </p:spPr>
+                  </p:pic>
+                </p:oleObj>
+              </mc:Fallback>
+            </mc:AlternateContent>
+          </a:graphicData>
+        </a:graphic>
+      </p:graphicFrame>
     </p:spTree>
     <p:extLst>
       <p:ext uri="{BB962C8B-B14F-4D97-AF65-F5344CB8AC3E}">
@@ -9766,7 +11059,17 @@
                   </a:schemeClr>
                 </a:solidFill>
               </a:rPr>
-              <a:t>Likelihood Function</a:t>
+              <a:t>Likelihood </a:t>
+            </a:r>
+            <a:r>
+              <a:rPr lang="en-US" sz="3200" dirty="0" smtClean="0">
+                <a:solidFill>
+                  <a:schemeClr val="accent2">
+                    <a:lumMod val="75000"/>
+                  </a:schemeClr>
+                </a:solidFill>
+              </a:rPr>
+              <a:t>Function (single-data-point)</a:t>
             </a:r>
             <a:endParaRPr lang="en-US" sz="3200" dirty="0">
               <a:solidFill>
@@ -9978,34 +11281,72 @@
           </a:p>
         </p:txBody>
       </p:sp>
+      <p:sp>
+        <p:nvSpPr>
+          <p:cNvPr id="3" name="TextBox 2"/>
+          <p:cNvSpPr txBox="1"/>
+          <p:nvPr/>
+        </p:nvSpPr>
+        <p:spPr>
+          <a:xfrm>
+            <a:off x="381000" y="990600"/>
+            <a:ext cx="3276600" cy="461665"/>
+          </a:xfrm>
+          <a:prstGeom prst="rect">
+            <a:avLst/>
+          </a:prstGeom>
+          <a:noFill/>
+        </p:spPr>
+        <p:txBody>
+          <a:bodyPr wrap="square" rtlCol="0">
+            <a:spAutoFit/>
+          </a:bodyPr>
+          <a:lstStyle/>
+          <a:p>
+            <a:r>
+              <a:rPr lang="en-US" sz="2400" dirty="0" smtClean="0">
+                <a:solidFill>
+                  <a:schemeClr val="tx2"/>
+                </a:solidFill>
+              </a:rPr>
+              <a:t>Observed Data-points</a:t>
+            </a:r>
+            <a:endParaRPr lang="en-US" sz="2400" dirty="0">
+              <a:solidFill>
+                <a:schemeClr val="tx2"/>
+              </a:solidFill>
+            </a:endParaRPr>
+          </a:p>
+        </p:txBody>
+      </p:sp>
       <p:graphicFrame>
         <p:nvGraphicFramePr>
-          <p:cNvPr id="5" name="Object 4"/>
+          <p:cNvPr id="14" name="Object 13"/>
           <p:cNvGraphicFramePr>
             <a:graphicFrameLocks noChangeAspect="1"/>
           </p:cNvGraphicFramePr>
           <p:nvPr>
             <p:extLst>
               <p:ext uri="{D42A27DB-BD31-4B8C-83A1-F6EECF244321}">
-                <p14:modId xmlns:p14="http://schemas.microsoft.com/office/powerpoint/2010/main" val="650976578"/>
+                <p14:modId xmlns:p14="http://schemas.microsoft.com/office/powerpoint/2010/main" val="2574508356"/>
               </p:ext>
             </p:extLst>
           </p:nvPr>
         </p:nvGraphicFramePr>
         <p:xfrm>
-          <a:off x="914400" y="3124200"/>
-          <a:ext cx="6745288" cy="1309687"/>
+          <a:off x="685800" y="1447800"/>
+          <a:ext cx="3532188" cy="1079500"/>
         </p:xfrm>
         <a:graphic>
           <a:graphicData uri="http://schemas.openxmlformats.org/presentationml/2006/ole">
             <mc:AlternateContent xmlns:mc="http://schemas.openxmlformats.org/markup-compatibility/2006">
               <mc:Choice xmlns:v="urn:schemas-microsoft-com:vml" Requires="v">
-                <p:oleObj spid="_x0000_s56385" name="Equation" r:id="rId4" imgW="4064000" imgH="787400" progId="Equation.3">
+                <p:oleObj spid="_x0000_s56397" name="Equation" r:id="rId4" imgW="2578100" imgH="787400" progId="Equation.3">
                   <p:embed/>
                 </p:oleObj>
               </mc:Choice>
               <mc:Fallback>
-                <p:oleObj name="Equation" r:id="rId4" imgW="4064000" imgH="787400" progId="Equation.3">
+                <p:oleObj name="Equation" r:id="rId4" imgW="2578100" imgH="787400" progId="Equation.3">
                   <p:embed/>
                   <p:pic>
                     <p:nvPicPr>
@@ -10021,8 +11362,8 @@
                     </p:blipFill>
                     <p:spPr>
                       <a:xfrm>
-                        <a:off x="914400" y="3124200"/>
-                        <a:ext cx="6745288" cy="1309687"/>
+                        <a:off x="685800" y="1447800"/>
+                        <a:ext cx="3532188" cy="1079500"/>
                       </a:xfrm>
                       <a:prstGeom prst="rect">
                         <a:avLst/>
@@ -10037,14 +11378,14 @@
       </p:graphicFrame>
       <p:sp>
         <p:nvSpPr>
-          <p:cNvPr id="3" name="TextBox 2"/>
+          <p:cNvPr id="15" name="TextBox 14"/>
           <p:cNvSpPr txBox="1"/>
           <p:nvPr/>
         </p:nvSpPr>
         <p:spPr>
           <a:xfrm>
-            <a:off x="381000" y="990600"/>
-            <a:ext cx="3276600" cy="461665"/>
+            <a:off x="304800" y="3048000"/>
+            <a:ext cx="5486400" cy="461665"/>
           </a:xfrm>
           <a:prstGeom prst="rect">
             <a:avLst/>
@@ -10063,7 +11404,7 @@
                   <a:schemeClr val="tx2"/>
                 </a:solidFill>
               </a:rPr>
-              <a:t>Observed Data-points</a:t>
+              <a:t>Censored Data-points</a:t>
             </a:r>
             <a:endParaRPr lang="en-US" sz="2400" dirty="0">
               <a:solidFill>
@@ -10075,32 +11416,32 @@
       </p:sp>
       <p:graphicFrame>
         <p:nvGraphicFramePr>
-          <p:cNvPr id="14" name="Object 13"/>
+          <p:cNvPr id="16" name="Object 15"/>
           <p:cNvGraphicFramePr>
             <a:graphicFrameLocks noChangeAspect="1"/>
           </p:cNvGraphicFramePr>
           <p:nvPr>
             <p:extLst>
               <p:ext uri="{D42A27DB-BD31-4B8C-83A1-F6EECF244321}">
-                <p14:modId xmlns:p14="http://schemas.microsoft.com/office/powerpoint/2010/main" val="1444522084"/>
+                <p14:modId xmlns:p14="http://schemas.microsoft.com/office/powerpoint/2010/main" val="2459772094"/>
               </p:ext>
             </p:extLst>
           </p:nvPr>
         </p:nvGraphicFramePr>
         <p:xfrm>
-          <a:off x="228600" y="1524000"/>
-          <a:ext cx="3532188" cy="1079500"/>
+          <a:off x="533400" y="3581400"/>
+          <a:ext cx="4373562" cy="1076325"/>
         </p:xfrm>
         <a:graphic>
           <a:graphicData uri="http://schemas.openxmlformats.org/presentationml/2006/ole">
             <mc:AlternateContent xmlns:mc="http://schemas.openxmlformats.org/markup-compatibility/2006">
               <mc:Choice xmlns:v="urn:schemas-microsoft-com:vml" Requires="v">
-                <p:oleObj spid="_x0000_s56386" name="Equation" r:id="rId6" imgW="2578100" imgH="787400" progId="Equation.3">
+                <p:oleObj spid="_x0000_s56398" name="Equation" r:id="rId6" imgW="3200400" imgH="787400" progId="Equation.3">
                   <p:embed/>
                 </p:oleObj>
               </mc:Choice>
               <mc:Fallback>
-                <p:oleObj name="Equation" r:id="rId6" imgW="2578100" imgH="787400" progId="Equation.3">
+                <p:oleObj name="Equation" r:id="rId6" imgW="3200400" imgH="787400" progId="Equation.3">
                   <p:embed/>
                   <p:pic>
                     <p:nvPicPr>
@@ -10116,8 +11457,8 @@
                     </p:blipFill>
                     <p:spPr>
                       <a:xfrm>
-                        <a:off x="228600" y="1524000"/>
-                        <a:ext cx="3532188" cy="1079500"/>
+                        <a:off x="533400" y="3581400"/>
+                        <a:ext cx="4373562" cy="1076325"/>
                       </a:xfrm>
                       <a:prstGeom prst="rect">
                         <a:avLst/>
@@ -10130,239 +11471,6 @@
           </a:graphicData>
         </a:graphic>
       </p:graphicFrame>
-      <p:sp>
-        <p:nvSpPr>
-          <p:cNvPr id="15" name="TextBox 14"/>
-          <p:cNvSpPr txBox="1"/>
-          <p:nvPr/>
-        </p:nvSpPr>
-        <p:spPr>
-          <a:xfrm>
-            <a:off x="5334000" y="990600"/>
-            <a:ext cx="3276600" cy="461665"/>
-          </a:xfrm>
-          <a:prstGeom prst="rect">
-            <a:avLst/>
-          </a:prstGeom>
-          <a:noFill/>
-        </p:spPr>
-        <p:txBody>
-          <a:bodyPr wrap="square" rtlCol="0">
-            <a:spAutoFit/>
-          </a:bodyPr>
-          <a:lstStyle/>
-          <a:p>
-            <a:pPr algn="ctr"/>
-            <a:r>
-              <a:rPr lang="en-US" sz="2400" dirty="0" smtClean="0">
-                <a:solidFill>
-                  <a:schemeClr val="tx2"/>
-                </a:solidFill>
-              </a:rPr>
-              <a:t>Censored Data-points</a:t>
-            </a:r>
-            <a:endParaRPr lang="en-US" sz="2400" dirty="0">
-              <a:solidFill>
-                <a:schemeClr val="tx2"/>
-              </a:solidFill>
-            </a:endParaRPr>
-          </a:p>
-        </p:txBody>
-      </p:sp>
-      <p:graphicFrame>
-        <p:nvGraphicFramePr>
-          <p:cNvPr id="16" name="Object 15"/>
-          <p:cNvGraphicFramePr>
-            <a:graphicFrameLocks noChangeAspect="1"/>
-          </p:cNvGraphicFramePr>
-          <p:nvPr>
-            <p:extLst>
-              <p:ext uri="{D42A27DB-BD31-4B8C-83A1-F6EECF244321}">
-                <p14:modId xmlns:p14="http://schemas.microsoft.com/office/powerpoint/2010/main" val="4209427410"/>
-              </p:ext>
-            </p:extLst>
-          </p:nvPr>
-        </p:nvGraphicFramePr>
-        <p:xfrm>
-          <a:off x="4724400" y="1600200"/>
-          <a:ext cx="4025900" cy="1076325"/>
-        </p:xfrm>
-        <a:graphic>
-          <a:graphicData uri="http://schemas.openxmlformats.org/presentationml/2006/ole">
-            <mc:AlternateContent xmlns:mc="http://schemas.openxmlformats.org/markup-compatibility/2006">
-              <mc:Choice xmlns:v="urn:schemas-microsoft-com:vml" Requires="v">
-                <p:oleObj spid="_x0000_s56387" name="Equation" r:id="rId8" imgW="2946400" imgH="787400" progId="Equation.3">
-                  <p:embed/>
-                </p:oleObj>
-              </mc:Choice>
-              <mc:Fallback>
-                <p:oleObj name="Equation" r:id="rId8" imgW="2946400" imgH="787400" progId="Equation.3">
-                  <p:embed/>
-                  <p:pic>
-                    <p:nvPicPr>
-                      <p:cNvPr id="0" name=""/>
-                      <p:cNvPicPr/>
-                      <p:nvPr/>
-                    </p:nvPicPr>
-                    <p:blipFill>
-                      <a:blip r:embed="rId9"/>
-                      <a:stretch>
-                        <a:fillRect/>
-                      </a:stretch>
-                    </p:blipFill>
-                    <p:spPr>
-                      <a:xfrm>
-                        <a:off x="4724400" y="1600200"/>
-                        <a:ext cx="4025900" cy="1076325"/>
-                      </a:xfrm>
-                      <a:prstGeom prst="rect">
-                        <a:avLst/>
-                      </a:prstGeom>
-                    </p:spPr>
-                  </p:pic>
-                </p:oleObj>
-              </mc:Fallback>
-            </mc:AlternateContent>
-          </a:graphicData>
-        </a:graphic>
-      </p:graphicFrame>
-      <p:sp>
-        <p:nvSpPr>
-          <p:cNvPr id="17" name="TextBox 16"/>
-          <p:cNvSpPr txBox="1"/>
-          <p:nvPr/>
-        </p:nvSpPr>
-        <p:spPr>
-          <a:xfrm>
-            <a:off x="2819400" y="2667000"/>
-            <a:ext cx="3276600" cy="461665"/>
-          </a:xfrm>
-          <a:prstGeom prst="rect">
-            <a:avLst/>
-          </a:prstGeom>
-          <a:noFill/>
-        </p:spPr>
-        <p:txBody>
-          <a:bodyPr wrap="square" rtlCol="0">
-            <a:spAutoFit/>
-          </a:bodyPr>
-          <a:lstStyle/>
-          <a:p>
-            <a:r>
-              <a:rPr lang="en-US" sz="2400" dirty="0" smtClean="0">
-                <a:solidFill>
-                  <a:schemeClr val="tx2"/>
-                </a:solidFill>
-              </a:rPr>
-              <a:t>Likelihood Function</a:t>
-            </a:r>
-            <a:endParaRPr lang="en-US" sz="2400" dirty="0">
-              <a:solidFill>
-                <a:schemeClr val="tx2"/>
-              </a:solidFill>
-            </a:endParaRPr>
-          </a:p>
-        </p:txBody>
-      </p:sp>
-      <p:sp>
-        <p:nvSpPr>
-          <p:cNvPr id="11" name="TextBox 10"/>
-          <p:cNvSpPr txBox="1"/>
-          <p:nvPr/>
-        </p:nvSpPr>
-        <p:spPr>
-          <a:xfrm>
-            <a:off x="0" y="4495800"/>
-            <a:ext cx="8839200" cy="1938992"/>
-          </a:xfrm>
-          <a:prstGeom prst="rect">
-            <a:avLst/>
-          </a:prstGeom>
-          <a:noFill/>
-        </p:spPr>
-        <p:txBody>
-          <a:bodyPr wrap="square" rtlCol="0">
-            <a:spAutoFit/>
-          </a:bodyPr>
-          <a:lstStyle/>
-          <a:p>
-            <a:pPr marL="342900" indent="-342900">
-              <a:buFontTx/>
-              <a:buChar char="-"/>
-            </a:pPr>
-            <a:r>
-              <a:rPr lang="en-US" sz="2400" dirty="0" smtClean="0">
-                <a:solidFill>
-                  <a:schemeClr val="tx2"/>
-                </a:solidFill>
-              </a:rPr>
-              <a:t>The above function can be used to derive Max. Likelihood </a:t>
-            </a:r>
-            <a:r>
-              <a:rPr lang="en-US" sz="2400" dirty="0" smtClean="0">
-                <a:solidFill>
-                  <a:schemeClr val="tx2"/>
-                </a:solidFill>
-              </a:rPr>
-              <a:t>Estimates (see </a:t>
-            </a:r>
-            <a:r>
-              <a:rPr lang="en-US" sz="2400" dirty="0" err="1" smtClean="0">
-                <a:solidFill>
-                  <a:schemeClr val="tx2"/>
-                </a:solidFill>
-              </a:rPr>
-              <a:t>survreg</a:t>
-            </a:r>
-            <a:r>
-              <a:rPr lang="en-US" sz="2400" dirty="0" smtClean="0">
-                <a:solidFill>
-                  <a:schemeClr val="tx2"/>
-                </a:solidFill>
-              </a:rPr>
-              <a:t> of survival package)</a:t>
-            </a:r>
-            <a:endParaRPr lang="en-US" sz="2400" dirty="0" smtClean="0">
-              <a:solidFill>
-                <a:schemeClr val="tx2"/>
-              </a:solidFill>
-            </a:endParaRPr>
-          </a:p>
-          <a:p>
-            <a:pPr marL="342900" indent="-342900">
-              <a:buFontTx/>
-              <a:buChar char="-"/>
-            </a:pPr>
-            <a:r>
-              <a:rPr lang="en-US" sz="2400" dirty="0" smtClean="0">
-                <a:solidFill>
-                  <a:schemeClr val="tx2"/>
-                </a:solidFill>
-              </a:rPr>
-              <a:t>ML and Bayesian analysis can be difficult because the integrals involved do not have closed forms.</a:t>
-            </a:r>
-          </a:p>
-          <a:p>
-            <a:pPr marL="342900" indent="-342900">
-              <a:buFontTx/>
-              <a:buChar char="-"/>
-            </a:pPr>
-            <a:r>
-              <a:rPr lang="en-US" sz="2400" dirty="0" smtClean="0">
-                <a:solidFill>
-                  <a:schemeClr val="tx2"/>
-                </a:solidFill>
-              </a:rPr>
-              <a:t>Instead we will use ‘data augmentation’</a:t>
-            </a:r>
-            <a:endParaRPr lang="en-US" sz="2400" dirty="0">
-              <a:solidFill>
-                <a:schemeClr val="tx2"/>
-              </a:solidFill>
-            </a:endParaRPr>
-          </a:p>
-        </p:txBody>
-      </p:sp>
     </p:spTree>
     <p:extLst>
       <p:ext uri="{BB962C8B-B14F-4D97-AF65-F5344CB8AC3E}">
@@ -10412,7 +11520,7 @@
         </p:nvSpPr>
         <p:spPr>
           <a:xfrm>
-            <a:off x="914400" y="152400"/>
+            <a:off x="762000" y="0"/>
             <a:ext cx="7772400" cy="762000"/>
           </a:xfrm>
         </p:spPr>
@@ -10430,7 +11538,7 @@
                   </a:schemeClr>
                 </a:solidFill>
               </a:rPr>
-              <a:t>Data Augmentation</a:t>
+              <a:t>Likelihood Function</a:t>
             </a:r>
             <a:endParaRPr lang="en-US" sz="3200" dirty="0">
               <a:solidFill>
@@ -10486,7 +11594,7 @@
         </p:nvSpPr>
         <p:spPr>
           <a:xfrm>
-            <a:off x="76200" y="990600"/>
+            <a:off x="16933" y="914400"/>
             <a:ext cx="8991600" cy="5632310"/>
           </a:xfrm>
           <a:prstGeom prst="rect">
@@ -10506,124 +11614,124 @@
           </a:bodyPr>
           <a:lstStyle/>
           <a:p>
-            <a:endParaRPr lang="en-US" sz="2400" smtClean="0">
-              <a:solidFill>
-                <a:schemeClr val="accent1">
-                  <a:lumMod val="75000"/>
-                </a:schemeClr>
-              </a:solidFill>
-            </a:endParaRPr>
-          </a:p>
-          <a:p>
-            <a:endParaRPr lang="en-US" sz="2400" smtClean="0">
-              <a:solidFill>
-                <a:schemeClr val="accent1">
-                  <a:lumMod val="75000"/>
-                </a:schemeClr>
-              </a:solidFill>
-            </a:endParaRPr>
-          </a:p>
-          <a:p>
-            <a:endParaRPr lang="en-US" sz="2400" smtClean="0">
-              <a:solidFill>
-                <a:schemeClr val="accent1">
-                  <a:lumMod val="75000"/>
-                </a:schemeClr>
-              </a:solidFill>
-            </a:endParaRPr>
-          </a:p>
-          <a:p>
-            <a:endParaRPr lang="en-US" sz="2400" smtClean="0">
-              <a:solidFill>
-                <a:schemeClr val="accent1">
-                  <a:lumMod val="75000"/>
-                </a:schemeClr>
-              </a:solidFill>
-            </a:endParaRPr>
-          </a:p>
-          <a:p>
-            <a:endParaRPr lang="en-US" sz="2400" smtClean="0">
-              <a:solidFill>
-                <a:schemeClr val="accent1">
-                  <a:lumMod val="75000"/>
-                </a:schemeClr>
-              </a:solidFill>
-            </a:endParaRPr>
-          </a:p>
-          <a:p>
-            <a:endParaRPr lang="en-US" sz="2400" smtClean="0">
-              <a:solidFill>
-                <a:schemeClr val="accent1">
-                  <a:lumMod val="75000"/>
-                </a:schemeClr>
-              </a:solidFill>
-            </a:endParaRPr>
-          </a:p>
-          <a:p>
-            <a:endParaRPr lang="en-US" sz="2400" smtClean="0">
-              <a:solidFill>
-                <a:schemeClr val="accent1">
-                  <a:lumMod val="75000"/>
-                </a:schemeClr>
-              </a:solidFill>
-            </a:endParaRPr>
-          </a:p>
-          <a:p>
-            <a:endParaRPr lang="en-US" sz="2400" smtClean="0">
-              <a:solidFill>
-                <a:schemeClr val="accent1">
-                  <a:lumMod val="75000"/>
-                </a:schemeClr>
-              </a:solidFill>
-            </a:endParaRPr>
-          </a:p>
-          <a:p>
-            <a:endParaRPr lang="en-US" sz="2400" smtClean="0">
-              <a:solidFill>
-                <a:schemeClr val="accent1">
-                  <a:lumMod val="75000"/>
-                </a:schemeClr>
-              </a:solidFill>
-            </a:endParaRPr>
-          </a:p>
-          <a:p>
-            <a:endParaRPr lang="en-US" sz="2400" smtClean="0">
-              <a:solidFill>
-                <a:schemeClr val="accent1">
-                  <a:lumMod val="75000"/>
-                </a:schemeClr>
-              </a:solidFill>
-            </a:endParaRPr>
-          </a:p>
-          <a:p>
-            <a:endParaRPr lang="en-US" sz="2400" smtClean="0">
-              <a:solidFill>
-                <a:schemeClr val="accent1">
-                  <a:lumMod val="75000"/>
-                </a:schemeClr>
-              </a:solidFill>
-            </a:endParaRPr>
-          </a:p>
-          <a:p>
-            <a:endParaRPr lang="en-US" sz="2400" smtClean="0">
-              <a:solidFill>
-                <a:schemeClr val="accent1">
-                  <a:lumMod val="75000"/>
-                </a:schemeClr>
-              </a:solidFill>
-            </a:endParaRPr>
-          </a:p>
-          <a:p>
-            <a:endParaRPr lang="en-US" sz="2400" smtClean="0">
-              <a:solidFill>
-                <a:schemeClr val="accent1">
-                  <a:lumMod val="75000"/>
-                </a:schemeClr>
-              </a:solidFill>
-            </a:endParaRPr>
-          </a:p>
-          <a:p>
-            <a:endParaRPr lang="en-US" sz="2400" smtClean="0">
+            <a:endParaRPr lang="en-US" sz="2400" dirty="0" smtClean="0">
+              <a:solidFill>
+                <a:schemeClr val="accent1">
+                  <a:lumMod val="75000"/>
+                </a:schemeClr>
+              </a:solidFill>
+            </a:endParaRPr>
+          </a:p>
+          <a:p>
+            <a:endParaRPr lang="en-US" sz="2400" dirty="0" smtClean="0">
+              <a:solidFill>
+                <a:schemeClr val="accent1">
+                  <a:lumMod val="75000"/>
+                </a:schemeClr>
+              </a:solidFill>
+            </a:endParaRPr>
+          </a:p>
+          <a:p>
+            <a:endParaRPr lang="en-US" sz="2400" dirty="0" smtClean="0">
+              <a:solidFill>
+                <a:schemeClr val="accent1">
+                  <a:lumMod val="75000"/>
+                </a:schemeClr>
+              </a:solidFill>
+            </a:endParaRPr>
+          </a:p>
+          <a:p>
+            <a:endParaRPr lang="en-US" sz="2400" dirty="0" smtClean="0">
+              <a:solidFill>
+                <a:schemeClr val="accent1">
+                  <a:lumMod val="75000"/>
+                </a:schemeClr>
+              </a:solidFill>
+            </a:endParaRPr>
+          </a:p>
+          <a:p>
+            <a:endParaRPr lang="en-US" sz="2400" dirty="0" smtClean="0">
+              <a:solidFill>
+                <a:schemeClr val="accent1">
+                  <a:lumMod val="75000"/>
+                </a:schemeClr>
+              </a:solidFill>
+            </a:endParaRPr>
+          </a:p>
+          <a:p>
+            <a:endParaRPr lang="en-US" sz="2400" dirty="0" smtClean="0">
+              <a:solidFill>
+                <a:schemeClr val="accent1">
+                  <a:lumMod val="75000"/>
+                </a:schemeClr>
+              </a:solidFill>
+            </a:endParaRPr>
+          </a:p>
+          <a:p>
+            <a:endParaRPr lang="en-US" sz="2400" dirty="0" smtClean="0">
+              <a:solidFill>
+                <a:schemeClr val="accent1">
+                  <a:lumMod val="75000"/>
+                </a:schemeClr>
+              </a:solidFill>
+            </a:endParaRPr>
+          </a:p>
+          <a:p>
+            <a:endParaRPr lang="en-US" sz="2400" dirty="0" smtClean="0">
+              <a:solidFill>
+                <a:schemeClr val="accent1">
+                  <a:lumMod val="75000"/>
+                </a:schemeClr>
+              </a:solidFill>
+            </a:endParaRPr>
+          </a:p>
+          <a:p>
+            <a:endParaRPr lang="en-US" sz="2400" dirty="0" smtClean="0">
+              <a:solidFill>
+                <a:schemeClr val="accent1">
+                  <a:lumMod val="75000"/>
+                </a:schemeClr>
+              </a:solidFill>
+            </a:endParaRPr>
+          </a:p>
+          <a:p>
+            <a:endParaRPr lang="en-US" sz="2400" dirty="0" smtClean="0">
+              <a:solidFill>
+                <a:schemeClr val="accent1">
+                  <a:lumMod val="75000"/>
+                </a:schemeClr>
+              </a:solidFill>
+            </a:endParaRPr>
+          </a:p>
+          <a:p>
+            <a:endParaRPr lang="en-US" sz="2400" dirty="0" smtClean="0">
+              <a:solidFill>
+                <a:schemeClr val="accent1">
+                  <a:lumMod val="75000"/>
+                </a:schemeClr>
+              </a:solidFill>
+            </a:endParaRPr>
+          </a:p>
+          <a:p>
+            <a:endParaRPr lang="en-US" sz="2400" dirty="0" smtClean="0">
+              <a:solidFill>
+                <a:schemeClr val="accent1">
+                  <a:lumMod val="75000"/>
+                </a:schemeClr>
+              </a:solidFill>
+            </a:endParaRPr>
+          </a:p>
+          <a:p>
+            <a:endParaRPr lang="en-US" sz="2400" dirty="0" smtClean="0">
+              <a:solidFill>
+                <a:schemeClr val="accent1">
+                  <a:lumMod val="75000"/>
+                </a:schemeClr>
+              </a:solidFill>
+            </a:endParaRPr>
+          </a:p>
+          <a:p>
+            <a:endParaRPr lang="en-US" sz="2400" dirty="0" smtClean="0">
               <a:solidFill>
                 <a:schemeClr val="accent1">
                   <a:lumMod val="75000"/>
@@ -10637,44 +11745,6 @@
                 <a:schemeClr val="accent1">
                   <a:lumMod val="75000"/>
                 </a:schemeClr>
-              </a:solidFill>
-            </a:endParaRPr>
-          </a:p>
-        </p:txBody>
-      </p:sp>
-      <p:sp>
-        <p:nvSpPr>
-          <p:cNvPr id="3" name="TextBox 2"/>
-          <p:cNvSpPr txBox="1"/>
-          <p:nvPr/>
-        </p:nvSpPr>
-        <p:spPr>
-          <a:xfrm>
-            <a:off x="381000" y="990600"/>
-            <a:ext cx="3276600" cy="461665"/>
-          </a:xfrm>
-          <a:prstGeom prst="rect">
-            <a:avLst/>
-          </a:prstGeom>
-          <a:noFill/>
-        </p:spPr>
-        <p:txBody>
-          <a:bodyPr wrap="square" rtlCol="0">
-            <a:spAutoFit/>
-          </a:bodyPr>
-          <a:lstStyle/>
-          <a:p>
-            <a:r>
-              <a:rPr lang="en-US" sz="2400" dirty="0" smtClean="0">
-                <a:solidFill>
-                  <a:schemeClr val="tx2"/>
-                </a:solidFill>
-              </a:rPr>
-              <a:t>Observed Data-points</a:t>
-            </a:r>
-            <a:endParaRPr lang="en-US" sz="2400" dirty="0">
-              <a:solidFill>
-                <a:schemeClr val="tx2"/>
               </a:solidFill>
             </a:endParaRPr>
           </a:p>
@@ -10682,32 +11752,32 @@
       </p:sp>
       <p:graphicFrame>
         <p:nvGraphicFramePr>
-          <p:cNvPr id="16" name="Object 15"/>
+          <p:cNvPr id="5" name="Object 4"/>
           <p:cNvGraphicFramePr>
             <a:graphicFrameLocks noChangeAspect="1"/>
           </p:cNvGraphicFramePr>
           <p:nvPr>
             <p:extLst>
               <p:ext uri="{D42A27DB-BD31-4B8C-83A1-F6EECF244321}">
-                <p14:modId xmlns:p14="http://schemas.microsoft.com/office/powerpoint/2010/main" val="9193872"/>
+                <p14:modId xmlns:p14="http://schemas.microsoft.com/office/powerpoint/2010/main" val="3566591169"/>
               </p:ext>
             </p:extLst>
           </p:nvPr>
         </p:nvGraphicFramePr>
         <p:xfrm>
-          <a:off x="1524000" y="1524000"/>
-          <a:ext cx="5994175" cy="1371600"/>
+          <a:off x="457200" y="838200"/>
+          <a:ext cx="7849065" cy="1524000"/>
         </p:xfrm>
         <a:graphic>
           <a:graphicData uri="http://schemas.openxmlformats.org/presentationml/2006/ole">
             <mc:AlternateContent xmlns:mc="http://schemas.openxmlformats.org/markup-compatibility/2006">
               <mc:Choice xmlns:v="urn:schemas-microsoft-com:vml" Requires="v">
-                <p:oleObj spid="_x0000_s1050" name="Equation" r:id="rId4" imgW="3441700" imgH="787400" progId="Equation.3">
+                <p:oleObj spid="_x0000_s69638" name="Equation" r:id="rId4" imgW="4064000" imgH="787400" progId="Equation.3">
                   <p:embed/>
                 </p:oleObj>
               </mc:Choice>
               <mc:Fallback>
-                <p:oleObj name="Equation" r:id="rId4" imgW="3441700" imgH="787400" progId="Equation.3">
+                <p:oleObj name="Equation" r:id="rId4" imgW="4064000" imgH="787400" progId="Equation.3">
                   <p:embed/>
                   <p:pic>
                     <p:nvPicPr>
@@ -10723,8 +11793,8 @@
                     </p:blipFill>
                     <p:spPr>
                       <a:xfrm>
-                        <a:off x="1524000" y="1524000"/>
-                        <a:ext cx="5994175" cy="1371600"/>
+                        <a:off x="457200" y="838200"/>
+                        <a:ext cx="7849065" cy="1524000"/>
                       </a:xfrm>
                       <a:prstGeom prst="rect">
                         <a:avLst/>
@@ -10745,8 +11815,8 @@
         </p:nvSpPr>
         <p:spPr>
           <a:xfrm>
-            <a:off x="304800" y="3048000"/>
-            <a:ext cx="8839200" cy="461665"/>
+            <a:off x="16933" y="2209800"/>
+            <a:ext cx="8839200" cy="1015663"/>
           </a:xfrm>
           <a:prstGeom prst="rect">
             <a:avLst/>
@@ -10759,15 +11829,37 @@
           </a:bodyPr>
           <a:lstStyle/>
           <a:p>
-            <a:r>
-              <a:rPr lang="en-US" sz="2400" dirty="0" smtClean="0">
+            <a:pPr marL="342900" indent="-342900">
+              <a:buFontTx/>
+              <a:buChar char="-"/>
+            </a:pPr>
+            <a:r>
+              <a:rPr lang="en-US" sz="2000" dirty="0" smtClean="0">
                 <a:solidFill>
                   <a:schemeClr val="tx2"/>
                 </a:solidFill>
               </a:rPr>
-              <a:t>We will perform this integral using Monte Carlo Methods</a:t>
-            </a:r>
-            <a:endParaRPr lang="en-US" sz="2400" dirty="0">
+              <a:t>The above function can be used to derive Max. Likelihood Estimates (see </a:t>
+            </a:r>
+            <a:r>
+              <a:rPr lang="en-US" sz="2000" dirty="0" err="1" smtClean="0">
+                <a:solidFill>
+                  <a:schemeClr val="tx2"/>
+                </a:solidFill>
+              </a:rPr>
+              <a:t>survreg</a:t>
+            </a:r>
+            <a:r>
+              <a:rPr lang="en-US" sz="2000" dirty="0" smtClean="0">
+                <a:solidFill>
+                  <a:schemeClr val="tx2"/>
+                </a:solidFill>
+              </a:rPr>
+              <a:t> of survival package)</a:t>
+            </a:r>
+          </a:p>
+          <a:p>
+            <a:endParaRPr lang="en-US" sz="2000" dirty="0">
               <a:solidFill>
                 <a:schemeClr val="tx2"/>
               </a:solidFill>
@@ -10777,19 +11869,21 @@
       </p:sp>
       <p:sp>
         <p:nvSpPr>
-          <p:cNvPr id="12" name="TextBox 11"/>
+          <p:cNvPr id="7" name="TextBox 6"/>
           <p:cNvSpPr txBox="1"/>
           <p:nvPr/>
         </p:nvSpPr>
         <p:spPr>
           <a:xfrm>
-            <a:off x="533400" y="3810000"/>
-            <a:ext cx="7620000" cy="461665"/>
+            <a:off x="1066800" y="2971800"/>
+            <a:ext cx="7543800" cy="3139321"/>
           </a:xfrm>
           <a:prstGeom prst="rect">
             <a:avLst/>
           </a:prstGeom>
-          <a:noFill/>
+          <a:solidFill>
+            <a:schemeClr val="bg2"/>
+          </a:solidFill>
         </p:spPr>
         <p:txBody>
           <a:bodyPr wrap="square" rtlCol="0">
@@ -10797,171 +11891,387 @@
           </a:bodyPr>
           <a:lstStyle/>
           <a:p>
-            <a:pPr algn="ctr"/>
-            <a:r>
-              <a:rPr lang="en-US" sz="2400" dirty="0" smtClean="0">
-                <a:solidFill>
-                  <a:schemeClr val="tx2"/>
-                </a:solidFill>
-              </a:rPr>
-              <a:t>Bayesian Likelihood</a:t>
-            </a:r>
-            <a:endParaRPr lang="en-US" sz="2400" dirty="0">
-              <a:solidFill>
-                <a:schemeClr val="tx2"/>
-              </a:solidFill>
-            </a:endParaRPr>
-          </a:p>
-        </p:txBody>
-      </p:sp>
-      <p:graphicFrame>
-        <p:nvGraphicFramePr>
-          <p:cNvPr id="13" name="Object 12"/>
-          <p:cNvGraphicFramePr>
-            <a:graphicFrameLocks noChangeAspect="1"/>
-          </p:cNvGraphicFramePr>
-          <p:nvPr>
-            <p:extLst>
-              <p:ext uri="{D42A27DB-BD31-4B8C-83A1-F6EECF244321}">
-                <p14:modId xmlns:p14="http://schemas.microsoft.com/office/powerpoint/2010/main" val="3736638116"/>
-              </p:ext>
-            </p:extLst>
-          </p:nvPr>
-        </p:nvGraphicFramePr>
-        <p:xfrm>
-          <a:off x="1371600" y="4343400"/>
-          <a:ext cx="7083425" cy="1309688"/>
-        </p:xfrm>
-        <a:graphic>
-          <a:graphicData uri="http://schemas.openxmlformats.org/presentationml/2006/ole">
-            <mc:AlternateContent xmlns:mc="http://schemas.openxmlformats.org/markup-compatibility/2006">
-              <mc:Choice xmlns:v="urn:schemas-microsoft-com:vml" Requires="v">
-                <p:oleObj spid="_x0000_s1051" name="Equation" r:id="rId6" imgW="4267200" imgH="787400" progId="Equation.3">
-                  <p:embed/>
-                </p:oleObj>
-              </mc:Choice>
-              <mc:Fallback>
-                <p:oleObj name="Equation" r:id="rId6" imgW="4267200" imgH="787400" progId="Equation.3">
-                  <p:embed/>
-                  <p:pic>
-                    <p:nvPicPr>
-                      <p:cNvPr id="0" name=""/>
-                      <p:cNvPicPr/>
-                      <p:nvPr/>
-                    </p:nvPicPr>
-                    <p:blipFill>
-                      <a:blip r:embed="rId7"/>
-                      <a:stretch>
-                        <a:fillRect/>
-                      </a:stretch>
-                    </p:blipFill>
-                    <p:spPr>
-                      <a:xfrm>
-                        <a:off x="1371600" y="4343400"/>
-                        <a:ext cx="7083425" cy="1309688"/>
-                      </a:xfrm>
-                      <a:prstGeom prst="rect">
-                        <a:avLst/>
-                      </a:prstGeom>
-                    </p:spPr>
-                  </p:pic>
-                </p:oleObj>
-              </mc:Fallback>
-            </mc:AlternateContent>
-          </a:graphicData>
-        </a:graphic>
-      </p:graphicFrame>
-      <p:graphicFrame>
-        <p:nvGraphicFramePr>
-          <p:cNvPr id="7" name="Object 6"/>
-          <p:cNvGraphicFramePr>
-            <a:graphicFrameLocks noChangeAspect="1"/>
-          </p:cNvGraphicFramePr>
-          <p:nvPr>
-            <p:extLst>
-              <p:ext uri="{D42A27DB-BD31-4B8C-83A1-F6EECF244321}">
-                <p14:modId xmlns:p14="http://schemas.microsoft.com/office/powerpoint/2010/main" val="1583555607"/>
-              </p:ext>
-            </p:extLst>
-          </p:nvPr>
-        </p:nvGraphicFramePr>
-        <p:xfrm>
-          <a:off x="2435225" y="5867400"/>
-          <a:ext cx="539750" cy="381000"/>
-        </p:xfrm>
-        <a:graphic>
-          <a:graphicData uri="http://schemas.openxmlformats.org/presentationml/2006/ole">
-            <mc:AlternateContent xmlns:mc="http://schemas.openxmlformats.org/markup-compatibility/2006">
-              <mc:Choice xmlns:v="urn:schemas-microsoft-com:vml" Requires="v">
-                <p:oleObj spid="_x0000_s1052" name="Equation" r:id="rId8" imgW="215900" imgH="215900" progId="Equation.3">
-                  <p:embed/>
-                </p:oleObj>
-              </mc:Choice>
-              <mc:Fallback>
-                <p:oleObj name="Equation" r:id="rId8" imgW="215900" imgH="215900" progId="Equation.3">
-                  <p:embed/>
-                  <p:pic>
-                    <p:nvPicPr>
-                      <p:cNvPr id="0" name=""/>
-                      <p:cNvPicPr/>
-                      <p:nvPr/>
-                    </p:nvPicPr>
-                    <p:blipFill>
-                      <a:blip r:embed="rId9"/>
-                      <a:stretch>
-                        <a:fillRect/>
-                      </a:stretch>
-                    </p:blipFill>
-                    <p:spPr>
-                      <a:xfrm>
-                        <a:off x="2435225" y="5867400"/>
-                        <a:ext cx="539750" cy="381000"/>
-                      </a:xfrm>
-                      <a:prstGeom prst="rect">
-                        <a:avLst/>
-                      </a:prstGeom>
-                    </p:spPr>
-                  </p:pic>
-                </p:oleObj>
-              </mc:Fallback>
-            </mc:AlternateContent>
-          </a:graphicData>
-        </a:graphic>
-      </p:graphicFrame>
-      <p:sp>
-        <p:nvSpPr>
-          <p:cNvPr id="8" name="Rectangle 7"/>
-          <p:cNvSpPr/>
-          <p:nvPr/>
-        </p:nvSpPr>
-        <p:spPr>
-          <a:xfrm>
-            <a:off x="2941465" y="5867400"/>
-            <a:ext cx="2697335" cy="369332"/>
-          </a:xfrm>
-          <a:prstGeom prst="rect">
-            <a:avLst/>
-          </a:prstGeom>
-        </p:spPr>
-        <p:txBody>
-          <a:bodyPr wrap="none">
-            <a:spAutoFit/>
-          </a:bodyPr>
-          <a:lstStyle/>
-          <a:p>
-            <a:pPr algn="ctr"/>
-            <a:r>
-              <a:rPr lang="en-US" dirty="0" smtClean="0"/>
-              <a:t>Unobserved time to event.</a:t>
-            </a:r>
-            <a:endParaRPr lang="en-US" dirty="0"/>
+            <a:r>
+              <a:rPr lang="en-US" dirty="0" smtClean="0">
+                <a:latin typeface="Courier New"/>
+                <a:cs typeface="Courier New"/>
+              </a:rPr>
+              <a:t>## Example: Maximum Likelihood with Censored Data ## </a:t>
+            </a:r>
+          </a:p>
+          <a:p>
+            <a:r>
+              <a:rPr lang="en-US" dirty="0">
+                <a:latin typeface="Courier New"/>
+                <a:cs typeface="Courier New"/>
+              </a:rPr>
+              <a:t> </a:t>
+            </a:r>
+            <a:r>
+              <a:rPr lang="en-US" dirty="0" smtClean="0">
+                <a:latin typeface="Courier New"/>
+                <a:cs typeface="Courier New"/>
+              </a:rPr>
+              <a:t> library</a:t>
+            </a:r>
+            <a:r>
+              <a:rPr lang="en-US" dirty="0">
+                <a:latin typeface="Courier New"/>
+                <a:cs typeface="Courier New"/>
+              </a:rPr>
+              <a:t>(survival)</a:t>
+            </a:r>
+          </a:p>
+          <a:p>
+            <a:r>
+              <a:rPr lang="en-US" dirty="0" smtClean="0">
+                <a:latin typeface="Courier New"/>
+                <a:cs typeface="Courier New"/>
+              </a:rPr>
+              <a:t>  y</a:t>
+            </a:r>
+            <a:r>
+              <a:rPr lang="en-US" dirty="0">
+                <a:latin typeface="Courier New"/>
+                <a:cs typeface="Courier New"/>
+              </a:rPr>
+              <a:t>=</a:t>
+            </a:r>
+            <a:r>
+              <a:rPr lang="en-US" dirty="0" err="1">
+                <a:latin typeface="Courier New"/>
+                <a:cs typeface="Courier New"/>
+              </a:rPr>
+              <a:t>rnorm</a:t>
+            </a:r>
+            <a:r>
+              <a:rPr lang="en-US" dirty="0">
+                <a:latin typeface="Courier New"/>
+                <a:cs typeface="Courier New"/>
+              </a:rPr>
+              <a:t>(1000,sd=4)</a:t>
+            </a:r>
+          </a:p>
+          <a:p>
+            <a:r>
+              <a:rPr lang="en-US" dirty="0" smtClean="0">
+                <a:latin typeface="Courier New"/>
+                <a:cs typeface="Courier New"/>
+              </a:rPr>
+              <a:t>  </a:t>
+            </a:r>
+            <a:r>
+              <a:rPr lang="en-US" dirty="0" err="1" smtClean="0">
+                <a:latin typeface="Courier New"/>
+                <a:cs typeface="Courier New"/>
+              </a:rPr>
+              <a:t>yCensored</a:t>
+            </a:r>
+            <a:r>
+              <a:rPr lang="en-US" dirty="0">
+                <a:latin typeface="Courier New"/>
+                <a:cs typeface="Courier New"/>
+              </a:rPr>
+              <a:t>=y</a:t>
+            </a:r>
+          </a:p>
+          <a:p>
+            <a:r>
+              <a:rPr lang="en-US" dirty="0" smtClean="0">
+                <a:latin typeface="Courier New"/>
+                <a:cs typeface="Courier New"/>
+              </a:rPr>
+              <a:t>  threshold</a:t>
+            </a:r>
+            <a:r>
+              <a:rPr lang="en-US" dirty="0">
+                <a:latin typeface="Courier New"/>
+                <a:cs typeface="Courier New"/>
+              </a:rPr>
+              <a:t>=2</a:t>
+            </a:r>
+          </a:p>
+          <a:p>
+            <a:r>
+              <a:rPr lang="en-US" dirty="0" smtClean="0">
+                <a:latin typeface="Courier New"/>
+                <a:cs typeface="Courier New"/>
+              </a:rPr>
+              <a:t>  d</a:t>
+            </a:r>
+            <a:r>
+              <a:rPr lang="en-US" dirty="0">
+                <a:latin typeface="Courier New"/>
+                <a:cs typeface="Courier New"/>
+              </a:rPr>
+              <a:t>=</a:t>
+            </a:r>
+            <a:r>
+              <a:rPr lang="en-US" dirty="0" err="1">
+                <a:latin typeface="Courier New"/>
+                <a:cs typeface="Courier New"/>
+              </a:rPr>
+              <a:t>ifelse</a:t>
+            </a:r>
+            <a:r>
+              <a:rPr lang="en-US" dirty="0">
+                <a:latin typeface="Courier New"/>
+                <a:cs typeface="Courier New"/>
+              </a:rPr>
+              <a:t>(y&lt;threshold,1,0</a:t>
+            </a:r>
+            <a:r>
+              <a:rPr lang="en-US" dirty="0" smtClean="0">
+                <a:latin typeface="Courier New"/>
+                <a:cs typeface="Courier New"/>
+              </a:rPr>
+              <a:t>)</a:t>
+            </a:r>
+          </a:p>
+          <a:p>
+            <a:r>
+              <a:rPr lang="en-US" dirty="0">
+                <a:latin typeface="Courier New"/>
+                <a:cs typeface="Courier New"/>
+              </a:rPr>
+              <a:t> </a:t>
+            </a:r>
+            <a:r>
+              <a:rPr lang="en-US" dirty="0" smtClean="0">
+                <a:latin typeface="Courier New"/>
+                <a:cs typeface="Courier New"/>
+              </a:rPr>
+              <a:t> </a:t>
+            </a:r>
+            <a:r>
+              <a:rPr lang="en-US" dirty="0" err="1" smtClean="0">
+                <a:latin typeface="Courier New"/>
+                <a:cs typeface="Courier New"/>
+              </a:rPr>
+              <a:t>yCensored</a:t>
+            </a:r>
+            <a:r>
+              <a:rPr lang="en-US" dirty="0" smtClean="0">
+                <a:latin typeface="Courier New"/>
+                <a:cs typeface="Courier New"/>
+              </a:rPr>
+              <a:t>[d==0]=threshold</a:t>
+            </a:r>
+          </a:p>
+          <a:p>
+            <a:r>
+              <a:rPr lang="en-US" dirty="0">
+                <a:latin typeface="Courier New"/>
+                <a:cs typeface="Courier New"/>
+              </a:rPr>
+              <a:t> </a:t>
+            </a:r>
+            <a:r>
+              <a:rPr lang="en-US" dirty="0" smtClean="0">
+                <a:latin typeface="Courier New"/>
+                <a:cs typeface="Courier New"/>
+              </a:rPr>
+              <a:t> mean(y); </a:t>
+            </a:r>
+            <a:r>
+              <a:rPr lang="en-US" dirty="0" err="1" smtClean="0">
+                <a:latin typeface="Courier New"/>
+                <a:cs typeface="Courier New"/>
+              </a:rPr>
+              <a:t>sd</a:t>
+            </a:r>
+            <a:r>
+              <a:rPr lang="en-US" dirty="0" smtClean="0">
+                <a:latin typeface="Courier New"/>
+                <a:cs typeface="Courier New"/>
+              </a:rPr>
+              <a:t>(y)</a:t>
+            </a:r>
+          </a:p>
+          <a:p>
+            <a:r>
+              <a:rPr lang="en-US" dirty="0">
+                <a:latin typeface="Courier New"/>
+                <a:cs typeface="Courier New"/>
+              </a:rPr>
+              <a:t> </a:t>
+            </a:r>
+            <a:r>
+              <a:rPr lang="en-US" dirty="0" smtClean="0">
+                <a:latin typeface="Courier New"/>
+                <a:cs typeface="Courier New"/>
+              </a:rPr>
+              <a:t> mean(</a:t>
+            </a:r>
+            <a:r>
+              <a:rPr lang="en-US" dirty="0" err="1" smtClean="0">
+                <a:latin typeface="Courier New"/>
+                <a:cs typeface="Courier New"/>
+              </a:rPr>
+              <a:t>yCensored</a:t>
+            </a:r>
+            <a:r>
+              <a:rPr lang="en-US" dirty="0" smtClean="0">
+                <a:latin typeface="Courier New"/>
+                <a:cs typeface="Courier New"/>
+              </a:rPr>
+              <a:t>); </a:t>
+            </a:r>
+            <a:r>
+              <a:rPr lang="en-US" dirty="0" err="1" smtClean="0">
+                <a:latin typeface="Courier New"/>
+                <a:cs typeface="Courier New"/>
+              </a:rPr>
+              <a:t>sd</a:t>
+            </a:r>
+            <a:r>
+              <a:rPr lang="en-US" dirty="0" smtClean="0">
+                <a:latin typeface="Courier New"/>
+                <a:cs typeface="Courier New"/>
+              </a:rPr>
+              <a:t>(</a:t>
+            </a:r>
+            <a:r>
+              <a:rPr lang="en-US" dirty="0" err="1" smtClean="0">
+                <a:latin typeface="Courier New"/>
+                <a:cs typeface="Courier New"/>
+              </a:rPr>
+              <a:t>yCensored</a:t>
+            </a:r>
+            <a:r>
+              <a:rPr lang="en-US" dirty="0" smtClean="0">
+                <a:latin typeface="Courier New"/>
+                <a:cs typeface="Courier New"/>
+              </a:rPr>
+              <a:t>)</a:t>
+            </a:r>
+          </a:p>
+          <a:p>
+            <a:r>
+              <a:rPr lang="en-US" dirty="0">
+                <a:latin typeface="Courier New"/>
+                <a:cs typeface="Courier New"/>
+              </a:rPr>
+              <a:t> </a:t>
+            </a:r>
+            <a:r>
+              <a:rPr lang="en-US" dirty="0" smtClean="0">
+                <a:latin typeface="Courier New"/>
+                <a:cs typeface="Courier New"/>
+              </a:rPr>
+              <a:t> </a:t>
+            </a:r>
+            <a:r>
+              <a:rPr lang="en-US" dirty="0" err="1">
+                <a:latin typeface="Courier New"/>
+                <a:cs typeface="Courier New"/>
+              </a:rPr>
+              <a:t>fm</a:t>
+            </a:r>
+            <a:r>
+              <a:rPr lang="en-US" dirty="0">
+                <a:latin typeface="Courier New"/>
+                <a:cs typeface="Courier New"/>
+              </a:rPr>
+              <a:t>=</a:t>
+            </a:r>
+            <a:r>
+              <a:rPr lang="en-US" dirty="0" err="1">
+                <a:latin typeface="Courier New"/>
+                <a:cs typeface="Courier New"/>
+              </a:rPr>
+              <a:t>survreg</a:t>
+            </a:r>
+            <a:r>
+              <a:rPr lang="en-US" dirty="0">
+                <a:latin typeface="Courier New"/>
+                <a:cs typeface="Courier New"/>
+              </a:rPr>
+              <a:t>(</a:t>
+            </a:r>
+            <a:r>
+              <a:rPr lang="en-US" dirty="0" err="1">
+                <a:latin typeface="Courier New"/>
+                <a:cs typeface="Courier New"/>
+              </a:rPr>
+              <a:t>Surv</a:t>
+            </a:r>
+            <a:r>
+              <a:rPr lang="en-US" dirty="0">
+                <a:latin typeface="Courier New"/>
+                <a:cs typeface="Courier New"/>
+              </a:rPr>
+              <a:t>(time=</a:t>
+            </a:r>
+            <a:r>
+              <a:rPr lang="en-US" dirty="0" err="1">
+                <a:latin typeface="Courier New"/>
+                <a:cs typeface="Courier New"/>
+              </a:rPr>
+              <a:t>y,event</a:t>
+            </a:r>
+            <a:r>
+              <a:rPr lang="en-US" dirty="0">
+                <a:latin typeface="Courier New"/>
+                <a:cs typeface="Courier New"/>
+              </a:rPr>
+              <a:t>=d)~1,dist="</a:t>
+            </a:r>
+            <a:r>
+              <a:rPr lang="en-US" dirty="0" err="1">
+                <a:latin typeface="Courier New"/>
+                <a:cs typeface="Courier New"/>
+              </a:rPr>
+              <a:t>gaussian</a:t>
+            </a:r>
+            <a:r>
+              <a:rPr lang="en-US" dirty="0">
+                <a:latin typeface="Courier New"/>
+                <a:cs typeface="Courier New"/>
+              </a:rPr>
+              <a:t>")</a:t>
+            </a:r>
+            <a:endParaRPr lang="en-US" dirty="0" smtClean="0">
+              <a:latin typeface="Courier New"/>
+              <a:cs typeface="Courier New"/>
+            </a:endParaRPr>
+          </a:p>
+          <a:p>
+            <a:r>
+              <a:rPr lang="en-US" dirty="0">
+                <a:latin typeface="Courier New"/>
+                <a:cs typeface="Courier New"/>
+              </a:rPr>
+              <a:t> </a:t>
+            </a:r>
+            <a:r>
+              <a:rPr lang="en-US" dirty="0" smtClean="0">
+                <a:latin typeface="Courier New"/>
+                <a:cs typeface="Courier New"/>
+              </a:rPr>
+              <a:t> summary(</a:t>
+            </a:r>
+            <a:r>
+              <a:rPr lang="en-US" dirty="0" err="1" smtClean="0">
+                <a:latin typeface="Courier New"/>
+                <a:cs typeface="Courier New"/>
+              </a:rPr>
+              <a:t>fm</a:t>
+            </a:r>
+            <a:r>
+              <a:rPr lang="en-US" dirty="0" smtClean="0">
+                <a:latin typeface="Courier New"/>
+                <a:cs typeface="Courier New"/>
+              </a:rPr>
+              <a:t>)</a:t>
+            </a:r>
           </a:p>
         </p:txBody>
       </p:sp>
     </p:spTree>
     <p:extLst>
       <p:ext uri="{BB962C8B-B14F-4D97-AF65-F5344CB8AC3E}">
-        <p14:creationId xmlns:p14="http://schemas.microsoft.com/office/powerpoint/2010/main" val="3800764427"/>
+        <p14:creationId xmlns:p14="http://schemas.microsoft.com/office/powerpoint/2010/main" val="1782907845"/>
       </p:ext>
     </p:extLst>
   </p:cSld>
@@ -11007,6 +12317,1048 @@
         </p:nvSpPr>
         <p:spPr>
           <a:xfrm>
+            <a:off x="762000" y="0"/>
+            <a:ext cx="7772400" cy="762000"/>
+          </a:xfrm>
+        </p:spPr>
+        <p:txBody>
+          <a:bodyPr>
+            <a:normAutofit/>
+          </a:bodyPr>
+          <a:lstStyle/>
+          <a:p>
+            <a:r>
+              <a:rPr lang="en-US" sz="3200" dirty="0" smtClean="0">
+                <a:solidFill>
+                  <a:schemeClr val="accent2">
+                    <a:lumMod val="75000"/>
+                  </a:schemeClr>
+                </a:solidFill>
+              </a:rPr>
+              <a:t>Likelihood Function</a:t>
+            </a:r>
+            <a:endParaRPr lang="en-US" sz="3200" dirty="0">
+              <a:solidFill>
+                <a:schemeClr val="accent2">
+                  <a:lumMod val="75000"/>
+                </a:schemeClr>
+              </a:solidFill>
+            </a:endParaRPr>
+          </a:p>
+        </p:txBody>
+      </p:sp>
+      <p:sp>
+        <p:nvSpPr>
+          <p:cNvPr id="4" name="Footer Placeholder 3"/>
+          <p:cNvSpPr>
+            <a:spLocks noGrp="1"/>
+          </p:cNvSpPr>
+          <p:nvPr>
+            <p:ph type="ftr" sz="quarter" idx="11"/>
+          </p:nvPr>
+        </p:nvSpPr>
+        <p:spPr>
+          <a:xfrm>
+            <a:off x="3124200" y="6569075"/>
+            <a:ext cx="2895600" cy="365125"/>
+          </a:xfrm>
+        </p:spPr>
+        <p:txBody>
+          <a:bodyPr/>
+          <a:lstStyle/>
+          <a:p>
+            <a:r>
+              <a:rPr lang="en-US" dirty="0" smtClean="0">
+                <a:solidFill>
+                  <a:schemeClr val="accent1"/>
+                </a:solidFill>
+              </a:rPr>
+              <a:t>STT 465, MSU, Fall, 2015</a:t>
+            </a:r>
+            <a:endParaRPr lang="en-US" dirty="0">
+              <a:solidFill>
+                <a:schemeClr val="accent1"/>
+              </a:solidFill>
+            </a:endParaRPr>
+          </a:p>
+        </p:txBody>
+      </p:sp>
+      <p:sp>
+        <p:nvSpPr>
+          <p:cNvPr id="6" name="TextBox 5"/>
+          <p:cNvSpPr txBox="1"/>
+          <p:nvPr/>
+        </p:nvSpPr>
+        <p:spPr>
+          <a:xfrm>
+            <a:off x="16933" y="914400"/>
+            <a:ext cx="8991600" cy="5632310"/>
+          </a:xfrm>
+          <a:prstGeom prst="rect">
+            <a:avLst/>
+          </a:prstGeom>
+          <a:noFill/>
+          <a:ln>
+            <a:solidFill>
+              <a:srgbClr val="800000"/>
+            </a:solidFill>
+            <a:prstDash val="sysDash"/>
+          </a:ln>
+        </p:spPr>
+        <p:txBody>
+          <a:bodyPr wrap="square" rtlCol="0">
+            <a:spAutoFit/>
+          </a:bodyPr>
+          <a:lstStyle/>
+          <a:p>
+            <a:endParaRPr lang="en-US" sz="2400" dirty="0" smtClean="0">
+              <a:solidFill>
+                <a:schemeClr val="accent1">
+                  <a:lumMod val="75000"/>
+                </a:schemeClr>
+              </a:solidFill>
+            </a:endParaRPr>
+          </a:p>
+          <a:p>
+            <a:endParaRPr lang="en-US" sz="2400" dirty="0" smtClean="0">
+              <a:solidFill>
+                <a:schemeClr val="accent1">
+                  <a:lumMod val="75000"/>
+                </a:schemeClr>
+              </a:solidFill>
+            </a:endParaRPr>
+          </a:p>
+          <a:p>
+            <a:endParaRPr lang="en-US" sz="2400" dirty="0" smtClean="0">
+              <a:solidFill>
+                <a:schemeClr val="accent1">
+                  <a:lumMod val="75000"/>
+                </a:schemeClr>
+              </a:solidFill>
+            </a:endParaRPr>
+          </a:p>
+          <a:p>
+            <a:endParaRPr lang="en-US" sz="2400" dirty="0" smtClean="0">
+              <a:solidFill>
+                <a:schemeClr val="accent1">
+                  <a:lumMod val="75000"/>
+                </a:schemeClr>
+              </a:solidFill>
+            </a:endParaRPr>
+          </a:p>
+          <a:p>
+            <a:endParaRPr lang="en-US" sz="2400" dirty="0" smtClean="0">
+              <a:solidFill>
+                <a:schemeClr val="accent1">
+                  <a:lumMod val="75000"/>
+                </a:schemeClr>
+              </a:solidFill>
+            </a:endParaRPr>
+          </a:p>
+          <a:p>
+            <a:endParaRPr lang="en-US" sz="2400" dirty="0" smtClean="0">
+              <a:solidFill>
+                <a:schemeClr val="accent1">
+                  <a:lumMod val="75000"/>
+                </a:schemeClr>
+              </a:solidFill>
+            </a:endParaRPr>
+          </a:p>
+          <a:p>
+            <a:endParaRPr lang="en-US" sz="2400" dirty="0" smtClean="0">
+              <a:solidFill>
+                <a:schemeClr val="accent1">
+                  <a:lumMod val="75000"/>
+                </a:schemeClr>
+              </a:solidFill>
+            </a:endParaRPr>
+          </a:p>
+          <a:p>
+            <a:endParaRPr lang="en-US" sz="2400" dirty="0" smtClean="0">
+              <a:solidFill>
+                <a:schemeClr val="accent1">
+                  <a:lumMod val="75000"/>
+                </a:schemeClr>
+              </a:solidFill>
+            </a:endParaRPr>
+          </a:p>
+          <a:p>
+            <a:endParaRPr lang="en-US" sz="2400" dirty="0" smtClean="0">
+              <a:solidFill>
+                <a:schemeClr val="accent1">
+                  <a:lumMod val="75000"/>
+                </a:schemeClr>
+              </a:solidFill>
+            </a:endParaRPr>
+          </a:p>
+          <a:p>
+            <a:endParaRPr lang="en-US" sz="2400" dirty="0" smtClean="0">
+              <a:solidFill>
+                <a:schemeClr val="accent1">
+                  <a:lumMod val="75000"/>
+                </a:schemeClr>
+              </a:solidFill>
+            </a:endParaRPr>
+          </a:p>
+          <a:p>
+            <a:endParaRPr lang="en-US" sz="2400" dirty="0" smtClean="0">
+              <a:solidFill>
+                <a:schemeClr val="accent1">
+                  <a:lumMod val="75000"/>
+                </a:schemeClr>
+              </a:solidFill>
+            </a:endParaRPr>
+          </a:p>
+          <a:p>
+            <a:endParaRPr lang="en-US" sz="2400" dirty="0" smtClean="0">
+              <a:solidFill>
+                <a:schemeClr val="accent1">
+                  <a:lumMod val="75000"/>
+                </a:schemeClr>
+              </a:solidFill>
+            </a:endParaRPr>
+          </a:p>
+          <a:p>
+            <a:endParaRPr lang="en-US" sz="2400" dirty="0" smtClean="0">
+              <a:solidFill>
+                <a:schemeClr val="accent1">
+                  <a:lumMod val="75000"/>
+                </a:schemeClr>
+              </a:solidFill>
+            </a:endParaRPr>
+          </a:p>
+          <a:p>
+            <a:endParaRPr lang="en-US" sz="2400" dirty="0" smtClean="0">
+              <a:solidFill>
+                <a:schemeClr val="accent1">
+                  <a:lumMod val="75000"/>
+                </a:schemeClr>
+              </a:solidFill>
+            </a:endParaRPr>
+          </a:p>
+          <a:p>
+            <a:endParaRPr lang="en-US" sz="2400" dirty="0">
+              <a:solidFill>
+                <a:schemeClr val="accent1">
+                  <a:lumMod val="75000"/>
+                </a:schemeClr>
+              </a:solidFill>
+            </a:endParaRPr>
+          </a:p>
+        </p:txBody>
+      </p:sp>
+      <p:graphicFrame>
+        <p:nvGraphicFramePr>
+          <p:cNvPr id="5" name="Object 4"/>
+          <p:cNvGraphicFramePr>
+            <a:graphicFrameLocks noChangeAspect="1"/>
+          </p:cNvGraphicFramePr>
+          <p:nvPr>
+            <p:extLst>
+              <p:ext uri="{D42A27DB-BD31-4B8C-83A1-F6EECF244321}">
+                <p14:modId xmlns:p14="http://schemas.microsoft.com/office/powerpoint/2010/main" val="2150033635"/>
+              </p:ext>
+            </p:extLst>
+          </p:nvPr>
+        </p:nvGraphicFramePr>
+        <p:xfrm>
+          <a:off x="457200" y="838200"/>
+          <a:ext cx="7849065" cy="1524000"/>
+        </p:xfrm>
+        <a:graphic>
+          <a:graphicData uri="http://schemas.openxmlformats.org/presentationml/2006/ole">
+            <mc:AlternateContent xmlns:mc="http://schemas.openxmlformats.org/markup-compatibility/2006">
+              <mc:Choice xmlns:v="urn:schemas-microsoft-com:vml" Requires="v">
+                <p:oleObj spid="_x0000_s71683" name="Equation" r:id="rId4" imgW="4064000" imgH="787400" progId="Equation.3">
+                  <p:embed/>
+                </p:oleObj>
+              </mc:Choice>
+              <mc:Fallback>
+                <p:oleObj name="Equation" r:id="rId4" imgW="4064000" imgH="787400" progId="Equation.3">
+                  <p:embed/>
+                  <p:pic>
+                    <p:nvPicPr>
+                      <p:cNvPr id="0" name=""/>
+                      <p:cNvPicPr/>
+                      <p:nvPr/>
+                    </p:nvPicPr>
+                    <p:blipFill>
+                      <a:blip r:embed="rId5"/>
+                      <a:stretch>
+                        <a:fillRect/>
+                      </a:stretch>
+                    </p:blipFill>
+                    <p:spPr>
+                      <a:xfrm>
+                        <a:off x="457200" y="838200"/>
+                        <a:ext cx="7849065" cy="1524000"/>
+                      </a:xfrm>
+                      <a:prstGeom prst="rect">
+                        <a:avLst/>
+                      </a:prstGeom>
+                    </p:spPr>
+                  </p:pic>
+                </p:oleObj>
+              </mc:Fallback>
+            </mc:AlternateContent>
+          </a:graphicData>
+        </a:graphic>
+      </p:graphicFrame>
+      <p:sp>
+        <p:nvSpPr>
+          <p:cNvPr id="11" name="TextBox 10"/>
+          <p:cNvSpPr txBox="1"/>
+          <p:nvPr/>
+        </p:nvSpPr>
+        <p:spPr>
+          <a:xfrm>
+            <a:off x="25400" y="2590800"/>
+            <a:ext cx="8839200" cy="2862322"/>
+          </a:xfrm>
+          <a:prstGeom prst="rect">
+            <a:avLst/>
+          </a:prstGeom>
+          <a:noFill/>
+        </p:spPr>
+        <p:txBody>
+          <a:bodyPr wrap="square" rtlCol="0">
+            <a:spAutoFit/>
+          </a:bodyPr>
+          <a:lstStyle/>
+          <a:p>
+            <a:pPr marL="342900" indent="-342900">
+              <a:buFontTx/>
+              <a:buChar char="-"/>
+            </a:pPr>
+            <a:r>
+              <a:rPr lang="en-US" sz="2000" dirty="0" smtClean="0">
+                <a:solidFill>
+                  <a:schemeClr val="tx2"/>
+                </a:solidFill>
+              </a:rPr>
+              <a:t>Bayesian Analysis with this likelihood is  difficult because the integrals in the 2</a:t>
+            </a:r>
+            <a:r>
+              <a:rPr lang="en-US" sz="2000" baseline="30000" dirty="0" smtClean="0">
+                <a:solidFill>
+                  <a:schemeClr val="tx2"/>
+                </a:solidFill>
+              </a:rPr>
+              <a:t>nd</a:t>
+            </a:r>
+            <a:r>
+              <a:rPr lang="en-US" sz="2000" dirty="0" smtClean="0">
+                <a:solidFill>
+                  <a:schemeClr val="tx2"/>
+                </a:solidFill>
+              </a:rPr>
+              <a:t> term do not have closed form and all the fully conditionals will not have closed form.</a:t>
+            </a:r>
+          </a:p>
+          <a:p>
+            <a:pPr marL="342900" indent="-342900">
+              <a:buFontTx/>
+              <a:buChar char="-"/>
+            </a:pPr>
+            <a:endParaRPr lang="en-US" sz="2000" dirty="0">
+              <a:solidFill>
+                <a:schemeClr val="tx2"/>
+              </a:solidFill>
+            </a:endParaRPr>
+          </a:p>
+          <a:p>
+            <a:pPr marL="342900" indent="-342900">
+              <a:buFontTx/>
+              <a:buChar char="-"/>
+            </a:pPr>
+            <a:r>
+              <a:rPr lang="en-US" sz="2000" dirty="0" smtClean="0">
+                <a:solidFill>
+                  <a:schemeClr val="tx2"/>
+                </a:solidFill>
+              </a:rPr>
+              <a:t>Therefore, instead, we will use Data Augmentation. With data augmentation we will perform the integrals using Monte Carlo Methods.</a:t>
+            </a:r>
+          </a:p>
+          <a:p>
+            <a:pPr marL="342900" indent="-342900">
+              <a:buFontTx/>
+              <a:buChar char="-"/>
+            </a:pPr>
+            <a:endParaRPr lang="en-US" sz="2000" dirty="0">
+              <a:solidFill>
+                <a:schemeClr val="tx2"/>
+              </a:solidFill>
+            </a:endParaRPr>
+          </a:p>
+          <a:p>
+            <a:pPr marL="342900" indent="-342900">
+              <a:buFontTx/>
+              <a:buChar char="-"/>
+            </a:pPr>
+            <a:r>
+              <a:rPr lang="en-US" sz="2000" dirty="0" smtClean="0">
+                <a:solidFill>
+                  <a:schemeClr val="tx2"/>
+                </a:solidFill>
+              </a:rPr>
+              <a:t>In data augmentation we exploit the following equality:</a:t>
+            </a:r>
+            <a:endParaRPr lang="en-US" sz="2000" dirty="0" smtClean="0">
+              <a:solidFill>
+                <a:schemeClr val="tx2"/>
+              </a:solidFill>
+            </a:endParaRPr>
+          </a:p>
+          <a:p>
+            <a:endParaRPr lang="en-US" sz="2000" dirty="0">
+              <a:solidFill>
+                <a:schemeClr val="tx2"/>
+              </a:solidFill>
+            </a:endParaRPr>
+          </a:p>
+        </p:txBody>
+      </p:sp>
+      <p:graphicFrame>
+        <p:nvGraphicFramePr>
+          <p:cNvPr id="8" name="Object 7"/>
+          <p:cNvGraphicFramePr>
+            <a:graphicFrameLocks noChangeAspect="1"/>
+          </p:cNvGraphicFramePr>
+          <p:nvPr>
+            <p:extLst>
+              <p:ext uri="{D42A27DB-BD31-4B8C-83A1-F6EECF244321}">
+                <p14:modId xmlns:p14="http://schemas.microsoft.com/office/powerpoint/2010/main" val="2268530024"/>
+              </p:ext>
+            </p:extLst>
+          </p:nvPr>
+        </p:nvGraphicFramePr>
+        <p:xfrm>
+          <a:off x="1219200" y="5181600"/>
+          <a:ext cx="6702425" cy="1371600"/>
+        </p:xfrm>
+        <a:graphic>
+          <a:graphicData uri="http://schemas.openxmlformats.org/presentationml/2006/ole">
+            <mc:AlternateContent xmlns:mc="http://schemas.openxmlformats.org/markup-compatibility/2006">
+              <mc:Choice xmlns:v="urn:schemas-microsoft-com:vml" Requires="v">
+                <p:oleObj spid="_x0000_s71684" name="Equation" r:id="rId6" imgW="3848100" imgH="787400" progId="Equation.3">
+                  <p:embed/>
+                </p:oleObj>
+              </mc:Choice>
+              <mc:Fallback>
+                <p:oleObj name="Equation" r:id="rId6" imgW="3848100" imgH="787400" progId="Equation.3">
+                  <p:embed/>
+                  <p:pic>
+                    <p:nvPicPr>
+                      <p:cNvPr id="0" name=""/>
+                      <p:cNvPicPr/>
+                      <p:nvPr/>
+                    </p:nvPicPr>
+                    <p:blipFill>
+                      <a:blip r:embed="rId7"/>
+                      <a:stretch>
+                        <a:fillRect/>
+                      </a:stretch>
+                    </p:blipFill>
+                    <p:spPr>
+                      <a:xfrm>
+                        <a:off x="1219200" y="5181600"/>
+                        <a:ext cx="6702425" cy="1371600"/>
+                      </a:xfrm>
+                      <a:prstGeom prst="rect">
+                        <a:avLst/>
+                      </a:prstGeom>
+                    </p:spPr>
+                  </p:pic>
+                </p:oleObj>
+              </mc:Fallback>
+            </mc:AlternateContent>
+          </a:graphicData>
+        </a:graphic>
+      </p:graphicFrame>
+    </p:spTree>
+    <p:extLst>
+      <p:ext uri="{BB962C8B-B14F-4D97-AF65-F5344CB8AC3E}">
+        <p14:creationId xmlns:p14="http://schemas.microsoft.com/office/powerpoint/2010/main" val="3109795643"/>
+      </p:ext>
+    </p:extLst>
+  </p:cSld>
+  <p:clrMapOvr>
+    <a:masterClrMapping/>
+  </p:clrMapOvr>
+  <p:timing>
+    <p:tnLst>
+      <p:par>
+        <p:cTn xmlns:p14="http://schemas.microsoft.com/office/powerpoint/2010/main" id="1" dur="indefinite" restart="never" nodeType="tmRoot"/>
+      </p:par>
+    </p:tnLst>
+  </p:timing>
+</p:sld>
+</file>
+
+<file path=ppt/slides/slide8.xml><?xml version="1.0" encoding="utf-8"?>
+<p:sld xmlns:a="http://schemas.openxmlformats.org/drawingml/2006/main" xmlns:r="http://schemas.openxmlformats.org/officeDocument/2006/relationships" xmlns:p="http://schemas.openxmlformats.org/presentationml/2006/main">
+  <p:cSld>
+    <p:spTree>
+      <p:nvGrpSpPr>
+        <p:cNvPr id="1" name=""/>
+        <p:cNvGrpSpPr/>
+        <p:nvPr/>
+      </p:nvGrpSpPr>
+      <p:grpSpPr>
+        <a:xfrm>
+          <a:off x="0" y="0"/>
+          <a:ext cx="0" cy="0"/>
+          <a:chOff x="0" y="0"/>
+          <a:chExt cx="0" cy="0"/>
+        </a:xfrm>
+      </p:grpSpPr>
+      <p:sp>
+        <p:nvSpPr>
+          <p:cNvPr id="2" name="Title 1"/>
+          <p:cNvSpPr>
+            <a:spLocks noGrp="1"/>
+          </p:cNvSpPr>
+          <p:nvPr>
+            <p:ph type="ctrTitle"/>
+          </p:nvPr>
+        </p:nvSpPr>
+        <p:spPr>
+          <a:xfrm>
+            <a:off x="914400" y="0"/>
+            <a:ext cx="7772400" cy="762000"/>
+          </a:xfrm>
+        </p:spPr>
+        <p:txBody>
+          <a:bodyPr>
+            <a:normAutofit/>
+          </a:bodyPr>
+          <a:lstStyle/>
+          <a:p>
+            <a:r>
+              <a:rPr lang="en-US" sz="3200" dirty="0" smtClean="0">
+                <a:solidFill>
+                  <a:schemeClr val="accent2">
+                    <a:lumMod val="75000"/>
+                  </a:schemeClr>
+                </a:solidFill>
+              </a:rPr>
+              <a:t>Data Augmentation</a:t>
+            </a:r>
+            <a:endParaRPr lang="en-US" sz="3200" dirty="0">
+              <a:solidFill>
+                <a:schemeClr val="accent2">
+                  <a:lumMod val="75000"/>
+                </a:schemeClr>
+              </a:solidFill>
+            </a:endParaRPr>
+          </a:p>
+        </p:txBody>
+      </p:sp>
+      <p:sp>
+        <p:nvSpPr>
+          <p:cNvPr id="4" name="Footer Placeholder 3"/>
+          <p:cNvSpPr>
+            <a:spLocks noGrp="1"/>
+          </p:cNvSpPr>
+          <p:nvPr>
+            <p:ph type="ftr" sz="quarter" idx="11"/>
+          </p:nvPr>
+        </p:nvSpPr>
+        <p:spPr>
+          <a:xfrm>
+            <a:off x="3124200" y="6569075"/>
+            <a:ext cx="2895600" cy="365125"/>
+          </a:xfrm>
+        </p:spPr>
+        <p:txBody>
+          <a:bodyPr/>
+          <a:lstStyle/>
+          <a:p>
+            <a:r>
+              <a:rPr lang="en-US" dirty="0" smtClean="0">
+                <a:solidFill>
+                  <a:schemeClr val="accent1"/>
+                </a:solidFill>
+              </a:rPr>
+              <a:t>STT 465, MSU, Fall, 2015</a:t>
+            </a:r>
+            <a:endParaRPr lang="en-US" dirty="0">
+              <a:solidFill>
+                <a:schemeClr val="accent1"/>
+              </a:solidFill>
+            </a:endParaRPr>
+          </a:p>
+        </p:txBody>
+      </p:sp>
+      <p:sp>
+        <p:nvSpPr>
+          <p:cNvPr id="6" name="TextBox 5"/>
+          <p:cNvSpPr txBox="1"/>
+          <p:nvPr/>
+        </p:nvSpPr>
+        <p:spPr>
+          <a:xfrm>
+            <a:off x="8467" y="762000"/>
+            <a:ext cx="8991600" cy="5632310"/>
+          </a:xfrm>
+          <a:prstGeom prst="rect">
+            <a:avLst/>
+          </a:prstGeom>
+          <a:noFill/>
+          <a:ln>
+            <a:solidFill>
+              <a:srgbClr val="800000"/>
+            </a:solidFill>
+            <a:prstDash val="sysDash"/>
+          </a:ln>
+        </p:spPr>
+        <p:txBody>
+          <a:bodyPr wrap="square" rtlCol="0">
+            <a:spAutoFit/>
+          </a:bodyPr>
+          <a:lstStyle/>
+          <a:p>
+            <a:endParaRPr lang="en-US" sz="2400" smtClean="0">
+              <a:solidFill>
+                <a:schemeClr val="accent1">
+                  <a:lumMod val="75000"/>
+                </a:schemeClr>
+              </a:solidFill>
+            </a:endParaRPr>
+          </a:p>
+          <a:p>
+            <a:endParaRPr lang="en-US" sz="2400" smtClean="0">
+              <a:solidFill>
+                <a:schemeClr val="accent1">
+                  <a:lumMod val="75000"/>
+                </a:schemeClr>
+              </a:solidFill>
+            </a:endParaRPr>
+          </a:p>
+          <a:p>
+            <a:endParaRPr lang="en-US" sz="2400" smtClean="0">
+              <a:solidFill>
+                <a:schemeClr val="accent1">
+                  <a:lumMod val="75000"/>
+                </a:schemeClr>
+              </a:solidFill>
+            </a:endParaRPr>
+          </a:p>
+          <a:p>
+            <a:endParaRPr lang="en-US" sz="2400" smtClean="0">
+              <a:solidFill>
+                <a:schemeClr val="accent1">
+                  <a:lumMod val="75000"/>
+                </a:schemeClr>
+              </a:solidFill>
+            </a:endParaRPr>
+          </a:p>
+          <a:p>
+            <a:endParaRPr lang="en-US" sz="2400" smtClean="0">
+              <a:solidFill>
+                <a:schemeClr val="accent1">
+                  <a:lumMod val="75000"/>
+                </a:schemeClr>
+              </a:solidFill>
+            </a:endParaRPr>
+          </a:p>
+          <a:p>
+            <a:endParaRPr lang="en-US" sz="2400" smtClean="0">
+              <a:solidFill>
+                <a:schemeClr val="accent1">
+                  <a:lumMod val="75000"/>
+                </a:schemeClr>
+              </a:solidFill>
+            </a:endParaRPr>
+          </a:p>
+          <a:p>
+            <a:endParaRPr lang="en-US" sz="2400" smtClean="0">
+              <a:solidFill>
+                <a:schemeClr val="accent1">
+                  <a:lumMod val="75000"/>
+                </a:schemeClr>
+              </a:solidFill>
+            </a:endParaRPr>
+          </a:p>
+          <a:p>
+            <a:endParaRPr lang="en-US" sz="2400" smtClean="0">
+              <a:solidFill>
+                <a:schemeClr val="accent1">
+                  <a:lumMod val="75000"/>
+                </a:schemeClr>
+              </a:solidFill>
+            </a:endParaRPr>
+          </a:p>
+          <a:p>
+            <a:endParaRPr lang="en-US" sz="2400" smtClean="0">
+              <a:solidFill>
+                <a:schemeClr val="accent1">
+                  <a:lumMod val="75000"/>
+                </a:schemeClr>
+              </a:solidFill>
+            </a:endParaRPr>
+          </a:p>
+          <a:p>
+            <a:endParaRPr lang="en-US" sz="2400" smtClean="0">
+              <a:solidFill>
+                <a:schemeClr val="accent1">
+                  <a:lumMod val="75000"/>
+                </a:schemeClr>
+              </a:solidFill>
+            </a:endParaRPr>
+          </a:p>
+          <a:p>
+            <a:endParaRPr lang="en-US" sz="2400" smtClean="0">
+              <a:solidFill>
+                <a:schemeClr val="accent1">
+                  <a:lumMod val="75000"/>
+                </a:schemeClr>
+              </a:solidFill>
+            </a:endParaRPr>
+          </a:p>
+          <a:p>
+            <a:endParaRPr lang="en-US" sz="2400" smtClean="0">
+              <a:solidFill>
+                <a:schemeClr val="accent1">
+                  <a:lumMod val="75000"/>
+                </a:schemeClr>
+              </a:solidFill>
+            </a:endParaRPr>
+          </a:p>
+          <a:p>
+            <a:endParaRPr lang="en-US" sz="2400" smtClean="0">
+              <a:solidFill>
+                <a:schemeClr val="accent1">
+                  <a:lumMod val="75000"/>
+                </a:schemeClr>
+              </a:solidFill>
+            </a:endParaRPr>
+          </a:p>
+          <a:p>
+            <a:endParaRPr lang="en-US" sz="2400" smtClean="0">
+              <a:solidFill>
+                <a:schemeClr val="accent1">
+                  <a:lumMod val="75000"/>
+                </a:schemeClr>
+              </a:solidFill>
+            </a:endParaRPr>
+          </a:p>
+          <a:p>
+            <a:endParaRPr lang="en-US" sz="2400" dirty="0">
+              <a:solidFill>
+                <a:schemeClr val="accent1">
+                  <a:lumMod val="75000"/>
+                </a:schemeClr>
+              </a:solidFill>
+            </a:endParaRPr>
+          </a:p>
+        </p:txBody>
+      </p:sp>
+      <p:sp>
+        <p:nvSpPr>
+          <p:cNvPr id="12" name="TextBox 11"/>
+          <p:cNvSpPr txBox="1"/>
+          <p:nvPr/>
+        </p:nvSpPr>
+        <p:spPr>
+          <a:xfrm>
+            <a:off x="838200" y="1066800"/>
+            <a:ext cx="7620000" cy="461665"/>
+          </a:xfrm>
+          <a:prstGeom prst="rect">
+            <a:avLst/>
+          </a:prstGeom>
+          <a:noFill/>
+        </p:spPr>
+        <p:txBody>
+          <a:bodyPr wrap="square" rtlCol="0">
+            <a:spAutoFit/>
+          </a:bodyPr>
+          <a:lstStyle/>
+          <a:p>
+            <a:pPr algn="ctr"/>
+            <a:r>
+              <a:rPr lang="en-US" sz="2400" dirty="0" smtClean="0">
+                <a:solidFill>
+                  <a:schemeClr val="tx2"/>
+                </a:solidFill>
+              </a:rPr>
+              <a:t>Bayesian </a:t>
+            </a:r>
+            <a:r>
+              <a:rPr lang="en-US" sz="2400" dirty="0" smtClean="0">
+                <a:solidFill>
+                  <a:schemeClr val="tx2"/>
+                </a:solidFill>
+              </a:rPr>
+              <a:t>Likelihood (with data augmentation)</a:t>
+            </a:r>
+            <a:endParaRPr lang="en-US" sz="2400" dirty="0">
+              <a:solidFill>
+                <a:schemeClr val="tx2"/>
+              </a:solidFill>
+            </a:endParaRPr>
+          </a:p>
+        </p:txBody>
+      </p:sp>
+      <p:graphicFrame>
+        <p:nvGraphicFramePr>
+          <p:cNvPr id="13" name="Object 12"/>
+          <p:cNvGraphicFramePr>
+            <a:graphicFrameLocks noChangeAspect="1"/>
+          </p:cNvGraphicFramePr>
+          <p:nvPr>
+            <p:extLst>
+              <p:ext uri="{D42A27DB-BD31-4B8C-83A1-F6EECF244321}">
+                <p14:modId xmlns:p14="http://schemas.microsoft.com/office/powerpoint/2010/main" val="196585319"/>
+              </p:ext>
+            </p:extLst>
+          </p:nvPr>
+        </p:nvGraphicFramePr>
+        <p:xfrm>
+          <a:off x="1066800" y="2057400"/>
+          <a:ext cx="7083425" cy="1309688"/>
+        </p:xfrm>
+        <a:graphic>
+          <a:graphicData uri="http://schemas.openxmlformats.org/presentationml/2006/ole">
+            <mc:AlternateContent xmlns:mc="http://schemas.openxmlformats.org/markup-compatibility/2006">
+              <mc:Choice xmlns:v="urn:schemas-microsoft-com:vml" Requires="v">
+                <p:oleObj spid="_x0000_s1065" name="Equation" r:id="rId4" imgW="4267200" imgH="787400" progId="Equation.3">
+                  <p:embed/>
+                </p:oleObj>
+              </mc:Choice>
+              <mc:Fallback>
+                <p:oleObj name="Equation" r:id="rId4" imgW="4267200" imgH="787400" progId="Equation.3">
+                  <p:embed/>
+                  <p:pic>
+                    <p:nvPicPr>
+                      <p:cNvPr id="0" name=""/>
+                      <p:cNvPicPr/>
+                      <p:nvPr/>
+                    </p:nvPicPr>
+                    <p:blipFill>
+                      <a:blip r:embed="rId5"/>
+                      <a:stretch>
+                        <a:fillRect/>
+                      </a:stretch>
+                    </p:blipFill>
+                    <p:spPr>
+                      <a:xfrm>
+                        <a:off x="1066800" y="2057400"/>
+                        <a:ext cx="7083425" cy="1309688"/>
+                      </a:xfrm>
+                      <a:prstGeom prst="rect">
+                        <a:avLst/>
+                      </a:prstGeom>
+                    </p:spPr>
+                  </p:pic>
+                </p:oleObj>
+              </mc:Fallback>
+            </mc:AlternateContent>
+          </a:graphicData>
+        </a:graphic>
+      </p:graphicFrame>
+      <p:graphicFrame>
+        <p:nvGraphicFramePr>
+          <p:cNvPr id="7" name="Object 6"/>
+          <p:cNvGraphicFramePr>
+            <a:graphicFrameLocks noChangeAspect="1"/>
+          </p:cNvGraphicFramePr>
+          <p:nvPr>
+            <p:extLst>
+              <p:ext uri="{D42A27DB-BD31-4B8C-83A1-F6EECF244321}">
+                <p14:modId xmlns:p14="http://schemas.microsoft.com/office/powerpoint/2010/main" val="2647908391"/>
+              </p:ext>
+            </p:extLst>
+          </p:nvPr>
+        </p:nvGraphicFramePr>
+        <p:xfrm>
+          <a:off x="2895600" y="3810000"/>
+          <a:ext cx="539750" cy="381000"/>
+        </p:xfrm>
+        <a:graphic>
+          <a:graphicData uri="http://schemas.openxmlformats.org/presentationml/2006/ole">
+            <mc:AlternateContent xmlns:mc="http://schemas.openxmlformats.org/markup-compatibility/2006">
+              <mc:Choice xmlns:v="urn:schemas-microsoft-com:vml" Requires="v">
+                <p:oleObj spid="_x0000_s1066" name="Equation" r:id="rId6" imgW="215900" imgH="215900" progId="Equation.3">
+                  <p:embed/>
+                </p:oleObj>
+              </mc:Choice>
+              <mc:Fallback>
+                <p:oleObj name="Equation" r:id="rId6" imgW="215900" imgH="215900" progId="Equation.3">
+                  <p:embed/>
+                  <p:pic>
+                    <p:nvPicPr>
+                      <p:cNvPr id="0" name=""/>
+                      <p:cNvPicPr/>
+                      <p:nvPr/>
+                    </p:nvPicPr>
+                    <p:blipFill>
+                      <a:blip r:embed="rId7"/>
+                      <a:stretch>
+                        <a:fillRect/>
+                      </a:stretch>
+                    </p:blipFill>
+                    <p:spPr>
+                      <a:xfrm>
+                        <a:off x="2895600" y="3810000"/>
+                        <a:ext cx="539750" cy="381000"/>
+                      </a:xfrm>
+                      <a:prstGeom prst="rect">
+                        <a:avLst/>
+                      </a:prstGeom>
+                    </p:spPr>
+                  </p:pic>
+                </p:oleObj>
+              </mc:Fallback>
+            </mc:AlternateContent>
+          </a:graphicData>
+        </a:graphic>
+      </p:graphicFrame>
+      <p:sp>
+        <p:nvSpPr>
+          <p:cNvPr id="8" name="Rectangle 7"/>
+          <p:cNvSpPr/>
+          <p:nvPr/>
+        </p:nvSpPr>
+        <p:spPr>
+          <a:xfrm>
+            <a:off x="3401840" y="3810000"/>
+            <a:ext cx="2697335" cy="369332"/>
+          </a:xfrm>
+          <a:prstGeom prst="rect">
+            <a:avLst/>
+          </a:prstGeom>
+        </p:spPr>
+        <p:txBody>
+          <a:bodyPr wrap="none">
+            <a:spAutoFit/>
+          </a:bodyPr>
+          <a:lstStyle/>
+          <a:p>
+            <a:pPr algn="ctr"/>
+            <a:r>
+              <a:rPr lang="en-US" dirty="0" smtClean="0"/>
+              <a:t>Unobserved time to event.</a:t>
+            </a:r>
+            <a:endParaRPr lang="en-US" dirty="0"/>
+          </a:p>
+        </p:txBody>
+      </p:sp>
+      <p:sp>
+        <p:nvSpPr>
+          <p:cNvPr id="14" name="TextBox 13"/>
+          <p:cNvSpPr txBox="1"/>
+          <p:nvPr/>
+        </p:nvSpPr>
+        <p:spPr>
+          <a:xfrm>
+            <a:off x="533400" y="4191000"/>
+            <a:ext cx="7620000" cy="1938992"/>
+          </a:xfrm>
+          <a:prstGeom prst="rect">
+            <a:avLst/>
+          </a:prstGeom>
+          <a:noFill/>
+        </p:spPr>
+        <p:txBody>
+          <a:bodyPr wrap="square" rtlCol="0">
+            <a:spAutoFit/>
+          </a:bodyPr>
+          <a:lstStyle/>
+          <a:p>
+            <a:r>
+              <a:rPr lang="en-US" sz="2400" dirty="0" smtClean="0">
+                <a:solidFill>
+                  <a:schemeClr val="tx2"/>
+                </a:solidFill>
+              </a:rPr>
+              <a:t>=&gt; With data augmentation, the model </a:t>
+            </a:r>
+            <a:r>
+              <a:rPr lang="en-US" sz="2400" dirty="0" err="1" smtClean="0">
+                <a:solidFill>
+                  <a:schemeClr val="tx2"/>
+                </a:solidFill>
+              </a:rPr>
+              <a:t>uknowns</a:t>
+            </a:r>
+            <a:r>
+              <a:rPr lang="en-US" sz="2400" dirty="0" smtClean="0">
+                <a:solidFill>
+                  <a:schemeClr val="tx2"/>
+                </a:solidFill>
+              </a:rPr>
+              <a:t> involve not only the parameters (effects, variances, etc.) but also the un-observed time to events.</a:t>
+            </a:r>
+          </a:p>
+          <a:p>
+            <a:r>
+              <a:rPr lang="en-US" sz="2400" dirty="0" smtClean="0">
+                <a:solidFill>
+                  <a:schemeClr val="tx2"/>
+                </a:solidFill>
+              </a:rPr>
+              <a:t>=&gt; Therefore, in our sampler we need to sample also the un-observed time to event of the censored points.</a:t>
+            </a:r>
+            <a:endParaRPr lang="en-US" sz="2400" dirty="0">
+              <a:solidFill>
+                <a:schemeClr val="tx2"/>
+              </a:solidFill>
+            </a:endParaRPr>
+          </a:p>
+        </p:txBody>
+      </p:sp>
+    </p:spTree>
+    <p:extLst>
+      <p:ext uri="{BB962C8B-B14F-4D97-AF65-F5344CB8AC3E}">
+        <p14:creationId xmlns:p14="http://schemas.microsoft.com/office/powerpoint/2010/main" val="3800764427"/>
+      </p:ext>
+    </p:extLst>
+  </p:cSld>
+  <p:clrMapOvr>
+    <a:masterClrMapping/>
+  </p:clrMapOvr>
+  <p:timing>
+    <p:tnLst>
+      <p:par>
+        <p:cTn xmlns:p14="http://schemas.microsoft.com/office/powerpoint/2010/main" id="1" dur="indefinite" restart="never" nodeType="tmRoot"/>
+      </p:par>
+    </p:tnLst>
+  </p:timing>
+</p:sld>
+</file>
+
+<file path=ppt/slides/slide9.xml><?xml version="1.0" encoding="utf-8"?>
+<p:sld xmlns:a="http://schemas.openxmlformats.org/drawingml/2006/main" xmlns:r="http://schemas.openxmlformats.org/officeDocument/2006/relationships" xmlns:p="http://schemas.openxmlformats.org/presentationml/2006/main">
+  <p:cSld>
+    <p:spTree>
+      <p:nvGrpSpPr>
+        <p:cNvPr id="1" name=""/>
+        <p:cNvGrpSpPr/>
+        <p:nvPr/>
+      </p:nvGrpSpPr>
+      <p:grpSpPr>
+        <a:xfrm>
+          <a:off x="0" y="0"/>
+          <a:ext cx="0" cy="0"/>
+          <a:chOff x="0" y="0"/>
+          <a:chExt cx="0" cy="0"/>
+        </a:xfrm>
+      </p:grpSpPr>
+      <p:sp>
+        <p:nvSpPr>
+          <p:cNvPr id="2" name="Title 1"/>
+          <p:cNvSpPr>
+            <a:spLocks noGrp="1"/>
+          </p:cNvSpPr>
+          <p:nvPr>
+            <p:ph type="ctrTitle"/>
+          </p:nvPr>
+        </p:nvSpPr>
+        <p:spPr>
+          <a:xfrm>
             <a:off x="838200" y="25400"/>
             <a:ext cx="7772400" cy="762000"/>
           </a:xfrm>
@@ -11335,7 +13687,7 @@
           <a:graphicData uri="http://schemas.openxmlformats.org/presentationml/2006/ole">
             <mc:AlternateContent xmlns:mc="http://schemas.openxmlformats.org/markup-compatibility/2006">
               <mc:Choice xmlns:v="urn:schemas-microsoft-com:vml" Requires="v">
-                <p:oleObj spid="_x0000_s57430" name="Equation" r:id="rId4" imgW="939800" imgH="292100" progId="Equation.3">
+                <p:oleObj spid="_x0000_s57451" name="Equation" r:id="rId4" imgW="939800" imgH="292100" progId="Equation.3">
                   <p:embed/>
                 </p:oleObj>
               </mc:Choice>
@@ -11430,7 +13782,7 @@
           <a:graphicData uri="http://schemas.openxmlformats.org/presentationml/2006/ole">
             <mc:AlternateContent xmlns:mc="http://schemas.openxmlformats.org/markup-compatibility/2006">
               <mc:Choice xmlns:v="urn:schemas-microsoft-com:vml" Requires="v">
-                <p:oleObj spid="_x0000_s57431" name="Equation" r:id="rId6" imgW="5727700" imgH="1079500" progId="Equation.3">
+                <p:oleObj spid="_x0000_s57452" name="Equation" r:id="rId6" imgW="5727700" imgH="1079500" progId="Equation.3">
                   <p:embed/>
                 </p:oleObj>
               </mc:Choice>
@@ -11525,7 +13877,7 @@
           <a:graphicData uri="http://schemas.openxmlformats.org/presentationml/2006/ole">
             <mc:AlternateContent xmlns:mc="http://schemas.openxmlformats.org/markup-compatibility/2006">
               <mc:Choice xmlns:v="urn:schemas-microsoft-com:vml" Requires="v">
-                <p:oleObj spid="_x0000_s57432" name="Equation" r:id="rId8" imgW="1968500" imgH="685800" progId="Equation.3">
+                <p:oleObj spid="_x0000_s57453" name="Equation" r:id="rId8" imgW="1968500" imgH="685800" progId="Equation.3">
                   <p:embed/>
                 </p:oleObj>
               </mc:Choice>
@@ -11582,7 +13934,7 @@
           <a:graphicData uri="http://schemas.openxmlformats.org/presentationml/2006/ole">
             <mc:AlternateContent xmlns:mc="http://schemas.openxmlformats.org/markup-compatibility/2006">
               <mc:Choice xmlns:v="urn:schemas-microsoft-com:vml" Requires="v">
-                <p:oleObj spid="_x0000_s57433" name="Equation" r:id="rId10" imgW="4267200" imgH="787400" progId="Equation.3">
+                <p:oleObj spid="_x0000_s57454" name="Equation" r:id="rId10" imgW="4267200" imgH="787400" progId="Equation.3">
                   <p:embed/>
                 </p:oleObj>
               </mc:Choice>
@@ -11621,731 +13973,6 @@
     <p:extLst>
       <p:ext uri="{BB962C8B-B14F-4D97-AF65-F5344CB8AC3E}">
         <p14:creationId xmlns:p14="http://schemas.microsoft.com/office/powerpoint/2010/main" val="966125101"/>
-      </p:ext>
-    </p:extLst>
-  </p:cSld>
-  <p:clrMapOvr>
-    <a:masterClrMapping/>
-  </p:clrMapOvr>
-  <p:timing>
-    <p:tnLst>
-      <p:par>
-        <p:cTn xmlns:p14="http://schemas.microsoft.com/office/powerpoint/2010/main" id="1" dur="indefinite" restart="never" nodeType="tmRoot"/>
-      </p:par>
-    </p:tnLst>
-  </p:timing>
-</p:sld>
-</file>
-
-<file path=ppt/slides/slide8.xml><?xml version="1.0" encoding="utf-8"?>
-<p:sld xmlns:a="http://schemas.openxmlformats.org/drawingml/2006/main" xmlns:r="http://schemas.openxmlformats.org/officeDocument/2006/relationships" xmlns:p="http://schemas.openxmlformats.org/presentationml/2006/main">
-  <p:cSld>
-    <p:spTree>
-      <p:nvGrpSpPr>
-        <p:cNvPr id="1" name=""/>
-        <p:cNvGrpSpPr/>
-        <p:nvPr/>
-      </p:nvGrpSpPr>
-      <p:grpSpPr>
-        <a:xfrm>
-          <a:off x="0" y="0"/>
-          <a:ext cx="0" cy="0"/>
-          <a:chOff x="0" y="0"/>
-          <a:chExt cx="0" cy="0"/>
-        </a:xfrm>
-      </p:grpSpPr>
-      <p:sp>
-        <p:nvSpPr>
-          <p:cNvPr id="2" name="Title 1"/>
-          <p:cNvSpPr>
-            <a:spLocks noGrp="1"/>
-          </p:cNvSpPr>
-          <p:nvPr>
-            <p:ph type="ctrTitle"/>
-          </p:nvPr>
-        </p:nvSpPr>
-        <p:spPr>
-          <a:xfrm>
-            <a:off x="838200" y="2057400"/>
-            <a:ext cx="7772400" cy="1825482"/>
-          </a:xfrm>
-          <a:ln>
-            <a:solidFill>
-              <a:srgbClr val="800000"/>
-            </a:solidFill>
-            <a:prstDash val="sysDash"/>
-          </a:ln>
-        </p:spPr>
-        <p:txBody>
-          <a:bodyPr>
-            <a:normAutofit/>
-          </a:bodyPr>
-          <a:lstStyle/>
-          <a:p>
-            <a:r>
-              <a:rPr lang="en-US" sz="3200" dirty="0" smtClean="0">
-                <a:solidFill>
-                  <a:schemeClr val="accent2">
-                    <a:lumMod val="75000"/>
-                  </a:schemeClr>
-                </a:solidFill>
-              </a:rPr>
-              <a:t>Regression with Binary Outcomes</a:t>
-            </a:r>
-          </a:p>
-        </p:txBody>
-      </p:sp>
-      <p:sp>
-        <p:nvSpPr>
-          <p:cNvPr id="4" name="Footer Placeholder 3"/>
-          <p:cNvSpPr>
-            <a:spLocks noGrp="1"/>
-          </p:cNvSpPr>
-          <p:nvPr>
-            <p:ph type="ftr" sz="quarter" idx="11"/>
-          </p:nvPr>
-        </p:nvSpPr>
-        <p:spPr/>
-        <p:txBody>
-          <a:bodyPr/>
-          <a:lstStyle/>
-          <a:p>
-            <a:r>
-              <a:rPr lang="en-US" dirty="0" smtClean="0">
-                <a:solidFill>
-                  <a:schemeClr val="accent1"/>
-                </a:solidFill>
-              </a:rPr>
-              <a:t>STT 465, MSU, Fall, 2015</a:t>
-            </a:r>
-            <a:endParaRPr lang="en-US" dirty="0">
-              <a:solidFill>
-                <a:schemeClr val="accent1"/>
-              </a:solidFill>
-            </a:endParaRPr>
-          </a:p>
-        </p:txBody>
-      </p:sp>
-    </p:spTree>
-    <p:extLst>
-      <p:ext uri="{BB962C8B-B14F-4D97-AF65-F5344CB8AC3E}">
-        <p14:creationId xmlns:p14="http://schemas.microsoft.com/office/powerpoint/2010/main" val="4187999207"/>
-      </p:ext>
-    </p:extLst>
-  </p:cSld>
-  <p:clrMapOvr>
-    <a:masterClrMapping/>
-  </p:clrMapOvr>
-  <p:timing>
-    <p:tnLst>
-      <p:par>
-        <p:cTn xmlns:p14="http://schemas.microsoft.com/office/powerpoint/2010/main" id="1" dur="indefinite" restart="never" nodeType="tmRoot"/>
-      </p:par>
-    </p:tnLst>
-  </p:timing>
-</p:sld>
-</file>
-
-<file path=ppt/slides/slide9.xml><?xml version="1.0" encoding="utf-8"?>
-<p:sld xmlns:a="http://schemas.openxmlformats.org/drawingml/2006/main" xmlns:r="http://schemas.openxmlformats.org/officeDocument/2006/relationships" xmlns:p="http://schemas.openxmlformats.org/presentationml/2006/main">
-  <p:cSld>
-    <p:spTree>
-      <p:nvGrpSpPr>
-        <p:cNvPr id="1" name=""/>
-        <p:cNvGrpSpPr/>
-        <p:nvPr/>
-      </p:nvGrpSpPr>
-      <p:grpSpPr>
-        <a:xfrm>
-          <a:off x="0" y="0"/>
-          <a:ext cx="0" cy="0"/>
-          <a:chOff x="0" y="0"/>
-          <a:chExt cx="0" cy="0"/>
-        </a:xfrm>
-      </p:grpSpPr>
-      <p:sp>
-        <p:nvSpPr>
-          <p:cNvPr id="14" name="TextBox 13"/>
-          <p:cNvSpPr txBox="1"/>
-          <p:nvPr/>
-        </p:nvSpPr>
-        <p:spPr>
-          <a:xfrm>
-            <a:off x="914400" y="0"/>
-            <a:ext cx="7467600" cy="646331"/>
-          </a:xfrm>
-          <a:prstGeom prst="rect">
-            <a:avLst/>
-          </a:prstGeom>
-          <a:noFill/>
-          <a:ln>
-            <a:solidFill>
-              <a:srgbClr val="800000"/>
-            </a:solidFill>
-            <a:prstDash val="sysDash"/>
-          </a:ln>
-        </p:spPr>
-        <p:txBody>
-          <a:bodyPr wrap="square" rtlCol="0">
-            <a:spAutoFit/>
-          </a:bodyPr>
-          <a:lstStyle/>
-          <a:p>
-            <a:endParaRPr lang="en-US" sz="800" dirty="0" smtClean="0">
-              <a:solidFill>
-                <a:srgbClr val="800000"/>
-              </a:solidFill>
-            </a:endParaRPr>
-          </a:p>
-          <a:p>
-            <a:pPr algn="ctr"/>
-            <a:r>
-              <a:rPr lang="en-US" sz="2800" dirty="0" smtClean="0">
-                <a:solidFill>
-                  <a:srgbClr val="800000"/>
-                </a:solidFill>
-              </a:rPr>
-              <a:t>Regression with Binary Outcomes</a:t>
-            </a:r>
-            <a:endParaRPr lang="en-US" dirty="0" smtClean="0">
-              <a:solidFill>
-                <a:schemeClr val="accent1">
-                  <a:lumMod val="75000"/>
-                </a:schemeClr>
-              </a:solidFill>
-            </a:endParaRPr>
-          </a:p>
-        </p:txBody>
-      </p:sp>
-      <p:sp>
-        <p:nvSpPr>
-          <p:cNvPr id="15" name="TextBox 14"/>
-          <p:cNvSpPr txBox="1"/>
-          <p:nvPr/>
-        </p:nvSpPr>
-        <p:spPr>
-          <a:xfrm>
-            <a:off x="457200" y="990600"/>
-            <a:ext cx="8229600" cy="5016758"/>
-          </a:xfrm>
-          <a:prstGeom prst="rect">
-            <a:avLst/>
-          </a:prstGeom>
-          <a:noFill/>
-        </p:spPr>
-        <p:txBody>
-          <a:bodyPr wrap="square" rtlCol="0">
-            <a:spAutoFit/>
-          </a:bodyPr>
-          <a:lstStyle/>
-          <a:p>
-            <a:r>
-              <a:rPr lang="en-US" sz="2000" dirty="0" smtClean="0">
-                <a:solidFill>
-                  <a:schemeClr val="accent1">
-                    <a:lumMod val="75000"/>
-                  </a:schemeClr>
-                </a:solidFill>
-              </a:rPr>
-              <a:t>-    Binary outcomes follow Bernoulli distributions</a:t>
-            </a:r>
-            <a:endParaRPr lang="en-US" sz="2000" dirty="0">
-              <a:solidFill>
-                <a:schemeClr val="accent1">
-                  <a:lumMod val="75000"/>
-                </a:schemeClr>
-              </a:solidFill>
-            </a:endParaRPr>
-          </a:p>
-          <a:p>
-            <a:endParaRPr lang="en-US" sz="2000" dirty="0" smtClean="0">
-              <a:solidFill>
-                <a:schemeClr val="accent1">
-                  <a:lumMod val="75000"/>
-                </a:schemeClr>
-              </a:solidFill>
-            </a:endParaRPr>
-          </a:p>
-          <a:p>
-            <a:endParaRPr lang="en-US" sz="2000" dirty="0">
-              <a:solidFill>
-                <a:schemeClr val="accent1">
-                  <a:lumMod val="75000"/>
-                </a:schemeClr>
-              </a:solidFill>
-            </a:endParaRPr>
-          </a:p>
-          <a:p>
-            <a:endParaRPr lang="en-US" sz="2000" dirty="0" smtClean="0">
-              <a:solidFill>
-                <a:schemeClr val="accent1">
-                  <a:lumMod val="75000"/>
-                </a:schemeClr>
-              </a:solidFill>
-            </a:endParaRPr>
-          </a:p>
-          <a:p>
-            <a:endParaRPr lang="en-US" sz="2000" dirty="0">
-              <a:solidFill>
-                <a:schemeClr val="accent1">
-                  <a:lumMod val="75000"/>
-                </a:schemeClr>
-              </a:solidFill>
-            </a:endParaRPr>
-          </a:p>
-          <a:p>
-            <a:pPr marL="342900" indent="-342900">
-              <a:buFontTx/>
-              <a:buChar char="-"/>
-            </a:pPr>
-            <a:r>
-              <a:rPr lang="en-US" sz="2000" dirty="0" smtClean="0">
-                <a:solidFill>
-                  <a:schemeClr val="accent1">
-                    <a:lumMod val="75000"/>
-                  </a:schemeClr>
-                </a:solidFill>
-              </a:rPr>
-              <a:t>Regression with Binary outcomes: we want to make </a:t>
-            </a:r>
-            <a:r>
-              <a:rPr lang="en-US" sz="2000" dirty="0" err="1" smtClean="0">
-                <a:solidFill>
-                  <a:schemeClr val="accent1">
-                    <a:lumMod val="75000"/>
-                  </a:schemeClr>
-                </a:solidFill>
-              </a:rPr>
-              <a:t>θ</a:t>
-            </a:r>
-            <a:r>
-              <a:rPr lang="en-US" sz="2000" dirty="0" smtClean="0">
-                <a:solidFill>
-                  <a:schemeClr val="accent1">
-                    <a:lumMod val="75000"/>
-                  </a:schemeClr>
-                </a:solidFill>
-              </a:rPr>
-              <a:t> a function of one or more predictors. </a:t>
-            </a:r>
-          </a:p>
-          <a:p>
-            <a:pPr marL="342900" indent="-342900">
-              <a:buFontTx/>
-              <a:buChar char="-"/>
-            </a:pPr>
-            <a:r>
-              <a:rPr lang="en-US" sz="2000" dirty="0" smtClean="0">
-                <a:solidFill>
-                  <a:schemeClr val="accent1">
-                    <a:lumMod val="75000"/>
-                  </a:schemeClr>
-                </a:solidFill>
-              </a:rPr>
-              <a:t>Problem:</a:t>
-            </a:r>
-          </a:p>
-          <a:p>
-            <a:r>
-              <a:rPr lang="en-US" sz="2000" dirty="0">
-                <a:solidFill>
-                  <a:schemeClr val="accent1">
-                    <a:lumMod val="75000"/>
-                  </a:schemeClr>
-                </a:solidFill>
-              </a:rPr>
-              <a:t>	</a:t>
-            </a:r>
-            <a:r>
-              <a:rPr lang="en-US" sz="2000" dirty="0" smtClean="0">
-                <a:solidFill>
-                  <a:schemeClr val="accent1">
-                    <a:lumMod val="75000"/>
-                  </a:schemeClr>
-                </a:solidFill>
-              </a:rPr>
-              <a:t>- </a:t>
-            </a:r>
-            <a:r>
-              <a:rPr lang="en-US" sz="2000" dirty="0" err="1" smtClean="0">
-                <a:solidFill>
-                  <a:schemeClr val="accent1">
-                    <a:lumMod val="75000"/>
-                  </a:schemeClr>
-                </a:solidFill>
-              </a:rPr>
-              <a:t>θ</a:t>
-            </a:r>
-            <a:r>
-              <a:rPr lang="en-US" sz="2000" dirty="0" smtClean="0">
-                <a:solidFill>
-                  <a:schemeClr val="accent1">
-                    <a:lumMod val="75000"/>
-                  </a:schemeClr>
-                </a:solidFill>
-              </a:rPr>
-              <a:t>  lives in the 0-1 interval, </a:t>
-            </a:r>
-          </a:p>
-          <a:p>
-            <a:r>
-              <a:rPr lang="en-US" sz="2000" dirty="0" smtClean="0">
-                <a:solidFill>
-                  <a:schemeClr val="accent1">
-                    <a:lumMod val="75000"/>
-                  </a:schemeClr>
-                </a:solidFill>
-              </a:rPr>
-              <a:t>	- </a:t>
-            </a:r>
-            <a:r>
-              <a:rPr lang="en-US" sz="2000" dirty="0">
-                <a:solidFill>
-                  <a:schemeClr val="accent1">
-                    <a:lumMod val="75000"/>
-                  </a:schemeClr>
-                </a:solidFill>
-              </a:rPr>
-              <a:t>while a regression </a:t>
-            </a:r>
-            <a:r>
-              <a:rPr lang="en-US" sz="2000" dirty="0" smtClean="0">
-                <a:solidFill>
-                  <a:schemeClr val="accent1">
-                    <a:lumMod val="75000"/>
-                  </a:schemeClr>
-                </a:solidFill>
-              </a:rPr>
-              <a:t>function                lives in the real line.</a:t>
-            </a:r>
-            <a:endParaRPr lang="en-US" sz="2000" dirty="0">
-              <a:solidFill>
-                <a:schemeClr val="accent1">
-                  <a:lumMod val="75000"/>
-                </a:schemeClr>
-              </a:solidFill>
-            </a:endParaRPr>
-          </a:p>
-          <a:p>
-            <a:endParaRPr lang="en-US" sz="2000" dirty="0">
-              <a:solidFill>
-                <a:schemeClr val="accent1">
-                  <a:lumMod val="75000"/>
-                </a:schemeClr>
-              </a:solidFill>
-            </a:endParaRPr>
-          </a:p>
-          <a:p>
-            <a:pPr marL="342900" indent="-342900">
-              <a:buFontTx/>
-              <a:buChar char="-"/>
-            </a:pPr>
-            <a:r>
-              <a:rPr lang="en-US" sz="2000" dirty="0" smtClean="0">
-                <a:solidFill>
-                  <a:schemeClr val="accent1">
-                    <a:lumMod val="75000"/>
-                  </a:schemeClr>
-                </a:solidFill>
-              </a:rPr>
-              <a:t>To get around this we need to introduce a link function that maps from the real line to the 0-1 interval.</a:t>
-            </a:r>
-          </a:p>
-          <a:p>
-            <a:pPr marL="342900" indent="-342900">
-              <a:buFontTx/>
-              <a:buChar char="-"/>
-            </a:pPr>
-            <a:endParaRPr lang="en-US" sz="2000" dirty="0">
-              <a:solidFill>
-                <a:schemeClr val="accent1">
-                  <a:lumMod val="75000"/>
-                </a:schemeClr>
-              </a:solidFill>
-            </a:endParaRPr>
-          </a:p>
-          <a:p>
-            <a:pPr marL="342900" indent="-342900">
-              <a:buFontTx/>
-              <a:buChar char="-"/>
-            </a:pPr>
-            <a:r>
-              <a:rPr lang="en-US" sz="2000" dirty="0" smtClean="0">
-                <a:solidFill>
-                  <a:schemeClr val="accent1">
-                    <a:lumMod val="75000"/>
-                  </a:schemeClr>
-                </a:solidFill>
-              </a:rPr>
-              <a:t>The most commonly used links are the </a:t>
-            </a:r>
-            <a:r>
-              <a:rPr lang="en-US" sz="2000" dirty="0" err="1" smtClean="0">
-                <a:solidFill>
-                  <a:schemeClr val="accent1">
-                    <a:lumMod val="75000"/>
-                  </a:schemeClr>
-                </a:solidFill>
-              </a:rPr>
-              <a:t>logit</a:t>
-            </a:r>
-            <a:r>
-              <a:rPr lang="en-US" sz="2000" dirty="0" smtClean="0">
-                <a:solidFill>
-                  <a:schemeClr val="accent1">
-                    <a:lumMod val="75000"/>
-                  </a:schemeClr>
-                </a:solidFill>
-              </a:rPr>
-              <a:t> and </a:t>
-            </a:r>
-            <a:r>
-              <a:rPr lang="en-US" sz="2000" dirty="0" err="1" smtClean="0">
-                <a:solidFill>
-                  <a:schemeClr val="accent1">
-                    <a:lumMod val="75000"/>
-                  </a:schemeClr>
-                </a:solidFill>
-              </a:rPr>
-              <a:t>probit</a:t>
-            </a:r>
-            <a:r>
-              <a:rPr lang="en-US" sz="2000" dirty="0" smtClean="0">
-                <a:solidFill>
-                  <a:schemeClr val="accent1">
-                    <a:lumMod val="75000"/>
-                  </a:schemeClr>
-                </a:solidFill>
-              </a:rPr>
-              <a:t> link.</a:t>
-            </a:r>
-          </a:p>
-          <a:p>
-            <a:pPr marL="342900" indent="-342900">
-              <a:buFontTx/>
-              <a:buChar char="-"/>
-            </a:pPr>
-            <a:endParaRPr lang="en-US" sz="2000" dirty="0" smtClean="0">
-              <a:solidFill>
-                <a:schemeClr val="accent1">
-                  <a:lumMod val="75000"/>
-                </a:schemeClr>
-              </a:solidFill>
-            </a:endParaRPr>
-          </a:p>
-        </p:txBody>
-      </p:sp>
-      <p:sp>
-        <p:nvSpPr>
-          <p:cNvPr id="5" name="Footer Placeholder 3"/>
-          <p:cNvSpPr>
-            <a:spLocks noGrp="1"/>
-          </p:cNvSpPr>
-          <p:nvPr>
-            <p:ph type="ftr" sz="quarter" idx="11"/>
-          </p:nvPr>
-        </p:nvSpPr>
-        <p:spPr>
-          <a:xfrm>
-            <a:off x="3124200" y="6356350"/>
-            <a:ext cx="2895600" cy="365125"/>
-          </a:xfrm>
-        </p:spPr>
-        <p:txBody>
-          <a:bodyPr/>
-          <a:lstStyle/>
-          <a:p>
-            <a:r>
-              <a:rPr lang="en-US" dirty="0" smtClean="0">
-                <a:solidFill>
-                  <a:schemeClr val="accent1"/>
-                </a:solidFill>
-              </a:rPr>
-              <a:t>STT 465, MSU, Fall, 2015</a:t>
-            </a:r>
-            <a:endParaRPr lang="en-US" dirty="0">
-              <a:solidFill>
-                <a:schemeClr val="accent1"/>
-              </a:solidFill>
-            </a:endParaRPr>
-          </a:p>
-        </p:txBody>
-      </p:sp>
-      <p:graphicFrame>
-        <p:nvGraphicFramePr>
-          <p:cNvPr id="6" name="Object 5"/>
-          <p:cNvGraphicFramePr>
-            <a:graphicFrameLocks noChangeAspect="1"/>
-          </p:cNvGraphicFramePr>
-          <p:nvPr>
-            <p:extLst>
-              <p:ext uri="{D42A27DB-BD31-4B8C-83A1-F6EECF244321}">
-                <p14:modId xmlns:p14="http://schemas.microsoft.com/office/powerpoint/2010/main" val="2189224114"/>
-              </p:ext>
-            </p:extLst>
-          </p:nvPr>
-        </p:nvGraphicFramePr>
-        <p:xfrm>
-          <a:off x="3657600" y="1676400"/>
-          <a:ext cx="2211387" cy="485775"/>
-        </p:xfrm>
-        <a:graphic>
-          <a:graphicData uri="http://schemas.openxmlformats.org/presentationml/2006/ole">
-            <mc:AlternateContent xmlns:mc="http://schemas.openxmlformats.org/markup-compatibility/2006">
-              <mc:Choice xmlns:v="urn:schemas-microsoft-com:vml" Requires="v">
-                <p:oleObj spid="_x0000_s58421" name="Equation" r:id="rId3" imgW="1333500" imgH="292100" progId="Equation.3">
-                  <p:embed/>
-                </p:oleObj>
-              </mc:Choice>
-              <mc:Fallback>
-                <p:oleObj name="Equation" r:id="rId3" imgW="1333500" imgH="292100" progId="Equation.3">
-                  <p:embed/>
-                  <p:pic>
-                    <p:nvPicPr>
-                      <p:cNvPr id="0" name=""/>
-                      <p:cNvPicPr/>
-                      <p:nvPr/>
-                    </p:nvPicPr>
-                    <p:blipFill>
-                      <a:blip r:embed="rId4"/>
-                      <a:stretch>
-                        <a:fillRect/>
-                      </a:stretch>
-                    </p:blipFill>
-                    <p:spPr>
-                      <a:xfrm>
-                        <a:off x="3657600" y="1676400"/>
-                        <a:ext cx="2211387" cy="485775"/>
-                      </a:xfrm>
-                      <a:prstGeom prst="rect">
-                        <a:avLst/>
-                      </a:prstGeom>
-                    </p:spPr>
-                  </p:pic>
-                </p:oleObj>
-              </mc:Fallback>
-            </mc:AlternateContent>
-          </a:graphicData>
-        </a:graphic>
-      </p:graphicFrame>
-      <p:graphicFrame>
-        <p:nvGraphicFramePr>
-          <p:cNvPr id="7" name="Object 6"/>
-          <p:cNvGraphicFramePr>
-            <a:graphicFrameLocks noChangeAspect="1"/>
-          </p:cNvGraphicFramePr>
-          <p:nvPr>
-            <p:extLst>
-              <p:ext uri="{D42A27DB-BD31-4B8C-83A1-F6EECF244321}">
-                <p14:modId xmlns:p14="http://schemas.microsoft.com/office/powerpoint/2010/main" val="1786920887"/>
-              </p:ext>
-            </p:extLst>
-          </p:nvPr>
-        </p:nvGraphicFramePr>
-        <p:xfrm>
-          <a:off x="1905000" y="1752600"/>
-          <a:ext cx="1073150" cy="400050"/>
-        </p:xfrm>
-        <a:graphic>
-          <a:graphicData uri="http://schemas.openxmlformats.org/presentationml/2006/ole">
-            <mc:AlternateContent xmlns:mc="http://schemas.openxmlformats.org/markup-compatibility/2006">
-              <mc:Choice xmlns:v="urn:schemas-microsoft-com:vml" Requires="v">
-                <p:oleObj spid="_x0000_s58422" name="Equation" r:id="rId5" imgW="647700" imgH="241300" progId="Equation.3">
-                  <p:embed/>
-                </p:oleObj>
-              </mc:Choice>
-              <mc:Fallback>
-                <p:oleObj name="Equation" r:id="rId5" imgW="647700" imgH="241300" progId="Equation.3">
-                  <p:embed/>
-                  <p:pic>
-                    <p:nvPicPr>
-                      <p:cNvPr id="0" name=""/>
-                      <p:cNvPicPr/>
-                      <p:nvPr/>
-                    </p:nvPicPr>
-                    <p:blipFill>
-                      <a:blip r:embed="rId6"/>
-                      <a:stretch>
-                        <a:fillRect/>
-                      </a:stretch>
-                    </p:blipFill>
-                    <p:spPr>
-                      <a:xfrm>
-                        <a:off x="1905000" y="1752600"/>
-                        <a:ext cx="1073150" cy="400050"/>
-                      </a:xfrm>
-                      <a:prstGeom prst="rect">
-                        <a:avLst/>
-                      </a:prstGeom>
-                    </p:spPr>
-                  </p:pic>
-                </p:oleObj>
-              </mc:Fallback>
-            </mc:AlternateContent>
-          </a:graphicData>
-        </a:graphic>
-      </p:graphicFrame>
-      <p:graphicFrame>
-        <p:nvGraphicFramePr>
-          <p:cNvPr id="8" name="Object 7"/>
-          <p:cNvGraphicFramePr>
-            <a:graphicFrameLocks noChangeAspect="1"/>
-          </p:cNvGraphicFramePr>
-          <p:nvPr>
-            <p:extLst>
-              <p:ext uri="{D42A27DB-BD31-4B8C-83A1-F6EECF244321}">
-                <p14:modId xmlns:p14="http://schemas.microsoft.com/office/powerpoint/2010/main" val="158786686"/>
-              </p:ext>
-            </p:extLst>
-          </p:nvPr>
-        </p:nvGraphicFramePr>
-        <p:xfrm>
-          <a:off x="4482403" y="3733800"/>
-          <a:ext cx="775397" cy="412750"/>
-        </p:xfrm>
-        <a:graphic>
-          <a:graphicData uri="http://schemas.openxmlformats.org/presentationml/2006/ole">
-            <mc:AlternateContent xmlns:mc="http://schemas.openxmlformats.org/markup-compatibility/2006">
-              <mc:Choice xmlns:v="urn:schemas-microsoft-com:vml" Requires="v">
-                <p:oleObj spid="_x0000_s58423" name="Equation" r:id="rId7" imgW="622300" imgH="330200" progId="Equation.3">
-                  <p:embed/>
-                </p:oleObj>
-              </mc:Choice>
-              <mc:Fallback>
-                <p:oleObj name="Equation" r:id="rId7" imgW="622300" imgH="330200" progId="Equation.3">
-                  <p:embed/>
-                  <p:pic>
-                    <p:nvPicPr>
-                      <p:cNvPr id="0" name=""/>
-                      <p:cNvPicPr/>
-                      <p:nvPr/>
-                    </p:nvPicPr>
-                    <p:blipFill>
-                      <a:blip r:embed="rId8"/>
-                      <a:stretch>
-                        <a:fillRect/>
-                      </a:stretch>
-                    </p:blipFill>
-                    <p:spPr>
-                      <a:xfrm>
-                        <a:off x="4482403" y="3733800"/>
-                        <a:ext cx="775397" cy="412750"/>
-                      </a:xfrm>
-                      <a:prstGeom prst="rect">
-                        <a:avLst/>
-                      </a:prstGeom>
-                    </p:spPr>
-                  </p:pic>
-                </p:oleObj>
-              </mc:Fallback>
-            </mc:AlternateContent>
-          </a:graphicData>
-        </a:graphic>
-      </p:graphicFrame>
-    </p:spTree>
-    <p:extLst>
-      <p:ext uri="{BB962C8B-B14F-4D97-AF65-F5344CB8AC3E}">
-        <p14:creationId xmlns:p14="http://schemas.microsoft.com/office/powerpoint/2010/main" val="1939629523"/>
       </p:ext>
     </p:extLst>
   </p:cSld>

--- a/STT465_14.pptx
+++ b/STT465_14.pptx
@@ -5,7 +5,7 @@
     <p:sldMasterId id="2147483648" r:id="rId1"/>
   </p:sldMasterIdLst>
   <p:notesMasterIdLst>
-    <p:notesMasterId r:id="rId21"/>
+    <p:notesMasterId r:id="rId22"/>
   </p:notesMasterIdLst>
   <p:sldIdLst>
     <p:sldId id="338" r:id="rId2"/>
@@ -27,6 +27,7 @@
     <p:sldId id="381" r:id="rId18"/>
     <p:sldId id="384" r:id="rId19"/>
     <p:sldId id="385" r:id="rId20"/>
+    <p:sldId id="389" r:id="rId21"/>
   </p:sldIdLst>
   <p:sldSz cx="9144000" cy="6858000" type="screen4x3"/>
   <p:notesSz cx="6858000" cy="9144000"/>
@@ -803,6 +804,88 @@
               <a:rPr lang="en-US" smtClean="0"/>
               <a:pPr/>
               <a:t>19</a:t>
+            </a:fld>
+            <a:endParaRPr lang="en-US"/>
+          </a:p>
+        </p:txBody>
+      </p:sp>
+    </p:spTree>
+  </p:cSld>
+  <p:clrMapOvr>
+    <a:masterClrMapping/>
+  </p:clrMapOvr>
+</p:notes>
+</file>
+
+<file path=ppt/notesSlides/notesSlide13.xml><?xml version="1.0" encoding="utf-8"?>
+<p:notes xmlns:a="http://schemas.openxmlformats.org/drawingml/2006/main" xmlns:r="http://schemas.openxmlformats.org/officeDocument/2006/relationships" xmlns:p="http://schemas.openxmlformats.org/presentationml/2006/main">
+  <p:cSld>
+    <p:spTree>
+      <p:nvGrpSpPr>
+        <p:cNvPr id="1" name=""/>
+        <p:cNvGrpSpPr/>
+        <p:nvPr/>
+      </p:nvGrpSpPr>
+      <p:grpSpPr>
+        <a:xfrm>
+          <a:off x="0" y="0"/>
+          <a:ext cx="0" cy="0"/>
+          <a:chOff x="0" y="0"/>
+          <a:chExt cx="0" cy="0"/>
+        </a:xfrm>
+      </p:grpSpPr>
+      <p:sp>
+        <p:nvSpPr>
+          <p:cNvPr id="2" name="Slide Image Placeholder 1"/>
+          <p:cNvSpPr>
+            <a:spLocks noGrp="1" noRot="1" noChangeAspect="1"/>
+          </p:cNvSpPr>
+          <p:nvPr>
+            <p:ph type="sldImg"/>
+          </p:nvPr>
+        </p:nvSpPr>
+        <p:spPr/>
+      </p:sp>
+      <p:sp>
+        <p:nvSpPr>
+          <p:cNvPr id="3" name="Notes Placeholder 2"/>
+          <p:cNvSpPr>
+            <a:spLocks noGrp="1"/>
+          </p:cNvSpPr>
+          <p:nvPr>
+            <p:ph type="body" idx="1"/>
+          </p:nvPr>
+        </p:nvSpPr>
+        <p:spPr/>
+        <p:txBody>
+          <a:bodyPr>
+            <a:normAutofit/>
+          </a:bodyPr>
+          <a:lstStyle/>
+          <a:p>
+            <a:endParaRPr lang="en-US" dirty="0"/>
+          </a:p>
+        </p:txBody>
+      </p:sp>
+      <p:sp>
+        <p:nvSpPr>
+          <p:cNvPr id="4" name="Slide Number Placeholder 3"/>
+          <p:cNvSpPr>
+            <a:spLocks noGrp="1"/>
+          </p:cNvSpPr>
+          <p:nvPr>
+            <p:ph type="sldNum" sz="quarter" idx="10"/>
+          </p:nvPr>
+        </p:nvSpPr>
+        <p:spPr/>
+        <p:txBody>
+          <a:bodyPr/>
+          <a:lstStyle/>
+          <a:p>
+            <a:fld id="{CACBEE2F-8C26-493F-9430-82D1D1B7C623}" type="slidenum">
+              <a:rPr lang="en-US" smtClean="0"/>
+              <a:pPr/>
+              <a:t>20</a:t>
             </a:fld>
             <a:endParaRPr lang="en-US"/>
           </a:p>
@@ -5475,7 +5558,7 @@
           <a:graphicData uri="http://schemas.openxmlformats.org/presentationml/2006/ole">
             <mc:AlternateContent xmlns:mc="http://schemas.openxmlformats.org/markup-compatibility/2006">
               <mc:Choice xmlns:v="urn:schemas-microsoft-com:vml" Requires="v">
-                <p:oleObj spid="_x0000_s58444" name="Equation" r:id="rId3" imgW="1333500" imgH="292100" progId="Equation.3">
+                <p:oleObj spid="_x0000_s58459" name="Equation" r:id="rId3" imgW="1333500" imgH="292100" progId="Equation.3">
                   <p:embed/>
                 </p:oleObj>
               </mc:Choice>
@@ -5532,7 +5615,7 @@
           <a:graphicData uri="http://schemas.openxmlformats.org/presentationml/2006/ole">
             <mc:AlternateContent xmlns:mc="http://schemas.openxmlformats.org/markup-compatibility/2006">
               <mc:Choice xmlns:v="urn:schemas-microsoft-com:vml" Requires="v">
-                <p:oleObj spid="_x0000_s58445" name="Equation" r:id="rId5" imgW="647700" imgH="241300" progId="Equation.3">
+                <p:oleObj spid="_x0000_s58460" name="Equation" r:id="rId5" imgW="647700" imgH="241300" progId="Equation.3">
                   <p:embed/>
                 </p:oleObj>
               </mc:Choice>
@@ -5589,7 +5672,7 @@
           <a:graphicData uri="http://schemas.openxmlformats.org/presentationml/2006/ole">
             <mc:AlternateContent xmlns:mc="http://schemas.openxmlformats.org/markup-compatibility/2006">
               <mc:Choice xmlns:v="urn:schemas-microsoft-com:vml" Requires="v">
-                <p:oleObj spid="_x0000_s58446" name="Equation" r:id="rId7" imgW="622300" imgH="330200" progId="Equation.3">
+                <p:oleObj spid="_x0000_s58461" name="Equation" r:id="rId7" imgW="622300" imgH="330200" progId="Equation.3">
                   <p:embed/>
                 </p:oleObj>
               </mc:Choice>
@@ -5940,7 +6023,7 @@
           <a:graphicData uri="http://schemas.openxmlformats.org/presentationml/2006/ole">
             <mc:AlternateContent xmlns:mc="http://schemas.openxmlformats.org/markup-compatibility/2006">
               <mc:Choice xmlns:v="urn:schemas-microsoft-com:vml" Requires="v">
-                <p:oleObj spid="_x0000_s59465" name="Equation" r:id="rId3" imgW="787400" imgH="241300" progId="Equation.3">
+                <p:oleObj spid="_x0000_s59480" name="Equation" r:id="rId3" imgW="787400" imgH="241300" progId="Equation.3">
                   <p:embed/>
                 </p:oleObj>
               </mc:Choice>
@@ -5997,7 +6080,7 @@
           <a:graphicData uri="http://schemas.openxmlformats.org/presentationml/2006/ole">
             <mc:AlternateContent xmlns:mc="http://schemas.openxmlformats.org/markup-compatibility/2006">
               <mc:Choice xmlns:v="urn:schemas-microsoft-com:vml" Requires="v">
-                <p:oleObj spid="_x0000_s59466" name="Equation" r:id="rId5" imgW="1384300" imgH="431800" progId="Equation.3">
+                <p:oleObj spid="_x0000_s59481" name="Equation" r:id="rId5" imgW="1384300" imgH="431800" progId="Equation.3">
                   <p:embed/>
                 </p:oleObj>
               </mc:Choice>
@@ -6054,7 +6137,7 @@
           <a:graphicData uri="http://schemas.openxmlformats.org/presentationml/2006/ole">
             <mc:AlternateContent xmlns:mc="http://schemas.openxmlformats.org/markup-compatibility/2006">
               <mc:Choice xmlns:v="urn:schemas-microsoft-com:vml" Requires="v">
-                <p:oleObj spid="_x0000_s59467" name="Equation" r:id="rId7" imgW="1117600" imgH="609600" progId="Equation.3">
+                <p:oleObj spid="_x0000_s59482" name="Equation" r:id="rId7" imgW="1117600" imgH="609600" progId="Equation.3">
                   <p:embed/>
                 </p:oleObj>
               </mc:Choice>
@@ -6381,20 +6464,20 @@
           <p:nvPr>
             <p:extLst>
               <p:ext uri="{D42A27DB-BD31-4B8C-83A1-F6EECF244321}">
-                <p14:modId xmlns:p14="http://schemas.microsoft.com/office/powerpoint/2010/main" val="1943852804"/>
+                <p14:modId xmlns:p14="http://schemas.microsoft.com/office/powerpoint/2010/main" val="4286215689"/>
               </p:ext>
             </p:extLst>
           </p:nvPr>
         </p:nvGraphicFramePr>
         <p:xfrm>
-          <a:off x="1524000" y="2209800"/>
+          <a:off x="1524000" y="1752600"/>
           <a:ext cx="2736850" cy="717550"/>
         </p:xfrm>
         <a:graphic>
           <a:graphicData uri="http://schemas.openxmlformats.org/presentationml/2006/ole">
             <mc:AlternateContent xmlns:mc="http://schemas.openxmlformats.org/markup-compatibility/2006">
               <mc:Choice xmlns:v="urn:schemas-microsoft-com:vml" Requires="v">
-                <p:oleObj spid="_x0000_s60518" name="Equation" r:id="rId3" imgW="1651000" imgH="431800" progId="Equation.3">
+                <p:oleObj spid="_x0000_s60538" name="Equation" r:id="rId3" imgW="1651000" imgH="431800" progId="Equation.3">
                   <p:embed/>
                 </p:oleObj>
               </mc:Choice>
@@ -6415,7 +6498,7 @@
                     </p:blipFill>
                     <p:spPr>
                       <a:xfrm>
-                        <a:off x="1524000" y="2209800"/>
+                        <a:off x="1524000" y="1752600"/>
                         <a:ext cx="2736850" cy="717550"/>
                       </a:xfrm>
                       <a:prstGeom prst="rect">
@@ -6438,20 +6521,20 @@
           <p:nvPr>
             <p:extLst>
               <p:ext uri="{D42A27DB-BD31-4B8C-83A1-F6EECF244321}">
-                <p14:modId xmlns:p14="http://schemas.microsoft.com/office/powerpoint/2010/main" val="2719244892"/>
+                <p14:modId xmlns:p14="http://schemas.microsoft.com/office/powerpoint/2010/main" val="3970372604"/>
               </p:ext>
             </p:extLst>
           </p:nvPr>
         </p:nvGraphicFramePr>
         <p:xfrm>
-          <a:off x="4724400" y="1981200"/>
+          <a:off x="4572000" y="1600200"/>
           <a:ext cx="1893887" cy="1012825"/>
         </p:xfrm>
         <a:graphic>
           <a:graphicData uri="http://schemas.openxmlformats.org/presentationml/2006/ole">
             <mc:AlternateContent xmlns:mc="http://schemas.openxmlformats.org/markup-compatibility/2006">
               <mc:Choice xmlns:v="urn:schemas-microsoft-com:vml" Requires="v">
-                <p:oleObj spid="_x0000_s60519" name="Equation" r:id="rId5" imgW="1143000" imgH="609600" progId="Equation.3">
+                <p:oleObj spid="_x0000_s60539" name="Equation" r:id="rId5" imgW="1143000" imgH="609600" progId="Equation.3">
                   <p:embed/>
                 </p:oleObj>
               </mc:Choice>
@@ -6472,7 +6555,7 @@
                     </p:blipFill>
                     <p:spPr>
                       <a:xfrm>
-                        <a:off x="4724400" y="1981200"/>
+                        <a:off x="4572000" y="1600200"/>
                         <a:ext cx="1893887" cy="1012825"/>
                       </a:xfrm>
                       <a:prstGeom prst="rect">
@@ -6495,20 +6578,20 @@
           <p:nvPr>
             <p:extLst>
               <p:ext uri="{D42A27DB-BD31-4B8C-83A1-F6EECF244321}">
-                <p14:modId xmlns:p14="http://schemas.microsoft.com/office/powerpoint/2010/main" val="3419996976"/>
+                <p14:modId xmlns:p14="http://schemas.microsoft.com/office/powerpoint/2010/main" val="2292717311"/>
               </p:ext>
             </p:extLst>
           </p:nvPr>
         </p:nvGraphicFramePr>
         <p:xfrm>
-          <a:off x="3429000" y="990600"/>
+          <a:off x="3124200" y="762000"/>
           <a:ext cx="3581400" cy="755772"/>
         </p:xfrm>
         <a:graphic>
           <a:graphicData uri="http://schemas.openxmlformats.org/presentationml/2006/ole">
             <mc:AlternateContent xmlns:mc="http://schemas.openxmlformats.org/markup-compatibility/2006">
               <mc:Choice xmlns:v="urn:schemas-microsoft-com:vml" Requires="v">
-                <p:oleObj spid="_x0000_s60520" name="Equation" r:id="rId7" imgW="1511300" imgH="317500" progId="Equation.3">
+                <p:oleObj spid="_x0000_s60540" name="Equation" r:id="rId7" imgW="1511300" imgH="317500" progId="Equation.3">
                   <p:embed/>
                 </p:oleObj>
               </mc:Choice>
@@ -6529,7 +6612,7 @@
                     </p:blipFill>
                     <p:spPr>
                       <a:xfrm>
-                        <a:off x="3429000" y="990600"/>
+                        <a:off x="3124200" y="762000"/>
                         <a:ext cx="3581400" cy="755772"/>
                       </a:xfrm>
                       <a:prstGeom prst="rect">
@@ -6552,20 +6635,20 @@
           <p:nvPr>
             <p:extLst>
               <p:ext uri="{D42A27DB-BD31-4B8C-83A1-F6EECF244321}">
-                <p14:modId xmlns:p14="http://schemas.microsoft.com/office/powerpoint/2010/main" val="575716368"/>
+                <p14:modId xmlns:p14="http://schemas.microsoft.com/office/powerpoint/2010/main" val="2883083033"/>
               </p:ext>
             </p:extLst>
           </p:nvPr>
         </p:nvGraphicFramePr>
         <p:xfrm>
-          <a:off x="1905000" y="3276600"/>
+          <a:off x="1752600" y="2895600"/>
           <a:ext cx="5116512" cy="1208088"/>
         </p:xfrm>
         <a:graphic>
           <a:graphicData uri="http://schemas.openxmlformats.org/presentationml/2006/ole">
             <mc:AlternateContent xmlns:mc="http://schemas.openxmlformats.org/markup-compatibility/2006">
               <mc:Choice xmlns:v="urn:schemas-microsoft-com:vml" Requires="v">
-                <p:oleObj spid="_x0000_s60521" name="Equation" r:id="rId9" imgW="2159000" imgH="508000" progId="Equation.3">
+                <p:oleObj spid="_x0000_s60541" name="Equation" r:id="rId9" imgW="2159000" imgH="508000" progId="Equation.3">
                   <p:embed/>
                 </p:oleObj>
               </mc:Choice>
@@ -6586,7 +6669,7 @@
                     </p:blipFill>
                     <p:spPr>
                       <a:xfrm>
-                        <a:off x="1905000" y="3276600"/>
+                        <a:off x="1752600" y="2895600"/>
                         <a:ext cx="5116512" cy="1208088"/>
                       </a:xfrm>
                       <a:prstGeom prst="rect">
@@ -6608,7 +6691,7 @@
         </p:nvSpPr>
         <p:spPr>
           <a:xfrm>
-            <a:off x="152400" y="4800600"/>
+            <a:off x="152400" y="4114800"/>
             <a:ext cx="8839200" cy="830997"/>
           </a:xfrm>
           <a:prstGeom prst="rect">
@@ -6632,13 +6715,65 @@
                   <a:schemeClr val="tx2"/>
                 </a:solidFill>
               </a:rPr>
-              <a:t>The above function can be used to derive Max. Likelihood Estimates (see </a:t>
-            </a:r>
+              <a:t>The </a:t>
+            </a:r>
+            <a:r>
+              <a:rPr lang="en-US" sz="2400" dirty="0" smtClean="0">
+                <a:solidFill>
+                  <a:schemeClr val="tx2"/>
+                </a:solidFill>
+              </a:rPr>
+              <a:t>above likelihood can be maximized with respect to regression coefficient to obtain Max. Likelihood Estimates.</a:t>
+            </a:r>
+            <a:endParaRPr lang="en-US" sz="2400" dirty="0" smtClean="0">
+              <a:solidFill>
+                <a:schemeClr val="tx2"/>
+              </a:solidFill>
+            </a:endParaRPr>
+          </a:p>
+        </p:txBody>
+      </p:sp>
+      <p:sp>
+        <p:nvSpPr>
+          <p:cNvPr id="16" name="TextBox 15"/>
+          <p:cNvSpPr txBox="1"/>
+          <p:nvPr/>
+        </p:nvSpPr>
+        <p:spPr>
+          <a:xfrm>
+            <a:off x="2133600" y="5029200"/>
+            <a:ext cx="5029200" cy="1200328"/>
+          </a:xfrm>
+          <a:prstGeom prst="rect">
+            <a:avLst/>
+          </a:prstGeom>
+          <a:solidFill>
+            <a:schemeClr val="accent6">
+              <a:lumMod val="20000"/>
+              <a:lumOff val="80000"/>
+            </a:schemeClr>
+          </a:solidFill>
+        </p:spPr>
+        <p:txBody>
+          <a:bodyPr wrap="square" rtlCol="0">
+            <a:spAutoFit/>
+          </a:bodyPr>
+          <a:lstStyle/>
+          <a:p>
+            <a:pPr algn="ctr"/>
+            <a:r>
+              <a:rPr lang="en-US" sz="2400" dirty="0" smtClean="0">
+                <a:solidFill>
+                  <a:schemeClr val="tx2"/>
+                </a:solidFill>
+              </a:rPr>
+              <a:t>   </a:t>
+            </a:r>
+          </a:p>
+          <a:p>
+            <a:pPr algn="ctr"/>
             <a:r>
               <a:rPr lang="en-US" sz="2400" dirty="0" err="1" smtClean="0">
-                <a:solidFill>
-                  <a:srgbClr val="000000"/>
-                </a:solidFill>
                 <a:latin typeface="Courier New"/>
                 <a:cs typeface="Courier New"/>
               </a:rPr>
@@ -6646,9 +6781,6 @@
             </a:r>
             <a:r>
               <a:rPr lang="en-US" sz="2400" dirty="0" smtClean="0">
-                <a:solidFill>
-                  <a:srgbClr val="000000"/>
-                </a:solidFill>
                 <a:latin typeface="Courier New"/>
                 <a:cs typeface="Courier New"/>
               </a:rPr>
@@ -6656,32 +6788,25 @@
             </a:r>
             <a:r>
               <a:rPr lang="en-US" sz="2400" dirty="0" err="1" smtClean="0">
-                <a:solidFill>
-                  <a:srgbClr val="000000"/>
-                </a:solidFill>
                 <a:latin typeface="Courier New"/>
                 <a:cs typeface="Courier New"/>
               </a:rPr>
-              <a:t>y~X</a:t>
+              <a:t>y~X,family</a:t>
             </a:r>
             <a:r>
               <a:rPr lang="en-US" sz="2400" dirty="0" smtClean="0">
-                <a:solidFill>
-                  <a:srgbClr val="000000"/>
-                </a:solidFill>
                 <a:latin typeface="Courier New"/>
                 <a:cs typeface="Courier New"/>
               </a:rPr>
-              <a:t>, family=binomial)  </a:t>
-            </a:r>
-            <a:r>
-              <a:rPr lang="en-US" sz="2400" dirty="0" smtClean="0">
-                <a:solidFill>
-                  <a:schemeClr val="tx2"/>
-                </a:solidFill>
-              </a:rPr>
-              <a:t>)</a:t>
-            </a:r>
+              <a:t>=binomial)</a:t>
+            </a:r>
+          </a:p>
+          <a:p>
+            <a:pPr algn="ctr"/>
+            <a:endParaRPr lang="en-US" sz="2400" dirty="0" smtClean="0">
+              <a:latin typeface="Courier New"/>
+              <a:cs typeface="Courier New"/>
+            </a:endParaRPr>
           </a:p>
         </p:txBody>
       </p:sp>
@@ -7017,7 +7142,7 @@
           <a:graphicData uri="http://schemas.openxmlformats.org/presentationml/2006/ole">
             <mc:AlternateContent xmlns:mc="http://schemas.openxmlformats.org/markup-compatibility/2006">
               <mc:Choice xmlns:v="urn:schemas-microsoft-com:vml" Requires="v">
-                <p:oleObj spid="_x0000_s63567" name="Equation" r:id="rId3" imgW="1092200" imgH="330200" progId="Equation.3">
+                <p:oleObj spid="_x0000_s63587" name="Equation" r:id="rId3" imgW="1092200" imgH="330200" progId="Equation.3">
                   <p:embed/>
                 </p:oleObj>
               </mc:Choice>
@@ -7074,7 +7199,7 @@
           <a:graphicData uri="http://schemas.openxmlformats.org/presentationml/2006/ole">
             <mc:AlternateContent xmlns:mc="http://schemas.openxmlformats.org/markup-compatibility/2006">
               <mc:Choice xmlns:v="urn:schemas-microsoft-com:vml" Requires="v">
-                <p:oleObj spid="_x0000_s63568" name="Equation" r:id="rId5" imgW="1168400" imgH="469900" progId="Equation.3">
+                <p:oleObj spid="_x0000_s63588" name="Equation" r:id="rId5" imgW="1168400" imgH="469900" progId="Equation.3">
                   <p:embed/>
                 </p:oleObj>
               </mc:Choice>
@@ -7131,7 +7256,7 @@
           <a:graphicData uri="http://schemas.openxmlformats.org/presentationml/2006/ole">
             <mc:AlternateContent xmlns:mc="http://schemas.openxmlformats.org/markup-compatibility/2006">
               <mc:Choice xmlns:v="urn:schemas-microsoft-com:vml" Requires="v">
-                <p:oleObj spid="_x0000_s63569" name="Equation" r:id="rId7" imgW="698500" imgH="317500" progId="Equation.3">
+                <p:oleObj spid="_x0000_s63589" name="Equation" r:id="rId7" imgW="698500" imgH="317500" progId="Equation.3">
                   <p:embed/>
                 </p:oleObj>
               </mc:Choice>
@@ -7188,7 +7313,7 @@
           <a:graphicData uri="http://schemas.openxmlformats.org/presentationml/2006/ole">
             <mc:AlternateContent xmlns:mc="http://schemas.openxmlformats.org/markup-compatibility/2006">
               <mc:Choice xmlns:v="urn:schemas-microsoft-com:vml" Requires="v">
-                <p:oleObj spid="_x0000_s63570" name="Equation" r:id="rId9" imgW="2032000" imgH="1752600" progId="Equation.3">
+                <p:oleObj spid="_x0000_s63590" name="Equation" r:id="rId9" imgW="2032000" imgH="1752600" progId="Equation.3">
                   <p:embed/>
                 </p:oleObj>
               </mc:Choice>
@@ -7555,7 +7680,7 @@
           <a:graphicData uri="http://schemas.openxmlformats.org/presentationml/2006/ole">
             <mc:AlternateContent xmlns:mc="http://schemas.openxmlformats.org/markup-compatibility/2006">
               <mc:Choice xmlns:v="urn:schemas-microsoft-com:vml" Requires="v">
-                <p:oleObj spid="_x0000_s65561" name="Equation" r:id="rId3" imgW="787400" imgH="241300" progId="Equation.3">
+                <p:oleObj spid="_x0000_s65571" name="Equation" r:id="rId3" imgW="787400" imgH="241300" progId="Equation.3">
                   <p:embed/>
                 </p:oleObj>
               </mc:Choice>
@@ -7612,7 +7737,7 @@
           <a:graphicData uri="http://schemas.openxmlformats.org/presentationml/2006/ole">
             <mc:AlternateContent xmlns:mc="http://schemas.openxmlformats.org/markup-compatibility/2006">
               <mc:Choice xmlns:v="urn:schemas-microsoft-com:vml" Requires="v">
-                <p:oleObj spid="_x0000_s65562" name="Equation" r:id="rId5" imgW="1384300" imgH="368300" progId="Equation.3">
+                <p:oleObj spid="_x0000_s65572" name="Equation" r:id="rId5" imgW="1384300" imgH="368300" progId="Equation.3">
                   <p:embed/>
                 </p:oleObj>
               </mc:Choice>
@@ -7910,42 +8035,6 @@
           </a:p>
         </p:txBody>
       </p:sp>
-      <p:sp>
-        <p:nvSpPr>
-          <p:cNvPr id="5" name="Footer Placeholder 3"/>
-          <p:cNvSpPr>
-            <a:spLocks noGrp="1"/>
-          </p:cNvSpPr>
-          <p:nvPr>
-            <p:ph type="ftr" sz="quarter" idx="11"/>
-          </p:nvPr>
-        </p:nvSpPr>
-        <p:spPr>
-          <a:xfrm>
-            <a:off x="3124200" y="6356350"/>
-            <a:ext cx="2895600" cy="365125"/>
-          </a:xfrm>
-        </p:spPr>
-        <p:txBody>
-          <a:bodyPr/>
-          <a:lstStyle/>
-          <a:p>
-            <a:r>
-              <a:rPr lang="en-US" dirty="0" smtClean="0">
-                <a:solidFill>
-                  <a:schemeClr val="accent1"/>
-                </a:solidFill>
-              </a:rPr>
-              <a:t>STT 465, MSU, Fall, 2015</a:t>
-            </a:r>
-            <a:endParaRPr lang="en-US" dirty="0">
-              <a:solidFill>
-                <a:schemeClr val="accent1"/>
-              </a:solidFill>
-            </a:endParaRPr>
-          </a:p>
-        </p:txBody>
-      </p:sp>
       <p:graphicFrame>
         <p:nvGraphicFramePr>
           <p:cNvPr id="11" name="Object 10"/>
@@ -7968,7 +8057,7 @@
           <a:graphicData uri="http://schemas.openxmlformats.org/presentationml/2006/ole">
             <mc:AlternateContent xmlns:mc="http://schemas.openxmlformats.org/markup-compatibility/2006">
               <mc:Choice xmlns:v="urn:schemas-microsoft-com:vml" Requires="v">
-                <p:oleObj spid="_x0000_s64603" name="Equation" r:id="rId3" imgW="1511300" imgH="317500" progId="Equation.3">
+                <p:oleObj spid="_x0000_s64618" name="Equation" r:id="rId3" imgW="1511300" imgH="317500" progId="Equation.3">
                   <p:embed/>
                 </p:oleObj>
               </mc:Choice>
@@ -8025,7 +8114,7 @@
           <a:graphicData uri="http://schemas.openxmlformats.org/presentationml/2006/ole">
             <mc:AlternateContent xmlns:mc="http://schemas.openxmlformats.org/markup-compatibility/2006">
               <mc:Choice xmlns:v="urn:schemas-microsoft-com:vml" Requires="v">
-                <p:oleObj spid="_x0000_s64604" name="Equation" r:id="rId5" imgW="3657600" imgH="431800" progId="Equation.3">
+                <p:oleObj spid="_x0000_s64619" name="Equation" r:id="rId5" imgW="3657600" imgH="431800" progId="Equation.3">
                   <p:embed/>
                 </p:oleObj>
               </mc:Choice>
@@ -8082,7 +8171,7 @@
           <a:graphicData uri="http://schemas.openxmlformats.org/presentationml/2006/ole">
             <mc:AlternateContent xmlns:mc="http://schemas.openxmlformats.org/markup-compatibility/2006">
               <mc:Choice xmlns:v="urn:schemas-microsoft-com:vml" Requires="v">
-                <p:oleObj spid="_x0000_s64605" name="Equation" r:id="rId7" imgW="1384300" imgH="368300" progId="Equation.3">
+                <p:oleObj spid="_x0000_s64620" name="Equation" r:id="rId7" imgW="1384300" imgH="368300" progId="Equation.3">
                   <p:embed/>
                 </p:oleObj>
               </mc:Choice>
@@ -8125,8 +8214,8 @@
         </p:nvSpPr>
         <p:spPr>
           <a:xfrm>
-            <a:off x="0" y="4343400"/>
-            <a:ext cx="9296400" cy="1938992"/>
+            <a:off x="16933" y="4191000"/>
+            <a:ext cx="9296400" cy="2308324"/>
           </a:xfrm>
           <a:prstGeom prst="rect">
             <a:avLst/>
@@ -8149,76 +8238,30 @@
                   <a:schemeClr val="tx2"/>
                 </a:solidFill>
               </a:rPr>
-              <a:t>The above function can be used to derive Max. Likelihood Estimates (see </a:t>
-            </a:r>
-            <a:r>
-              <a:rPr lang="en-US" sz="2400" dirty="0" err="1" smtClean="0">
-                <a:solidFill>
-                  <a:srgbClr val="000000"/>
-                </a:solidFill>
-                <a:latin typeface="Courier New"/>
-                <a:cs typeface="Courier New"/>
-              </a:rPr>
-              <a:t>glm</a:t>
+              <a:t>The above function can be used to derive Max. Likelihood </a:t>
             </a:r>
             <a:r>
               <a:rPr lang="en-US" sz="2400" dirty="0" smtClean="0">
                 <a:solidFill>
-                  <a:srgbClr val="000000"/>
-                </a:solidFill>
-                <a:latin typeface="Courier New"/>
-                <a:cs typeface="Courier New"/>
-              </a:rPr>
-              <a:t>(</a:t>
-            </a:r>
-            <a:r>
-              <a:rPr lang="en-US" sz="2400" dirty="0" err="1" smtClean="0">
-                <a:solidFill>
-                  <a:srgbClr val="000000"/>
-                </a:solidFill>
-                <a:latin typeface="Courier New"/>
-                <a:cs typeface="Courier New"/>
-              </a:rPr>
-              <a:t>y~X,family</a:t>
-            </a:r>
-            <a:r>
-              <a:rPr lang="en-US" sz="2400" dirty="0" smtClean="0">
-                <a:solidFill>
-                  <a:srgbClr val="000000"/>
-                </a:solidFill>
-                <a:latin typeface="Courier New"/>
-                <a:cs typeface="Courier New"/>
-              </a:rPr>
-              <a:t>=binomial(link=</a:t>
-            </a:r>
-            <a:r>
-              <a:rPr lang="en-US" sz="2400" dirty="0" err="1" smtClean="0">
-                <a:solidFill>
-                  <a:srgbClr val="000000"/>
-                </a:solidFill>
-                <a:latin typeface="Courier New"/>
-                <a:cs typeface="Courier New"/>
-              </a:rPr>
-              <a:t>probit</a:t>
-            </a:r>
-            <a:r>
-              <a:rPr lang="en-US" sz="2400" dirty="0" smtClean="0">
-                <a:solidFill>
-                  <a:srgbClr val="000000"/>
-                </a:solidFill>
-                <a:latin typeface="Courier New"/>
-                <a:cs typeface="Courier New"/>
-              </a:rPr>
-              <a:t>)) </a:t>
-            </a:r>
-            <a:r>
-              <a:rPr lang="en-US" sz="2400" dirty="0" smtClean="0">
-                <a:solidFill>
                   <a:schemeClr val="tx2"/>
                 </a:solidFill>
               </a:rPr>
-              <a:t>)</a:t>
-            </a:r>
+              <a:t>Estimates</a:t>
+            </a:r>
+          </a:p>
+          <a:p>
+            <a:endParaRPr lang="en-US" sz="2400" dirty="0">
+              <a:solidFill>
+                <a:schemeClr val="tx2"/>
+              </a:solidFill>
+            </a:endParaRPr>
+          </a:p>
+          <a:p>
+            <a:endParaRPr lang="en-US" sz="2400" dirty="0" smtClean="0">
+              <a:solidFill>
+                <a:schemeClr val="tx2"/>
+              </a:solidFill>
+            </a:endParaRPr>
           </a:p>
           <a:p>
             <a:pPr marL="342900" indent="-342900">
@@ -8252,6 +8295,108 @@
                 <a:schemeClr val="tx2"/>
               </a:solidFill>
             </a:endParaRPr>
+          </a:p>
+        </p:txBody>
+      </p:sp>
+      <p:sp>
+        <p:nvSpPr>
+          <p:cNvPr id="2" name="Rectangle 1"/>
+          <p:cNvSpPr/>
+          <p:nvPr/>
+        </p:nvSpPr>
+        <p:spPr>
+          <a:xfrm>
+            <a:off x="1524000" y="4876800"/>
+            <a:ext cx="5791200" cy="369332"/>
+          </a:xfrm>
+          <a:prstGeom prst="rect">
+            <a:avLst/>
+          </a:prstGeom>
+          <a:solidFill>
+            <a:schemeClr val="accent6">
+              <a:lumMod val="20000"/>
+              <a:lumOff val="80000"/>
+            </a:schemeClr>
+          </a:solidFill>
+        </p:spPr>
+        <p:txBody>
+          <a:bodyPr wrap="square">
+            <a:spAutoFit/>
+          </a:bodyPr>
+          <a:lstStyle/>
+          <a:p>
+            <a:pPr algn="ctr"/>
+            <a:r>
+              <a:rPr lang="en-US" dirty="0" err="1">
+                <a:solidFill>
+                  <a:srgbClr val="000000"/>
+                </a:solidFill>
+                <a:latin typeface="Courier New"/>
+                <a:cs typeface="Courier New"/>
+              </a:rPr>
+              <a:t>glm</a:t>
+            </a:r>
+            <a:r>
+              <a:rPr lang="en-US" dirty="0">
+                <a:solidFill>
+                  <a:srgbClr val="000000"/>
+                </a:solidFill>
+                <a:latin typeface="Courier New"/>
+                <a:cs typeface="Courier New"/>
+              </a:rPr>
+              <a:t>(</a:t>
+            </a:r>
+            <a:r>
+              <a:rPr lang="en-US" dirty="0" err="1">
+                <a:solidFill>
+                  <a:srgbClr val="000000"/>
+                </a:solidFill>
+                <a:latin typeface="Courier New"/>
+                <a:cs typeface="Courier New"/>
+              </a:rPr>
+              <a:t>y~X</a:t>
+            </a:r>
+            <a:r>
+              <a:rPr lang="en-US" dirty="0" smtClean="0">
+                <a:solidFill>
+                  <a:srgbClr val="000000"/>
+                </a:solidFill>
+                <a:latin typeface="Courier New"/>
+                <a:cs typeface="Courier New"/>
+              </a:rPr>
+              <a:t>, family</a:t>
+            </a:r>
+            <a:r>
+              <a:rPr lang="en-US" dirty="0">
+                <a:solidFill>
+                  <a:srgbClr val="000000"/>
+                </a:solidFill>
+                <a:latin typeface="Courier New"/>
+                <a:cs typeface="Courier New"/>
+              </a:rPr>
+              <a:t>=binomial(link=</a:t>
+            </a:r>
+            <a:r>
+              <a:rPr lang="en-US" dirty="0" err="1">
+                <a:solidFill>
+                  <a:srgbClr val="000000"/>
+                </a:solidFill>
+                <a:latin typeface="Courier New"/>
+                <a:cs typeface="Courier New"/>
+              </a:rPr>
+              <a:t>probit</a:t>
+            </a:r>
+            <a:r>
+              <a:rPr lang="en-US" dirty="0">
+                <a:solidFill>
+                  <a:srgbClr val="000000"/>
+                </a:solidFill>
+                <a:latin typeface="Courier New"/>
+                <a:cs typeface="Courier New"/>
+              </a:rPr>
+              <a:t>)) </a:t>
+            </a:r>
+            <a:endParaRPr lang="en-US" dirty="0"/>
           </a:p>
         </p:txBody>
       </p:sp>
@@ -8304,7 +8449,7 @@
         </p:nvSpPr>
         <p:spPr>
           <a:xfrm>
-            <a:off x="914400" y="152400"/>
+            <a:off x="838200" y="0"/>
             <a:ext cx="7772400" cy="762000"/>
           </a:xfrm>
         </p:spPr>
@@ -8378,7 +8523,7 @@
         </p:nvSpPr>
         <p:spPr>
           <a:xfrm>
-            <a:off x="76200" y="990600"/>
+            <a:off x="0" y="838200"/>
             <a:ext cx="8991600" cy="5632310"/>
           </a:xfrm>
           <a:prstGeom prst="rect">
@@ -8542,7 +8687,7 @@
         </p:nvSpPr>
         <p:spPr>
           <a:xfrm>
-            <a:off x="381000" y="990600"/>
+            <a:off x="381000" y="914400"/>
             <a:ext cx="5334000" cy="461665"/>
           </a:xfrm>
           <a:prstGeom prst="rect">
@@ -8658,25 +8803,25 @@
           <p:nvPr>
             <p:extLst>
               <p:ext uri="{D42A27DB-BD31-4B8C-83A1-F6EECF244321}">
-                <p14:modId xmlns:p14="http://schemas.microsoft.com/office/powerpoint/2010/main" val="3009047722"/>
+                <p14:modId xmlns:p14="http://schemas.microsoft.com/office/powerpoint/2010/main" val="1506266929"/>
               </p:ext>
             </p:extLst>
           </p:nvPr>
         </p:nvGraphicFramePr>
         <p:xfrm>
-          <a:off x="533400" y="1524000"/>
-          <a:ext cx="7078846" cy="1295400"/>
+          <a:off x="339724" y="1600200"/>
+          <a:ext cx="8651876" cy="1981200"/>
         </p:xfrm>
         <a:graphic>
           <a:graphicData uri="http://schemas.openxmlformats.org/presentationml/2006/ole">
             <mc:AlternateContent xmlns:mc="http://schemas.openxmlformats.org/markup-compatibility/2006">
               <mc:Choice xmlns:v="urn:schemas-microsoft-com:vml" Requires="v">
-                <p:oleObj spid="_x0000_s66607" name="Equation" r:id="rId4" imgW="3543300" imgH="647700" progId="Equation.3">
+                <p:oleObj spid="_x0000_s66631" name="Equation" r:id="rId4" imgW="4330700" imgH="990600" progId="Equation.3">
                   <p:embed/>
                 </p:oleObj>
               </mc:Choice>
               <mc:Fallback>
-                <p:oleObj name="Equation" r:id="rId4" imgW="3543300" imgH="647700" progId="Equation.3">
+                <p:oleObj name="Equation" r:id="rId4" imgW="4330700" imgH="990600" progId="Equation.3">
                   <p:embed/>
                   <p:pic>
                     <p:nvPicPr>
@@ -8692,8 +8837,8 @@
                     </p:blipFill>
                     <p:spPr>
                       <a:xfrm>
-                        <a:off x="533400" y="1524000"/>
-                        <a:ext cx="7078846" cy="1295400"/>
+                        <a:off x="339724" y="1600200"/>
+                        <a:ext cx="8651876" cy="1981200"/>
                       </a:xfrm>
                       <a:prstGeom prst="rect">
                         <a:avLst/>
@@ -8728,7 +8873,7 @@
           <a:graphicData uri="http://schemas.openxmlformats.org/presentationml/2006/ole">
             <mc:AlternateContent xmlns:mc="http://schemas.openxmlformats.org/markup-compatibility/2006">
               <mc:Choice xmlns:v="urn:schemas-microsoft-com:vml" Requires="v">
-                <p:oleObj spid="_x0000_s66608" name="Equation" r:id="rId6" imgW="939800" imgH="292100" progId="Equation.3">
+                <p:oleObj spid="_x0000_s66632" name="Equation" r:id="rId6" imgW="939800" imgH="292100" progId="Equation.3">
                   <p:embed/>
                 </p:oleObj>
               </mc:Choice>
@@ -8772,20 +8917,20 @@
           <p:nvPr>
             <p:extLst>
               <p:ext uri="{D42A27DB-BD31-4B8C-83A1-F6EECF244321}">
-                <p14:modId xmlns:p14="http://schemas.microsoft.com/office/powerpoint/2010/main" val="4021406242"/>
+                <p14:modId xmlns:p14="http://schemas.microsoft.com/office/powerpoint/2010/main" val="3811183250"/>
               </p:ext>
             </p:extLst>
           </p:nvPr>
         </p:nvGraphicFramePr>
         <p:xfrm>
-          <a:off x="4446760" y="3124200"/>
+          <a:off x="4800600" y="914400"/>
           <a:ext cx="539750" cy="381000"/>
         </p:xfrm>
         <a:graphic>
           <a:graphicData uri="http://schemas.openxmlformats.org/presentationml/2006/ole">
             <mc:AlternateContent xmlns:mc="http://schemas.openxmlformats.org/markup-compatibility/2006">
               <mc:Choice xmlns:v="urn:schemas-microsoft-com:vml" Requires="v">
-                <p:oleObj spid="_x0000_s66609" name="Equation" r:id="rId8" imgW="215900" imgH="215900" progId="Equation.3">
+                <p:oleObj spid="_x0000_s66633" name="Equation" r:id="rId8" imgW="215900" imgH="215900" progId="Equation.3">
                   <p:embed/>
                 </p:oleObj>
               </mc:Choice>
@@ -8806,7 +8951,7 @@
                     </p:blipFill>
                     <p:spPr>
                       <a:xfrm>
-                        <a:off x="4446760" y="3124200"/>
+                        <a:off x="4800600" y="914400"/>
                         <a:ext cx="539750" cy="381000"/>
                       </a:xfrm>
                       <a:prstGeom prst="rect">
@@ -8828,7 +8973,7 @@
         </p:nvSpPr>
         <p:spPr>
           <a:xfrm>
-            <a:off x="4953000" y="3124200"/>
+            <a:off x="5306840" y="914400"/>
             <a:ext cx="2112027" cy="369332"/>
           </a:xfrm>
           <a:prstGeom prst="rect">
@@ -8859,25 +9004,25 @@
           <p:nvPr>
             <p:extLst>
               <p:ext uri="{D42A27DB-BD31-4B8C-83A1-F6EECF244321}">
-                <p14:modId xmlns:p14="http://schemas.microsoft.com/office/powerpoint/2010/main" val="1957121521"/>
+                <p14:modId xmlns:p14="http://schemas.microsoft.com/office/powerpoint/2010/main" val="4022213833"/>
               </p:ext>
             </p:extLst>
           </p:nvPr>
         </p:nvGraphicFramePr>
         <p:xfrm>
-          <a:off x="260350" y="5181600"/>
-          <a:ext cx="8699500" cy="1133475"/>
+          <a:off x="152400" y="5181600"/>
+          <a:ext cx="8820150" cy="970619"/>
         </p:xfrm>
         <a:graphic>
           <a:graphicData uri="http://schemas.openxmlformats.org/presentationml/2006/ole">
             <mc:AlternateContent xmlns:mc="http://schemas.openxmlformats.org/markup-compatibility/2006">
               <mc:Choice xmlns:v="urn:schemas-microsoft-com:vml" Requires="v">
-                <p:oleObj spid="_x0000_s66610" name="Equation" r:id="rId10" imgW="4978400" imgH="647700" progId="Equation.3">
+                <p:oleObj spid="_x0000_s66634" name="Equation" r:id="rId10" imgW="5778500" imgH="635000" progId="Equation.3">
                   <p:embed/>
                 </p:oleObj>
               </mc:Choice>
               <mc:Fallback>
-                <p:oleObj name="Equation" r:id="rId10" imgW="4978400" imgH="647700" progId="Equation.3">
+                <p:oleObj name="Equation" r:id="rId10" imgW="5778500" imgH="635000" progId="Equation.3">
                   <p:embed/>
                   <p:pic>
                     <p:nvPicPr>
@@ -8893,8 +9038,8 @@
                     </p:blipFill>
                     <p:spPr>
                       <a:xfrm>
-                        <a:off x="260350" y="5181600"/>
-                        <a:ext cx="8699500" cy="1133475"/>
+                        <a:off x="152400" y="5181600"/>
+                        <a:ext cx="8820150" cy="970619"/>
                       </a:xfrm>
                       <a:prstGeom prst="rect">
                         <a:avLst/>
@@ -9195,25 +9340,25 @@
           <p:nvPr>
             <p:extLst>
               <p:ext uri="{D42A27DB-BD31-4B8C-83A1-F6EECF244321}">
-                <p14:modId xmlns:p14="http://schemas.microsoft.com/office/powerpoint/2010/main" val="2819592552"/>
+                <p14:modId xmlns:p14="http://schemas.microsoft.com/office/powerpoint/2010/main" val="3387295684"/>
               </p:ext>
             </p:extLst>
           </p:nvPr>
         </p:nvGraphicFramePr>
         <p:xfrm>
-          <a:off x="1882775" y="1371600"/>
-          <a:ext cx="5149850" cy="1133475"/>
+          <a:off x="228600" y="1066800"/>
+          <a:ext cx="5410200" cy="1031684"/>
         </p:xfrm>
         <a:graphic>
           <a:graphicData uri="http://schemas.openxmlformats.org/presentationml/2006/ole">
             <mc:AlternateContent xmlns:mc="http://schemas.openxmlformats.org/markup-compatibility/2006">
               <mc:Choice xmlns:v="urn:schemas-microsoft-com:vml" Requires="v">
-                <p:oleObj spid="_x0000_s67598" name="Equation" r:id="rId4" imgW="2946400" imgH="647700" progId="Equation.3">
+                <p:oleObj spid="_x0000_s67608" name="Equation" r:id="rId4" imgW="2400300" imgH="457200" progId="Equation.3">
                   <p:embed/>
                 </p:oleObj>
               </mc:Choice>
               <mc:Fallback>
-                <p:oleObj name="Equation" r:id="rId4" imgW="2946400" imgH="647700" progId="Equation.3">
+                <p:oleObj name="Equation" r:id="rId4" imgW="2400300" imgH="457200" progId="Equation.3">
                   <p:embed/>
                   <p:pic>
                     <p:nvPicPr>
@@ -9229,8 +9374,8 @@
                     </p:blipFill>
                     <p:spPr>
                       <a:xfrm>
-                        <a:off x="1882775" y="1371600"/>
-                        <a:ext cx="5149850" cy="1133475"/>
+                        <a:off x="228600" y="1066800"/>
+                        <a:ext cx="5410200" cy="1031684"/>
                       </a:xfrm>
                       <a:prstGeom prst="rect">
                         <a:avLst/>
@@ -9243,16 +9388,73 @@
           </a:graphicData>
         </a:graphic>
       </p:graphicFrame>
-      <p:sp>
-        <p:nvSpPr>
-          <p:cNvPr id="16" name="TextBox 15"/>
+      <p:graphicFrame>
+        <p:nvGraphicFramePr>
+          <p:cNvPr id="8" name="Object 7"/>
+          <p:cNvGraphicFramePr>
+            <a:graphicFrameLocks noChangeAspect="1"/>
+          </p:cNvGraphicFramePr>
+          <p:nvPr>
+            <p:extLst>
+              <p:ext uri="{D42A27DB-BD31-4B8C-83A1-F6EECF244321}">
+                <p14:modId xmlns:p14="http://schemas.microsoft.com/office/powerpoint/2010/main" val="4193681974"/>
+              </p:ext>
+            </p:extLst>
+          </p:nvPr>
+        </p:nvGraphicFramePr>
+        <p:xfrm>
+          <a:off x="228600" y="2288790"/>
+          <a:ext cx="5638800" cy="1064010"/>
+        </p:xfrm>
+        <a:graphic>
+          <a:graphicData uri="http://schemas.openxmlformats.org/presentationml/2006/ole">
+            <mc:AlternateContent xmlns:mc="http://schemas.openxmlformats.org/markup-compatibility/2006">
+              <mc:Choice xmlns:v="urn:schemas-microsoft-com:vml" Requires="v">
+                <p:oleObj spid="_x0000_s67609" name="Equation" r:id="rId6" imgW="2425700" imgH="457200" progId="Equation.3">
+                  <p:embed/>
+                </p:oleObj>
+              </mc:Choice>
+              <mc:Fallback>
+                <p:oleObj name="Equation" r:id="rId6" imgW="2425700" imgH="457200" progId="Equation.3">
+                  <p:embed/>
+                  <p:pic>
+                    <p:nvPicPr>
+                      <p:cNvPr id="0" name=""/>
+                      <p:cNvPicPr/>
+                      <p:nvPr/>
+                    </p:nvPicPr>
+                    <p:blipFill>
+                      <a:blip r:embed="rId7"/>
+                      <a:stretch>
+                        <a:fillRect/>
+                      </a:stretch>
+                    </p:blipFill>
+                    <p:spPr>
+                      <a:xfrm>
+                        <a:off x="228600" y="2288790"/>
+                        <a:ext cx="5638800" cy="1064010"/>
+                      </a:xfrm>
+                      <a:prstGeom prst="rect">
+                        <a:avLst/>
+                      </a:prstGeom>
+                    </p:spPr>
+                  </p:pic>
+                </p:oleObj>
+              </mc:Fallback>
+            </mc:AlternateContent>
+          </a:graphicData>
+        </a:graphic>
+      </p:graphicFrame>
+      <p:sp>
+        <p:nvSpPr>
+          <p:cNvPr id="9" name="TextBox 8"/>
           <p:cNvSpPr txBox="1"/>
           <p:nvPr/>
         </p:nvSpPr>
         <p:spPr>
           <a:xfrm>
-            <a:off x="0" y="2590800"/>
-            <a:ext cx="8686800" cy="3785652"/>
+            <a:off x="228600" y="3581400"/>
+            <a:ext cx="8686800" cy="1569660"/>
           </a:xfrm>
           <a:prstGeom prst="rect">
             <a:avLst/>
@@ -9275,90 +9477,58 @@
                   <a:schemeClr val="tx2"/>
                 </a:solidFill>
               </a:rPr>
-              <a:t>This is the kernel of a truncated normal density, right or left depending on whether y is equal to zero or one.</a:t>
-            </a:r>
-          </a:p>
-          <a:p>
-            <a:pPr marL="342900" indent="-342900">
-              <a:buFontTx/>
-              <a:buChar char="-"/>
-            </a:pPr>
-            <a:endParaRPr lang="en-US" sz="2400" dirty="0">
-              <a:solidFill>
-                <a:schemeClr val="tx2"/>
-              </a:solidFill>
-            </a:endParaRPr>
-          </a:p>
-          <a:p>
-            <a:pPr marL="342900" indent="-342900">
-              <a:buFontTx/>
-              <a:buChar char="-"/>
-            </a:pPr>
+              <a:t>These are truncated normal densities with mean x</a:t>
+            </a:r>
+            <a:r>
+              <a:rPr lang="en-US" sz="2400" baseline="-25000" dirty="0" smtClean="0">
+                <a:solidFill>
+                  <a:schemeClr val="tx2"/>
+                </a:solidFill>
+              </a:rPr>
+              <a:t>i</a:t>
+            </a:r>
             <a:r>
               <a:rPr lang="en-US" sz="2400" dirty="0" smtClean="0">
                 <a:solidFill>
                   <a:schemeClr val="tx2"/>
                 </a:solidFill>
               </a:rPr>
-              <a:t>Therefore, we sample, for each subject in the sample, the unobserved liability from a truncated normal distribution, truncated below zero if y[</a:t>
-            </a:r>
-            <a:r>
-              <a:rPr lang="en-US" sz="2400" dirty="0" err="1" smtClean="0">
+              <a:t>’β and variance equal to 0. Truncated below or above zero depending on whether </a:t>
+            </a:r>
+            <a:r>
+              <a:rPr lang="en-US" sz="2400" i="1" dirty="0" err="1" smtClean="0">
                 <a:solidFill>
                   <a:schemeClr val="tx2"/>
                 </a:solidFill>
               </a:rPr>
+              <a:t>y</a:t>
+            </a:r>
+            <a:r>
+              <a:rPr lang="en-US" sz="2400" i="1" baseline="-25000" dirty="0" err="1" smtClean="0">
+                <a:solidFill>
+                  <a:schemeClr val="tx2"/>
+                </a:solidFill>
+              </a:rPr>
               <a:t>i</a:t>
             </a:r>
             <a:r>
+              <a:rPr lang="en-US" sz="2400" i="1" dirty="0" smtClean="0">
+                <a:solidFill>
+                  <a:schemeClr val="tx2"/>
+                </a:solidFill>
+              </a:rPr>
+              <a:t> i</a:t>
+            </a:r>
+            <a:r>
               <a:rPr lang="en-US" sz="2400" dirty="0" smtClean="0">
                 <a:solidFill>
                   <a:schemeClr val="tx2"/>
                 </a:solidFill>
               </a:rPr>
-              <a:t>]=0, otherwise truncated above zero.</a:t>
-            </a:r>
-          </a:p>
-          <a:p>
-            <a:pPr marL="342900" indent="-342900">
-              <a:buFontTx/>
-              <a:buChar char="-"/>
-            </a:pPr>
-            <a:endParaRPr lang="en-US" sz="2400" dirty="0">
-              <a:solidFill>
-                <a:schemeClr val="tx2"/>
-              </a:solidFill>
-            </a:endParaRPr>
-          </a:p>
-          <a:p>
-            <a:pPr marL="342900" indent="-342900">
-              <a:buFontTx/>
-              <a:buChar char="-"/>
-            </a:pPr>
-            <a:r>
-              <a:rPr lang="en-US" sz="2400" dirty="0" smtClean="0">
-                <a:solidFill>
-                  <a:schemeClr val="tx2"/>
-                </a:solidFill>
-              </a:rPr>
-              <a:t>Once we sample the un-observed liability, we </a:t>
-            </a:r>
-            <a:r>
-              <a:rPr lang="en-US" sz="2400" smtClean="0">
-                <a:solidFill>
-                  <a:schemeClr val="tx2"/>
-                </a:solidFill>
-              </a:rPr>
-              <a:t>treat liability </a:t>
-            </a:r>
-            <a:r>
-              <a:rPr lang="en-US" sz="2400" dirty="0" smtClean="0">
-                <a:solidFill>
-                  <a:schemeClr val="tx2"/>
-                </a:solidFill>
-              </a:rPr>
-              <a:t>as observed, therefore, all the other fully conditional densities are as in the standard linear regression model.</a:t>
-            </a:r>
+              <a:t>s equal to 1 or 0, respectively.</a:t>
+            </a:r>
+          </a:p>
+          <a:p>
             <a:endParaRPr lang="en-US" sz="2400" dirty="0">
               <a:solidFill>
                 <a:schemeClr val="tx2"/>
@@ -9480,6 +9650,551 @@
     <p:extLst>
       <p:ext uri="{BB962C8B-B14F-4D97-AF65-F5344CB8AC3E}">
         <p14:creationId xmlns:p14="http://schemas.microsoft.com/office/powerpoint/2010/main" val="3092593804"/>
+      </p:ext>
+    </p:extLst>
+  </p:cSld>
+  <p:clrMapOvr>
+    <a:masterClrMapping/>
+  </p:clrMapOvr>
+  <p:timing>
+    <p:tnLst>
+      <p:par>
+        <p:cTn xmlns:p14="http://schemas.microsoft.com/office/powerpoint/2010/main" id="1" dur="indefinite" restart="never" nodeType="tmRoot"/>
+      </p:par>
+    </p:tnLst>
+  </p:timing>
+</p:sld>
+</file>
+
+<file path=ppt/slides/slide20.xml><?xml version="1.0" encoding="utf-8"?>
+<p:sld xmlns:a="http://schemas.openxmlformats.org/drawingml/2006/main" xmlns:r="http://schemas.openxmlformats.org/officeDocument/2006/relationships" xmlns:p="http://schemas.openxmlformats.org/presentationml/2006/main">
+  <p:cSld>
+    <p:spTree>
+      <p:nvGrpSpPr>
+        <p:cNvPr id="1" name=""/>
+        <p:cNvGrpSpPr/>
+        <p:nvPr/>
+      </p:nvGrpSpPr>
+      <p:grpSpPr>
+        <a:xfrm>
+          <a:off x="0" y="0"/>
+          <a:ext cx="0" cy="0"/>
+          <a:chOff x="0" y="0"/>
+          <a:chExt cx="0" cy="0"/>
+        </a:xfrm>
+      </p:grpSpPr>
+      <p:sp>
+        <p:nvSpPr>
+          <p:cNvPr id="2" name="Title 1"/>
+          <p:cNvSpPr>
+            <a:spLocks noGrp="1"/>
+          </p:cNvSpPr>
+          <p:nvPr>
+            <p:ph type="ctrTitle"/>
+          </p:nvPr>
+        </p:nvSpPr>
+        <p:spPr>
+          <a:xfrm>
+            <a:off x="914400" y="152400"/>
+            <a:ext cx="7772400" cy="762000"/>
+          </a:xfrm>
+        </p:spPr>
+        <p:txBody>
+          <a:bodyPr>
+            <a:normAutofit/>
+          </a:bodyPr>
+          <a:lstStyle/>
+          <a:p>
+            <a:r>
+              <a:rPr lang="en-US" sz="3200" dirty="0" smtClean="0">
+                <a:solidFill>
+                  <a:schemeClr val="accent2">
+                    <a:lumMod val="75000"/>
+                  </a:schemeClr>
+                </a:solidFill>
+              </a:rPr>
+              <a:t>Outline of a Gibbs Sampler</a:t>
+            </a:r>
+            <a:endParaRPr lang="en-US" sz="3200" dirty="0">
+              <a:solidFill>
+                <a:schemeClr val="accent2">
+                  <a:lumMod val="75000"/>
+                </a:schemeClr>
+              </a:solidFill>
+            </a:endParaRPr>
+          </a:p>
+        </p:txBody>
+      </p:sp>
+      <p:sp>
+        <p:nvSpPr>
+          <p:cNvPr id="4" name="Footer Placeholder 3"/>
+          <p:cNvSpPr>
+            <a:spLocks noGrp="1"/>
+          </p:cNvSpPr>
+          <p:nvPr>
+            <p:ph type="ftr" sz="quarter" idx="11"/>
+          </p:nvPr>
+        </p:nvSpPr>
+        <p:spPr>
+          <a:xfrm>
+            <a:off x="3124200" y="6569075"/>
+            <a:ext cx="2895600" cy="365125"/>
+          </a:xfrm>
+        </p:spPr>
+        <p:txBody>
+          <a:bodyPr/>
+          <a:lstStyle/>
+          <a:p>
+            <a:r>
+              <a:rPr lang="en-US" dirty="0" smtClean="0">
+                <a:solidFill>
+                  <a:schemeClr val="accent1"/>
+                </a:solidFill>
+              </a:rPr>
+              <a:t>STT 465, MSU, Fall, 2015</a:t>
+            </a:r>
+            <a:endParaRPr lang="en-US" dirty="0">
+              <a:solidFill>
+                <a:schemeClr val="accent1"/>
+              </a:solidFill>
+            </a:endParaRPr>
+          </a:p>
+        </p:txBody>
+      </p:sp>
+      <p:sp>
+        <p:nvSpPr>
+          <p:cNvPr id="6" name="TextBox 5"/>
+          <p:cNvSpPr txBox="1"/>
+          <p:nvPr/>
+        </p:nvSpPr>
+        <p:spPr>
+          <a:xfrm>
+            <a:off x="76200" y="990600"/>
+            <a:ext cx="8991600" cy="5632310"/>
+          </a:xfrm>
+          <a:prstGeom prst="rect">
+            <a:avLst/>
+          </a:prstGeom>
+          <a:noFill/>
+          <a:ln>
+            <a:solidFill>
+              <a:srgbClr val="800000"/>
+            </a:solidFill>
+            <a:prstDash val="sysDash"/>
+          </a:ln>
+        </p:spPr>
+        <p:txBody>
+          <a:bodyPr wrap="square" rtlCol="0">
+            <a:spAutoFit/>
+          </a:bodyPr>
+          <a:lstStyle/>
+          <a:p>
+            <a:endParaRPr lang="en-US" sz="2400" smtClean="0">
+              <a:solidFill>
+                <a:schemeClr val="accent1">
+                  <a:lumMod val="75000"/>
+                </a:schemeClr>
+              </a:solidFill>
+            </a:endParaRPr>
+          </a:p>
+          <a:p>
+            <a:endParaRPr lang="en-US" sz="2400" smtClean="0">
+              <a:solidFill>
+                <a:schemeClr val="accent1">
+                  <a:lumMod val="75000"/>
+                </a:schemeClr>
+              </a:solidFill>
+            </a:endParaRPr>
+          </a:p>
+          <a:p>
+            <a:endParaRPr lang="en-US" sz="2400" smtClean="0">
+              <a:solidFill>
+                <a:schemeClr val="accent1">
+                  <a:lumMod val="75000"/>
+                </a:schemeClr>
+              </a:solidFill>
+            </a:endParaRPr>
+          </a:p>
+          <a:p>
+            <a:endParaRPr lang="en-US" sz="2400" smtClean="0">
+              <a:solidFill>
+                <a:schemeClr val="accent1">
+                  <a:lumMod val="75000"/>
+                </a:schemeClr>
+              </a:solidFill>
+            </a:endParaRPr>
+          </a:p>
+          <a:p>
+            <a:endParaRPr lang="en-US" sz="2400" smtClean="0">
+              <a:solidFill>
+                <a:schemeClr val="accent1">
+                  <a:lumMod val="75000"/>
+                </a:schemeClr>
+              </a:solidFill>
+            </a:endParaRPr>
+          </a:p>
+          <a:p>
+            <a:endParaRPr lang="en-US" sz="2400" smtClean="0">
+              <a:solidFill>
+                <a:schemeClr val="accent1">
+                  <a:lumMod val="75000"/>
+                </a:schemeClr>
+              </a:solidFill>
+            </a:endParaRPr>
+          </a:p>
+          <a:p>
+            <a:endParaRPr lang="en-US" sz="2400" smtClean="0">
+              <a:solidFill>
+                <a:schemeClr val="accent1">
+                  <a:lumMod val="75000"/>
+                </a:schemeClr>
+              </a:solidFill>
+            </a:endParaRPr>
+          </a:p>
+          <a:p>
+            <a:endParaRPr lang="en-US" sz="2400" smtClean="0">
+              <a:solidFill>
+                <a:schemeClr val="accent1">
+                  <a:lumMod val="75000"/>
+                </a:schemeClr>
+              </a:solidFill>
+            </a:endParaRPr>
+          </a:p>
+          <a:p>
+            <a:endParaRPr lang="en-US" sz="2400" smtClean="0">
+              <a:solidFill>
+                <a:schemeClr val="accent1">
+                  <a:lumMod val="75000"/>
+                </a:schemeClr>
+              </a:solidFill>
+            </a:endParaRPr>
+          </a:p>
+          <a:p>
+            <a:endParaRPr lang="en-US" sz="2400" smtClean="0">
+              <a:solidFill>
+                <a:schemeClr val="accent1">
+                  <a:lumMod val="75000"/>
+                </a:schemeClr>
+              </a:solidFill>
+            </a:endParaRPr>
+          </a:p>
+          <a:p>
+            <a:endParaRPr lang="en-US" sz="2400" smtClean="0">
+              <a:solidFill>
+                <a:schemeClr val="accent1">
+                  <a:lumMod val="75000"/>
+                </a:schemeClr>
+              </a:solidFill>
+            </a:endParaRPr>
+          </a:p>
+          <a:p>
+            <a:endParaRPr lang="en-US" sz="2400" smtClean="0">
+              <a:solidFill>
+                <a:schemeClr val="accent1">
+                  <a:lumMod val="75000"/>
+                </a:schemeClr>
+              </a:solidFill>
+            </a:endParaRPr>
+          </a:p>
+          <a:p>
+            <a:endParaRPr lang="en-US" sz="2400" smtClean="0">
+              <a:solidFill>
+                <a:schemeClr val="accent1">
+                  <a:lumMod val="75000"/>
+                </a:schemeClr>
+              </a:solidFill>
+            </a:endParaRPr>
+          </a:p>
+          <a:p>
+            <a:endParaRPr lang="en-US" sz="2400" smtClean="0">
+              <a:solidFill>
+                <a:schemeClr val="accent1">
+                  <a:lumMod val="75000"/>
+                </a:schemeClr>
+              </a:solidFill>
+            </a:endParaRPr>
+          </a:p>
+          <a:p>
+            <a:endParaRPr lang="en-US" sz="2400" dirty="0">
+              <a:solidFill>
+                <a:schemeClr val="accent1">
+                  <a:lumMod val="75000"/>
+                </a:schemeClr>
+              </a:solidFill>
+            </a:endParaRPr>
+          </a:p>
+        </p:txBody>
+      </p:sp>
+      <p:sp>
+        <p:nvSpPr>
+          <p:cNvPr id="16" name="TextBox 15"/>
+          <p:cNvSpPr txBox="1"/>
+          <p:nvPr/>
+        </p:nvSpPr>
+        <p:spPr>
+          <a:xfrm>
+            <a:off x="228600" y="914400"/>
+            <a:ext cx="8686800" cy="5632310"/>
+          </a:xfrm>
+          <a:prstGeom prst="rect">
+            <a:avLst/>
+          </a:prstGeom>
+          <a:noFill/>
+        </p:spPr>
+        <p:txBody>
+          <a:bodyPr wrap="square" rtlCol="0">
+            <a:spAutoFit/>
+          </a:bodyPr>
+          <a:lstStyle/>
+          <a:p>
+            <a:pPr marL="342900" indent="-342900">
+              <a:buFontTx/>
+              <a:buChar char="-"/>
+            </a:pPr>
+            <a:r>
+              <a:rPr lang="en-US" sz="2400" dirty="0" smtClean="0">
+                <a:solidFill>
+                  <a:schemeClr val="tx2"/>
+                </a:solidFill>
+              </a:rPr>
+              <a:t>Once we have sampled the un-observed liabilities the likelihood function becomes the standard Gaussian likelihood for data      .</a:t>
+            </a:r>
+          </a:p>
+          <a:p>
+            <a:pPr marL="342900" indent="-342900">
+              <a:buFontTx/>
+              <a:buChar char="-"/>
+            </a:pPr>
+            <a:endParaRPr lang="en-US" sz="2400" dirty="0">
+              <a:solidFill>
+                <a:schemeClr val="tx2"/>
+              </a:solidFill>
+            </a:endParaRPr>
+          </a:p>
+          <a:p>
+            <a:pPr marL="342900" indent="-342900">
+              <a:buFontTx/>
+              <a:buChar char="-"/>
+            </a:pPr>
+            <a:endParaRPr lang="en-US" sz="2400" dirty="0" smtClean="0">
+              <a:solidFill>
+                <a:schemeClr val="tx2"/>
+              </a:solidFill>
+            </a:endParaRPr>
+          </a:p>
+          <a:p>
+            <a:pPr marL="342900" indent="-342900">
+              <a:buFontTx/>
+              <a:buChar char="-"/>
+            </a:pPr>
+            <a:endParaRPr lang="en-US" sz="2400" dirty="0">
+              <a:solidFill>
+                <a:schemeClr val="tx2"/>
+              </a:solidFill>
+            </a:endParaRPr>
+          </a:p>
+          <a:p>
+            <a:pPr marL="342900" indent="-342900">
+              <a:buFontTx/>
+              <a:buChar char="-"/>
+            </a:pPr>
+            <a:endParaRPr lang="en-US" sz="2400" dirty="0" smtClean="0">
+              <a:solidFill>
+                <a:schemeClr val="tx2"/>
+              </a:solidFill>
+            </a:endParaRPr>
+          </a:p>
+          <a:p>
+            <a:pPr marL="342900" indent="-342900">
+              <a:buFontTx/>
+              <a:buChar char="-"/>
+            </a:pPr>
+            <a:endParaRPr lang="en-US" sz="2400" dirty="0" smtClean="0">
+              <a:solidFill>
+                <a:schemeClr val="tx2"/>
+              </a:solidFill>
+            </a:endParaRPr>
+          </a:p>
+          <a:p>
+            <a:pPr marL="342900" indent="-342900">
+              <a:buFontTx/>
+              <a:buChar char="-"/>
+            </a:pPr>
+            <a:r>
+              <a:rPr lang="en-US" sz="2400" dirty="0" smtClean="0">
+                <a:solidFill>
+                  <a:schemeClr val="tx2"/>
+                </a:solidFill>
+              </a:rPr>
+              <a:t>Therefore, the fully conditionals for all the parameters (regression coefficients, variances, etc.) are the same as the ones we discussed for the linear model, with one exception, the error variance is fixed to 1, and we do not need to sample it.</a:t>
+            </a:r>
+          </a:p>
+          <a:p>
+            <a:pPr marL="342900" indent="-342900">
+              <a:buFontTx/>
+              <a:buChar char="-"/>
+            </a:pPr>
+            <a:endParaRPr lang="en-US" sz="2400" dirty="0">
+              <a:solidFill>
+                <a:schemeClr val="tx2"/>
+              </a:solidFill>
+            </a:endParaRPr>
+          </a:p>
+          <a:p>
+            <a:pPr marL="342900" indent="-342900">
+              <a:buFontTx/>
+              <a:buChar char="-"/>
+            </a:pPr>
+            <a:r>
+              <a:rPr lang="en-US" sz="2400" dirty="0" smtClean="0">
+                <a:solidFill>
+                  <a:schemeClr val="tx2"/>
+                </a:solidFill>
+              </a:rPr>
+              <a:t>Consequently, only a few modifications are needed to adapt the sampler we developed for the linear regression to accommodate binary outcomes (see sampler in </a:t>
+            </a:r>
+            <a:r>
+              <a:rPr lang="en-US" sz="2400" dirty="0" err="1" smtClean="0">
+                <a:solidFill>
+                  <a:schemeClr val="tx2"/>
+                </a:solidFill>
+              </a:rPr>
+              <a:t>GitHub</a:t>
+            </a:r>
+            <a:r>
+              <a:rPr lang="en-US" sz="2400" smtClean="0">
+                <a:solidFill>
+                  <a:schemeClr val="tx2"/>
+                </a:solidFill>
+              </a:rPr>
+              <a:t>).</a:t>
+            </a:r>
+            <a:endParaRPr lang="en-US" sz="2400" dirty="0">
+              <a:solidFill>
+                <a:schemeClr val="tx2"/>
+              </a:solidFill>
+            </a:endParaRPr>
+          </a:p>
+        </p:txBody>
+      </p:sp>
+      <p:graphicFrame>
+        <p:nvGraphicFramePr>
+          <p:cNvPr id="7" name="Object 6"/>
+          <p:cNvGraphicFramePr>
+            <a:graphicFrameLocks noChangeAspect="1"/>
+          </p:cNvGraphicFramePr>
+          <p:nvPr>
+            <p:extLst>
+              <p:ext uri="{D42A27DB-BD31-4B8C-83A1-F6EECF244321}">
+                <p14:modId xmlns:p14="http://schemas.microsoft.com/office/powerpoint/2010/main" val="1808318035"/>
+              </p:ext>
+            </p:extLst>
+          </p:nvPr>
+        </p:nvGraphicFramePr>
+        <p:xfrm>
+          <a:off x="228600" y="2057400"/>
+          <a:ext cx="8651875" cy="1346200"/>
+        </p:xfrm>
+        <a:graphic>
+          <a:graphicData uri="http://schemas.openxmlformats.org/presentationml/2006/ole">
+            <mc:AlternateContent xmlns:mc="http://schemas.openxmlformats.org/markup-compatibility/2006">
+              <mc:Choice xmlns:v="urn:schemas-microsoft-com:vml" Requires="v">
+                <p:oleObj spid="_x0000_s81927" name="Equation" r:id="rId4" imgW="4330700" imgH="673100" progId="Equation.3">
+                  <p:embed/>
+                </p:oleObj>
+              </mc:Choice>
+              <mc:Fallback>
+                <p:oleObj name="Equation" r:id="rId4" imgW="4330700" imgH="673100" progId="Equation.3">
+                  <p:embed/>
+                  <p:pic>
+                    <p:nvPicPr>
+                      <p:cNvPr id="0" name=""/>
+                      <p:cNvPicPr/>
+                      <p:nvPr/>
+                    </p:nvPicPr>
+                    <p:blipFill>
+                      <a:blip r:embed="rId5"/>
+                      <a:stretch>
+                        <a:fillRect/>
+                      </a:stretch>
+                    </p:blipFill>
+                    <p:spPr>
+                      <a:xfrm>
+                        <a:off x="228600" y="2057400"/>
+                        <a:ext cx="8651875" cy="1346200"/>
+                      </a:xfrm>
+                      <a:prstGeom prst="rect">
+                        <a:avLst/>
+                      </a:prstGeom>
+                    </p:spPr>
+                  </p:pic>
+                </p:oleObj>
+              </mc:Fallback>
+            </mc:AlternateContent>
+          </a:graphicData>
+        </a:graphic>
+      </p:graphicFrame>
+      <p:graphicFrame>
+        <p:nvGraphicFramePr>
+          <p:cNvPr id="3" name="Object 2"/>
+          <p:cNvGraphicFramePr>
+            <a:graphicFrameLocks noChangeAspect="1"/>
+          </p:cNvGraphicFramePr>
+          <p:nvPr>
+            <p:extLst>
+              <p:ext uri="{D42A27DB-BD31-4B8C-83A1-F6EECF244321}">
+                <p14:modId xmlns:p14="http://schemas.microsoft.com/office/powerpoint/2010/main" val="2433665005"/>
+              </p:ext>
+            </p:extLst>
+          </p:nvPr>
+        </p:nvGraphicFramePr>
+        <p:xfrm>
+          <a:off x="8153400" y="1524000"/>
+          <a:ext cx="304800" cy="457200"/>
+        </p:xfrm>
+        <a:graphic>
+          <a:graphicData uri="http://schemas.openxmlformats.org/presentationml/2006/ole">
+            <mc:AlternateContent xmlns:mc="http://schemas.openxmlformats.org/markup-compatibility/2006">
+              <mc:Choice xmlns:v="urn:schemas-microsoft-com:vml" Requires="v">
+                <p:oleObj spid="_x0000_s81928" name="Equation" r:id="rId6" imgW="127000" imgH="203200" progId="Equation.3">
+                  <p:embed/>
+                </p:oleObj>
+              </mc:Choice>
+              <mc:Fallback>
+                <p:oleObj name="Equation" r:id="rId6" imgW="127000" imgH="203200" progId="Equation.3">
+                  <p:embed/>
+                  <p:pic>
+                    <p:nvPicPr>
+                      <p:cNvPr id="0" name=""/>
+                      <p:cNvPicPr/>
+                      <p:nvPr/>
+                    </p:nvPicPr>
+                    <p:blipFill>
+                      <a:blip r:embed="rId7"/>
+                      <a:stretch>
+                        <a:fillRect/>
+                      </a:stretch>
+                    </p:blipFill>
+                    <p:spPr>
+                      <a:xfrm>
+                        <a:off x="8153400" y="1524000"/>
+                        <a:ext cx="304800" cy="457200"/>
+                      </a:xfrm>
+                      <a:prstGeom prst="rect">
+                        <a:avLst/>
+                      </a:prstGeom>
+                    </p:spPr>
+                  </p:pic>
+                </p:oleObj>
+              </mc:Fallback>
+            </mc:AlternateContent>
+          </a:graphicData>
+        </a:graphic>
+      </p:graphicFrame>
+    </p:spTree>
+    <p:extLst>
+      <p:ext uri="{BB962C8B-B14F-4D97-AF65-F5344CB8AC3E}">
+        <p14:creationId xmlns:p14="http://schemas.microsoft.com/office/powerpoint/2010/main" val="2602301065"/>
       </p:ext>
     </p:extLst>
   </p:cSld>
@@ -10900,7 +11615,7 @@
           <a:graphicData uri="http://schemas.openxmlformats.org/presentationml/2006/ole">
             <mc:AlternateContent xmlns:mc="http://schemas.openxmlformats.org/markup-compatibility/2006">
               <mc:Choice xmlns:v="urn:schemas-microsoft-com:vml" Requires="v">
-                <p:oleObj spid="_x0000_s70670" name="Equation" r:id="rId3" imgW="3721100" imgH="215900" progId="Equation.3">
+                <p:oleObj spid="_x0000_s70680" name="Equation" r:id="rId3" imgW="3721100" imgH="215900" progId="Equation.3">
                   <p:embed/>
                 </p:oleObj>
               </mc:Choice>
@@ -10957,7 +11672,7 @@
           <a:graphicData uri="http://schemas.openxmlformats.org/presentationml/2006/ole">
             <mc:AlternateContent xmlns:mc="http://schemas.openxmlformats.org/markup-compatibility/2006">
               <mc:Choice xmlns:v="urn:schemas-microsoft-com:vml" Requires="v">
-                <p:oleObj spid="_x0000_s70671" name="Equation" r:id="rId5" imgW="4457700" imgH="215900" progId="Equation.3">
+                <p:oleObj spid="_x0000_s70681" name="Equation" r:id="rId5" imgW="4457700" imgH="215900" progId="Equation.3">
                   <p:embed/>
                 </p:oleObj>
               </mc:Choice>
@@ -11331,7 +12046,7 @@
           <a:graphicData uri="http://schemas.openxmlformats.org/presentationml/2006/ole">
             <mc:AlternateContent xmlns:mc="http://schemas.openxmlformats.org/markup-compatibility/2006">
               <mc:Choice xmlns:v="urn:schemas-microsoft-com:vml" Requires="v">
-                <p:oleObj spid="_x0000_s56402" name="Equation" r:id="rId4" imgW="2590800" imgH="787400" progId="Equation.3">
+                <p:oleObj spid="_x0000_s56412" name="Equation" r:id="rId4" imgW="2590800" imgH="787400" progId="Equation.3">
                   <p:embed/>
                 </p:oleObj>
               </mc:Choice>
@@ -11426,7 +12141,7 @@
           <a:graphicData uri="http://schemas.openxmlformats.org/presentationml/2006/ole">
             <mc:AlternateContent xmlns:mc="http://schemas.openxmlformats.org/markup-compatibility/2006">
               <mc:Choice xmlns:v="urn:schemas-microsoft-com:vml" Requires="v">
-                <p:oleObj spid="_x0000_s56403" name="Equation" r:id="rId6" imgW="3213100" imgH="787400" progId="Equation.3">
+                <p:oleObj spid="_x0000_s56413" name="Equation" r:id="rId6" imgW="3213100" imgH="787400" progId="Equation.3">
                   <p:embed/>
                 </p:oleObj>
               </mc:Choice>
@@ -11762,7 +12477,7 @@
           <a:graphicData uri="http://schemas.openxmlformats.org/presentationml/2006/ole">
             <mc:AlternateContent xmlns:mc="http://schemas.openxmlformats.org/markup-compatibility/2006">
               <mc:Choice xmlns:v="urn:schemas-microsoft-com:vml" Requires="v">
-                <p:oleObj spid="_x0000_s69641" name="Equation" r:id="rId4" imgW="4216400" imgH="787400" progId="Equation.3">
+                <p:oleObj spid="_x0000_s69646" name="Equation" r:id="rId4" imgW="4216400" imgH="787400" progId="Equation.3">
                   <p:embed/>
                 </p:oleObj>
               </mc:Choice>
@@ -12559,7 +13274,7 @@
           <a:graphicData uri="http://schemas.openxmlformats.org/presentationml/2006/ole">
             <mc:AlternateContent xmlns:mc="http://schemas.openxmlformats.org/markup-compatibility/2006">
               <mc:Choice xmlns:v="urn:schemas-microsoft-com:vml" Requires="v">
-                <p:oleObj spid="_x0000_s71688" name="Equation" r:id="rId4" imgW="4216400" imgH="787400" progId="Equation.3">
+                <p:oleObj spid="_x0000_s71698" name="Equation" r:id="rId4" imgW="4216400" imgH="787400" progId="Equation.3">
                   <p:embed/>
                 </p:oleObj>
               </mc:Choice>
@@ -12726,7 +13441,7 @@
           <a:graphicData uri="http://schemas.openxmlformats.org/presentationml/2006/ole">
             <mc:AlternateContent xmlns:mc="http://schemas.openxmlformats.org/markup-compatibility/2006">
               <mc:Choice xmlns:v="urn:schemas-microsoft-com:vml" Requires="v">
-                <p:oleObj spid="_x0000_s71689" name="Equation" r:id="rId6" imgW="3848100" imgH="787400" progId="Equation.3">
+                <p:oleObj spid="_x0000_s71699" name="Equation" r:id="rId6" imgW="3848100" imgH="787400" progId="Equation.3">
                   <p:embed/>
                 </p:oleObj>
               </mc:Choice>
@@ -13101,7 +13816,7 @@
           <a:graphicData uri="http://schemas.openxmlformats.org/presentationml/2006/ole">
             <mc:AlternateContent xmlns:mc="http://schemas.openxmlformats.org/markup-compatibility/2006">
               <mc:Choice xmlns:v="urn:schemas-microsoft-com:vml" Requires="v">
-                <p:oleObj spid="_x0000_s1070" name="Equation" r:id="rId4" imgW="4419600" imgH="787400" progId="Equation.3">
+                <p:oleObj spid="_x0000_s1080" name="Equation" r:id="rId4" imgW="4419600" imgH="787400" progId="Equation.3">
                   <p:embed/>
                 </p:oleObj>
               </mc:Choice>
@@ -13158,7 +13873,7 @@
           <a:graphicData uri="http://schemas.openxmlformats.org/presentationml/2006/ole">
             <mc:AlternateContent xmlns:mc="http://schemas.openxmlformats.org/markup-compatibility/2006">
               <mc:Choice xmlns:v="urn:schemas-microsoft-com:vml" Requires="v">
-                <p:oleObj spid="_x0000_s1071" name="Equation" r:id="rId6" imgW="215900" imgH="215900" progId="Equation.3">
+                <p:oleObj spid="_x0000_s1081" name="Equation" r:id="rId6" imgW="215900" imgH="215900" progId="Equation.3">
                   <p:embed/>
                 </p:oleObj>
               </mc:Choice>
@@ -13506,7 +14221,7 @@
           <a:graphicData uri="http://schemas.openxmlformats.org/presentationml/2006/ole">
             <mc:AlternateContent xmlns:mc="http://schemas.openxmlformats.org/markup-compatibility/2006">
               <mc:Choice xmlns:v="urn:schemas-microsoft-com:vml" Requires="v">
-                <p:oleObj spid="_x0000_s57460" name="Equation" r:id="rId4" imgW="939800" imgH="292100" progId="Equation.3">
+                <p:oleObj spid="_x0000_s57480" name="Equation" r:id="rId4" imgW="939800" imgH="292100" progId="Equation.3">
                   <p:embed/>
                 </p:oleObj>
               </mc:Choice>
@@ -13609,7 +14324,7 @@
           <a:graphicData uri="http://schemas.openxmlformats.org/presentationml/2006/ole">
             <mc:AlternateContent xmlns:mc="http://schemas.openxmlformats.org/markup-compatibility/2006">
               <mc:Choice xmlns:v="urn:schemas-microsoft-com:vml" Requires="v">
-                <p:oleObj spid="_x0000_s57461" name="Equation" r:id="rId6" imgW="5765800" imgH="1079500" progId="Equation.3">
+                <p:oleObj spid="_x0000_s57481" name="Equation" r:id="rId6" imgW="5765800" imgH="1079500" progId="Equation.3">
                   <p:embed/>
                 </p:oleObj>
               </mc:Choice>
@@ -13712,7 +14427,7 @@
           <a:graphicData uri="http://schemas.openxmlformats.org/presentationml/2006/ole">
             <mc:AlternateContent xmlns:mc="http://schemas.openxmlformats.org/markup-compatibility/2006">
               <mc:Choice xmlns:v="urn:schemas-microsoft-com:vml" Requires="v">
-                <p:oleObj spid="_x0000_s57462" name="Equation" r:id="rId8" imgW="2095500" imgH="685800" progId="Equation.3">
+                <p:oleObj spid="_x0000_s57482" name="Equation" r:id="rId8" imgW="2095500" imgH="685800" progId="Equation.3">
                   <p:embed/>
                 </p:oleObj>
               </mc:Choice>
@@ -13769,7 +14484,7 @@
           <a:graphicData uri="http://schemas.openxmlformats.org/presentationml/2006/ole">
             <mc:AlternateContent xmlns:mc="http://schemas.openxmlformats.org/markup-compatibility/2006">
               <mc:Choice xmlns:v="urn:schemas-microsoft-com:vml" Requires="v">
-                <p:oleObj spid="_x0000_s57463" name="Equation" r:id="rId10" imgW="4419600" imgH="787400" progId="Equation.3">
+                <p:oleObj spid="_x0000_s57483" name="Equation" r:id="rId10" imgW="4419600" imgH="787400" progId="Equation.3">
                   <p:embed/>
                 </p:oleObj>
               </mc:Choice>

--- a/STT465_14.pptx
+++ b/STT465_14.pptx
@@ -218,7 +218,7 @@
             <a:fld id="{EC2AD4C0-0FC1-44D9-A720-D776D6428221}" type="datetimeFigureOut">
               <a:rPr lang="en-US" smtClean="0"/>
               <a:pPr/>
-              <a:t>12/1/15</a:t>
+              <a:t>12/2/15</a:t>
             </a:fld>
             <a:endParaRPr lang="en-US"/>
           </a:p>
@@ -535,7 +535,7 @@
           </a:bodyPr>
           <a:lstStyle/>
           <a:p>
-            <a:endParaRPr lang="en-US"/>
+            <a:endParaRPr lang="en-US" dirty="0"/>
           </a:p>
         </p:txBody>
       </p:sp>
@@ -1737,7 +1737,7 @@
             <a:fld id="{F9C811E6-0209-4075-80E7-F5953C8ECEE3}" type="datetime1">
               <a:rPr lang="en-US" smtClean="0"/>
               <a:pPr/>
-              <a:t>12/1/15</a:t>
+              <a:t>12/2/15</a:t>
             </a:fld>
             <a:endParaRPr lang="en-US"/>
           </a:p>
@@ -1908,7 +1908,7 @@
             <a:fld id="{648E6BB1-E6D9-4EE7-828F-046F7223761D}" type="datetime1">
               <a:rPr lang="en-US" smtClean="0"/>
               <a:pPr/>
-              <a:t>12/1/15</a:t>
+              <a:t>12/2/15</a:t>
             </a:fld>
             <a:endParaRPr lang="en-US"/>
           </a:p>
@@ -2089,7 +2089,7 @@
             <a:fld id="{B4B9C580-A780-4D76-B2D1-C34F1DA97DF0}" type="datetime1">
               <a:rPr lang="en-US" smtClean="0"/>
               <a:pPr/>
-              <a:t>12/1/15</a:t>
+              <a:t>12/2/15</a:t>
             </a:fld>
             <a:endParaRPr lang="en-US"/>
           </a:p>
@@ -2260,7 +2260,7 @@
             <a:fld id="{EB19DDAF-3255-4785-974C-BB4FAF02D67E}" type="datetime1">
               <a:rPr lang="en-US" smtClean="0"/>
               <a:pPr/>
-              <a:t>12/1/15</a:t>
+              <a:t>12/2/15</a:t>
             </a:fld>
             <a:endParaRPr lang="en-US"/>
           </a:p>
@@ -2507,7 +2507,7 @@
             <a:fld id="{C344AF86-11D1-4E84-BA60-17130236FDAA}" type="datetime1">
               <a:rPr lang="en-US" smtClean="0"/>
               <a:pPr/>
-              <a:t>12/1/15</a:t>
+              <a:t>12/2/15</a:t>
             </a:fld>
             <a:endParaRPr lang="en-US"/>
           </a:p>
@@ -2796,7 +2796,7 @@
             <a:fld id="{A8DD670F-7E07-4783-A6F8-B28127B5AF4A}" type="datetime1">
               <a:rPr lang="en-US" smtClean="0"/>
               <a:pPr/>
-              <a:t>12/1/15</a:t>
+              <a:t>12/2/15</a:t>
             </a:fld>
             <a:endParaRPr lang="en-US"/>
           </a:p>
@@ -3219,7 +3219,7 @@
             <a:fld id="{92676DD9-688F-48EE-8233-B3B78BDDA63D}" type="datetime1">
               <a:rPr lang="en-US" smtClean="0"/>
               <a:pPr/>
-              <a:t>12/1/15</a:t>
+              <a:t>12/2/15</a:t>
             </a:fld>
             <a:endParaRPr lang="en-US"/>
           </a:p>
@@ -3338,7 +3338,7 @@
             <a:fld id="{F6CC4A83-AE34-48B8-B90E-70388FDBF0F7}" type="datetime1">
               <a:rPr lang="en-US" smtClean="0"/>
               <a:pPr/>
-              <a:t>12/1/15</a:t>
+              <a:t>12/2/15</a:t>
             </a:fld>
             <a:endParaRPr lang="en-US"/>
           </a:p>
@@ -3434,7 +3434,7 @@
             <a:fld id="{510CA3E2-9601-488E-B92B-23013819BD02}" type="datetime1">
               <a:rPr lang="en-US" smtClean="0"/>
               <a:pPr/>
-              <a:t>12/1/15</a:t>
+              <a:t>12/2/15</a:t>
             </a:fld>
             <a:endParaRPr lang="en-US"/>
           </a:p>
@@ -3712,7 +3712,7 @@
             <a:fld id="{331F1CBD-358A-4E18-86FD-C337233E15F0}" type="datetime1">
               <a:rPr lang="en-US" smtClean="0"/>
               <a:pPr/>
-              <a:t>12/1/15</a:t>
+              <a:t>12/2/15</a:t>
             </a:fld>
             <a:endParaRPr lang="en-US"/>
           </a:p>
@@ -3966,7 +3966,7 @@
             <a:fld id="{3CB4F0D5-901F-4458-A8F8-F062616694B4}" type="datetime1">
               <a:rPr lang="en-US" smtClean="0"/>
               <a:pPr/>
-              <a:t>12/1/15</a:t>
+              <a:t>12/2/15</a:t>
             </a:fld>
             <a:endParaRPr lang="en-US"/>
           </a:p>
@@ -4180,7 +4180,7 @@
             <a:fld id="{F77D84EF-BDBF-448B-906E-D51D4CAF22DC}" type="datetime1">
               <a:rPr lang="en-US" smtClean="0"/>
               <a:pPr/>
-              <a:t>12/1/15</a:t>
+              <a:t>12/2/15</a:t>
             </a:fld>
             <a:endParaRPr lang="en-US"/>
           </a:p>
@@ -5558,7 +5558,7 @@
           <a:graphicData uri="http://schemas.openxmlformats.org/presentationml/2006/ole">
             <mc:AlternateContent xmlns:mc="http://schemas.openxmlformats.org/markup-compatibility/2006">
               <mc:Choice xmlns:v="urn:schemas-microsoft-com:vml" Requires="v">
-                <p:oleObj spid="_x0000_s58459" name="Equation" r:id="rId3" imgW="1333500" imgH="292100" progId="Equation.3">
+                <p:oleObj spid="_x0000_s58466" name="Equation" r:id="rId3" imgW="1333500" imgH="292100" progId="Equation.3">
                   <p:embed/>
                 </p:oleObj>
               </mc:Choice>
@@ -5615,7 +5615,7 @@
           <a:graphicData uri="http://schemas.openxmlformats.org/presentationml/2006/ole">
             <mc:AlternateContent xmlns:mc="http://schemas.openxmlformats.org/markup-compatibility/2006">
               <mc:Choice xmlns:v="urn:schemas-microsoft-com:vml" Requires="v">
-                <p:oleObj spid="_x0000_s58460" name="Equation" r:id="rId5" imgW="647700" imgH="241300" progId="Equation.3">
+                <p:oleObj spid="_x0000_s58467" name="Equation" r:id="rId5" imgW="647700" imgH="241300" progId="Equation.3">
                   <p:embed/>
                 </p:oleObj>
               </mc:Choice>
@@ -5672,7 +5672,7 @@
           <a:graphicData uri="http://schemas.openxmlformats.org/presentationml/2006/ole">
             <mc:AlternateContent xmlns:mc="http://schemas.openxmlformats.org/markup-compatibility/2006">
               <mc:Choice xmlns:v="urn:schemas-microsoft-com:vml" Requires="v">
-                <p:oleObj spid="_x0000_s58461" name="Equation" r:id="rId7" imgW="622300" imgH="330200" progId="Equation.3">
+                <p:oleObj spid="_x0000_s58468" name="Equation" r:id="rId7" imgW="622300" imgH="330200" progId="Equation.3">
                   <p:embed/>
                 </p:oleObj>
               </mc:Choice>
@@ -6023,7 +6023,7 @@
           <a:graphicData uri="http://schemas.openxmlformats.org/presentationml/2006/ole">
             <mc:AlternateContent xmlns:mc="http://schemas.openxmlformats.org/markup-compatibility/2006">
               <mc:Choice xmlns:v="urn:schemas-microsoft-com:vml" Requires="v">
-                <p:oleObj spid="_x0000_s59480" name="Equation" r:id="rId3" imgW="787400" imgH="241300" progId="Equation.3">
+                <p:oleObj spid="_x0000_s59487" name="Equation" r:id="rId3" imgW="787400" imgH="241300" progId="Equation.3">
                   <p:embed/>
                 </p:oleObj>
               </mc:Choice>
@@ -6080,7 +6080,7 @@
           <a:graphicData uri="http://schemas.openxmlformats.org/presentationml/2006/ole">
             <mc:AlternateContent xmlns:mc="http://schemas.openxmlformats.org/markup-compatibility/2006">
               <mc:Choice xmlns:v="urn:schemas-microsoft-com:vml" Requires="v">
-                <p:oleObj spid="_x0000_s59481" name="Equation" r:id="rId5" imgW="1384300" imgH="431800" progId="Equation.3">
+                <p:oleObj spid="_x0000_s59488" name="Equation" r:id="rId5" imgW="1384300" imgH="431800" progId="Equation.3">
                   <p:embed/>
                 </p:oleObj>
               </mc:Choice>
@@ -6137,7 +6137,7 @@
           <a:graphicData uri="http://schemas.openxmlformats.org/presentationml/2006/ole">
             <mc:AlternateContent xmlns:mc="http://schemas.openxmlformats.org/markup-compatibility/2006">
               <mc:Choice xmlns:v="urn:schemas-microsoft-com:vml" Requires="v">
-                <p:oleObj spid="_x0000_s59482" name="Equation" r:id="rId7" imgW="1117600" imgH="609600" progId="Equation.3">
+                <p:oleObj spid="_x0000_s59489" name="Equation" r:id="rId7" imgW="1117600" imgH="609600" progId="Equation.3">
                   <p:embed/>
                 </p:oleObj>
               </mc:Choice>
@@ -6477,7 +6477,7 @@
           <a:graphicData uri="http://schemas.openxmlformats.org/presentationml/2006/ole">
             <mc:AlternateContent xmlns:mc="http://schemas.openxmlformats.org/markup-compatibility/2006">
               <mc:Choice xmlns:v="urn:schemas-microsoft-com:vml" Requires="v">
-                <p:oleObj spid="_x0000_s60538" name="Equation" r:id="rId3" imgW="1651000" imgH="431800" progId="Equation.3">
+                <p:oleObj spid="_x0000_s60547" name="Equation" r:id="rId3" imgW="1651000" imgH="431800" progId="Equation.3">
                   <p:embed/>
                 </p:oleObj>
               </mc:Choice>
@@ -6534,7 +6534,7 @@
           <a:graphicData uri="http://schemas.openxmlformats.org/presentationml/2006/ole">
             <mc:AlternateContent xmlns:mc="http://schemas.openxmlformats.org/markup-compatibility/2006">
               <mc:Choice xmlns:v="urn:schemas-microsoft-com:vml" Requires="v">
-                <p:oleObj spid="_x0000_s60539" name="Equation" r:id="rId5" imgW="1143000" imgH="609600" progId="Equation.3">
+                <p:oleObj spid="_x0000_s60548" name="Equation" r:id="rId5" imgW="1143000" imgH="609600" progId="Equation.3">
                   <p:embed/>
                 </p:oleObj>
               </mc:Choice>
@@ -6591,7 +6591,7 @@
           <a:graphicData uri="http://schemas.openxmlformats.org/presentationml/2006/ole">
             <mc:AlternateContent xmlns:mc="http://schemas.openxmlformats.org/markup-compatibility/2006">
               <mc:Choice xmlns:v="urn:schemas-microsoft-com:vml" Requires="v">
-                <p:oleObj spid="_x0000_s60540" name="Equation" r:id="rId7" imgW="1511300" imgH="317500" progId="Equation.3">
+                <p:oleObj spid="_x0000_s60549" name="Equation" r:id="rId7" imgW="1511300" imgH="317500" progId="Equation.3">
                   <p:embed/>
                 </p:oleObj>
               </mc:Choice>
@@ -6648,7 +6648,7 @@
           <a:graphicData uri="http://schemas.openxmlformats.org/presentationml/2006/ole">
             <mc:AlternateContent xmlns:mc="http://schemas.openxmlformats.org/markup-compatibility/2006">
               <mc:Choice xmlns:v="urn:schemas-microsoft-com:vml" Requires="v">
-                <p:oleObj spid="_x0000_s60541" name="Equation" r:id="rId9" imgW="2159000" imgH="508000" progId="Equation.3">
+                <p:oleObj spid="_x0000_s60550" name="Equation" r:id="rId9" imgW="2159000" imgH="508000" progId="Equation.3">
                   <p:embed/>
                 </p:oleObj>
               </mc:Choice>
@@ -6715,21 +6715,8 @@
                   <a:schemeClr val="tx2"/>
                 </a:solidFill>
               </a:rPr>
-              <a:t>The </a:t>
-            </a:r>
-            <a:r>
-              <a:rPr lang="en-US" sz="2400" dirty="0" smtClean="0">
-                <a:solidFill>
-                  <a:schemeClr val="tx2"/>
-                </a:solidFill>
-              </a:rPr>
-              <a:t>above likelihood can be maximized with respect to regression coefficient to obtain Max. Likelihood Estimates.</a:t>
-            </a:r>
-            <a:endParaRPr lang="en-US" sz="2400" dirty="0" smtClean="0">
-              <a:solidFill>
-                <a:schemeClr val="tx2"/>
-              </a:solidFill>
-            </a:endParaRPr>
+              <a:t>The above likelihood can be maximized with respect to regression coefficient to obtain Max. Likelihood Estimates.</a:t>
+            </a:r>
           </a:p>
         </p:txBody>
       </p:sp>
@@ -7142,7 +7129,7 @@
           <a:graphicData uri="http://schemas.openxmlformats.org/presentationml/2006/ole">
             <mc:AlternateContent xmlns:mc="http://schemas.openxmlformats.org/markup-compatibility/2006">
               <mc:Choice xmlns:v="urn:schemas-microsoft-com:vml" Requires="v">
-                <p:oleObj spid="_x0000_s63587" name="Equation" r:id="rId3" imgW="1092200" imgH="330200" progId="Equation.3">
+                <p:oleObj spid="_x0000_s63596" name="Equation" r:id="rId3" imgW="1092200" imgH="330200" progId="Equation.3">
                   <p:embed/>
                 </p:oleObj>
               </mc:Choice>
@@ -7199,7 +7186,7 @@
           <a:graphicData uri="http://schemas.openxmlformats.org/presentationml/2006/ole">
             <mc:AlternateContent xmlns:mc="http://schemas.openxmlformats.org/markup-compatibility/2006">
               <mc:Choice xmlns:v="urn:schemas-microsoft-com:vml" Requires="v">
-                <p:oleObj spid="_x0000_s63588" name="Equation" r:id="rId5" imgW="1168400" imgH="469900" progId="Equation.3">
+                <p:oleObj spid="_x0000_s63597" name="Equation" r:id="rId5" imgW="1168400" imgH="469900" progId="Equation.3">
                   <p:embed/>
                 </p:oleObj>
               </mc:Choice>
@@ -7256,7 +7243,7 @@
           <a:graphicData uri="http://schemas.openxmlformats.org/presentationml/2006/ole">
             <mc:AlternateContent xmlns:mc="http://schemas.openxmlformats.org/markup-compatibility/2006">
               <mc:Choice xmlns:v="urn:schemas-microsoft-com:vml" Requires="v">
-                <p:oleObj spid="_x0000_s63589" name="Equation" r:id="rId7" imgW="698500" imgH="317500" progId="Equation.3">
+                <p:oleObj spid="_x0000_s63598" name="Equation" r:id="rId7" imgW="698500" imgH="317500" progId="Equation.3">
                   <p:embed/>
                 </p:oleObj>
               </mc:Choice>
@@ -7313,7 +7300,7 @@
           <a:graphicData uri="http://schemas.openxmlformats.org/presentationml/2006/ole">
             <mc:AlternateContent xmlns:mc="http://schemas.openxmlformats.org/markup-compatibility/2006">
               <mc:Choice xmlns:v="urn:schemas-microsoft-com:vml" Requires="v">
-                <p:oleObj spid="_x0000_s63590" name="Equation" r:id="rId9" imgW="2032000" imgH="1752600" progId="Equation.3">
+                <p:oleObj spid="_x0000_s63599" name="Equation" r:id="rId9" imgW="2032000" imgH="1752600" progId="Equation.3">
                   <p:embed/>
                 </p:oleObj>
               </mc:Choice>
@@ -7680,7 +7667,7 @@
           <a:graphicData uri="http://schemas.openxmlformats.org/presentationml/2006/ole">
             <mc:AlternateContent xmlns:mc="http://schemas.openxmlformats.org/markup-compatibility/2006">
               <mc:Choice xmlns:v="urn:schemas-microsoft-com:vml" Requires="v">
-                <p:oleObj spid="_x0000_s65571" name="Equation" r:id="rId3" imgW="787400" imgH="241300" progId="Equation.3">
+                <p:oleObj spid="_x0000_s65576" name="Equation" r:id="rId3" imgW="787400" imgH="241300" progId="Equation.3">
                   <p:embed/>
                 </p:oleObj>
               </mc:Choice>
@@ -7737,7 +7724,7 @@
           <a:graphicData uri="http://schemas.openxmlformats.org/presentationml/2006/ole">
             <mc:AlternateContent xmlns:mc="http://schemas.openxmlformats.org/markup-compatibility/2006">
               <mc:Choice xmlns:v="urn:schemas-microsoft-com:vml" Requires="v">
-                <p:oleObj spid="_x0000_s65572" name="Equation" r:id="rId5" imgW="1384300" imgH="368300" progId="Equation.3">
+                <p:oleObj spid="_x0000_s65577" name="Equation" r:id="rId5" imgW="1384300" imgH="368300" progId="Equation.3">
                   <p:embed/>
                 </p:oleObj>
               </mc:Choice>
@@ -8057,7 +8044,7 @@
           <a:graphicData uri="http://schemas.openxmlformats.org/presentationml/2006/ole">
             <mc:AlternateContent xmlns:mc="http://schemas.openxmlformats.org/markup-compatibility/2006">
               <mc:Choice xmlns:v="urn:schemas-microsoft-com:vml" Requires="v">
-                <p:oleObj spid="_x0000_s64618" name="Equation" r:id="rId3" imgW="1511300" imgH="317500" progId="Equation.3">
+                <p:oleObj spid="_x0000_s64625" name="Equation" r:id="rId3" imgW="1511300" imgH="317500" progId="Equation.3">
                   <p:embed/>
                 </p:oleObj>
               </mc:Choice>
@@ -8114,7 +8101,7 @@
           <a:graphicData uri="http://schemas.openxmlformats.org/presentationml/2006/ole">
             <mc:AlternateContent xmlns:mc="http://schemas.openxmlformats.org/markup-compatibility/2006">
               <mc:Choice xmlns:v="urn:schemas-microsoft-com:vml" Requires="v">
-                <p:oleObj spid="_x0000_s64619" name="Equation" r:id="rId5" imgW="3657600" imgH="431800" progId="Equation.3">
+                <p:oleObj spid="_x0000_s64626" name="Equation" r:id="rId5" imgW="3657600" imgH="431800" progId="Equation.3">
                   <p:embed/>
                 </p:oleObj>
               </mc:Choice>
@@ -8171,7 +8158,7 @@
           <a:graphicData uri="http://schemas.openxmlformats.org/presentationml/2006/ole">
             <mc:AlternateContent xmlns:mc="http://schemas.openxmlformats.org/markup-compatibility/2006">
               <mc:Choice xmlns:v="urn:schemas-microsoft-com:vml" Requires="v">
-                <p:oleObj spid="_x0000_s64620" name="Equation" r:id="rId7" imgW="1384300" imgH="368300" progId="Equation.3">
+                <p:oleObj spid="_x0000_s64627" name="Equation" r:id="rId7" imgW="1384300" imgH="368300" progId="Equation.3">
                   <p:embed/>
                 </p:oleObj>
               </mc:Choice>
@@ -8238,15 +8225,7 @@
                   <a:schemeClr val="tx2"/>
                 </a:solidFill>
               </a:rPr>
-              <a:t>The above function can be used to derive Max. Likelihood </a:t>
-            </a:r>
-            <a:r>
-              <a:rPr lang="en-US" sz="2400" dirty="0" smtClean="0">
-                <a:solidFill>
-                  <a:schemeClr val="tx2"/>
-                </a:solidFill>
-              </a:rPr>
-              <a:t>Estimates</a:t>
+              <a:t>The above function can be used to derive Max. Likelihood Estimates</a:t>
             </a:r>
           </a:p>
           <a:p>
@@ -8816,7 +8795,7 @@
           <a:graphicData uri="http://schemas.openxmlformats.org/presentationml/2006/ole">
             <mc:AlternateContent xmlns:mc="http://schemas.openxmlformats.org/markup-compatibility/2006">
               <mc:Choice xmlns:v="urn:schemas-microsoft-com:vml" Requires="v">
-                <p:oleObj spid="_x0000_s66631" name="Equation" r:id="rId4" imgW="4330700" imgH="990600" progId="Equation.3">
+                <p:oleObj spid="_x0000_s66640" name="Equation" r:id="rId4" imgW="4330700" imgH="990600" progId="Equation.3">
                   <p:embed/>
                 </p:oleObj>
               </mc:Choice>
@@ -8860,25 +8839,25 @@
           <p:nvPr>
             <p:extLst>
               <p:ext uri="{D42A27DB-BD31-4B8C-83A1-F6EECF244321}">
-                <p14:modId xmlns:p14="http://schemas.microsoft.com/office/powerpoint/2010/main" val="1462329144"/>
+                <p14:modId xmlns:p14="http://schemas.microsoft.com/office/powerpoint/2010/main" val="2090728015"/>
               </p:ext>
             </p:extLst>
           </p:nvPr>
         </p:nvGraphicFramePr>
         <p:xfrm>
-          <a:off x="1447800" y="3581400"/>
-          <a:ext cx="2445373" cy="762000"/>
+          <a:off x="1727200" y="3581400"/>
+          <a:ext cx="1884363" cy="762000"/>
         </p:xfrm>
         <a:graphic>
           <a:graphicData uri="http://schemas.openxmlformats.org/presentationml/2006/ole">
             <mc:AlternateContent xmlns:mc="http://schemas.openxmlformats.org/markup-compatibility/2006">
               <mc:Choice xmlns:v="urn:schemas-microsoft-com:vml" Requires="v">
-                <p:oleObj spid="_x0000_s66632" name="Equation" r:id="rId6" imgW="939800" imgH="292100" progId="Equation.3">
+                <p:oleObj spid="_x0000_s66641" name="Equation" r:id="rId6" imgW="723900" imgH="292100" progId="Equation.3">
                   <p:embed/>
                 </p:oleObj>
               </mc:Choice>
               <mc:Fallback>
-                <p:oleObj name="Equation" r:id="rId6" imgW="939800" imgH="292100" progId="Equation.3">
+                <p:oleObj name="Equation" r:id="rId6" imgW="723900" imgH="292100" progId="Equation.3">
                   <p:embed/>
                   <p:pic>
                     <p:nvPicPr>
@@ -8894,8 +8873,8 @@
                     </p:blipFill>
                     <p:spPr>
                       <a:xfrm>
-                        <a:off x="1447800" y="3581400"/>
-                        <a:ext cx="2445373" cy="762000"/>
+                        <a:off x="1727200" y="3581400"/>
+                        <a:ext cx="1884363" cy="762000"/>
                       </a:xfrm>
                       <a:prstGeom prst="rect">
                         <a:avLst/>
@@ -8930,7 +8909,7 @@
           <a:graphicData uri="http://schemas.openxmlformats.org/presentationml/2006/ole">
             <mc:AlternateContent xmlns:mc="http://schemas.openxmlformats.org/markup-compatibility/2006">
               <mc:Choice xmlns:v="urn:schemas-microsoft-com:vml" Requires="v">
-                <p:oleObj spid="_x0000_s66633" name="Equation" r:id="rId8" imgW="215900" imgH="215900" progId="Equation.3">
+                <p:oleObj spid="_x0000_s66642" name="Equation" r:id="rId8" imgW="215900" imgH="215900" progId="Equation.3">
                   <p:embed/>
                 </p:oleObj>
               </mc:Choice>
@@ -9017,7 +8996,7 @@
           <a:graphicData uri="http://schemas.openxmlformats.org/presentationml/2006/ole">
             <mc:AlternateContent xmlns:mc="http://schemas.openxmlformats.org/markup-compatibility/2006">
               <mc:Choice xmlns:v="urn:schemas-microsoft-com:vml" Requires="v">
-                <p:oleObj spid="_x0000_s66634" name="Equation" r:id="rId10" imgW="5778500" imgH="635000" progId="Equation.3">
+                <p:oleObj spid="_x0000_s66643" name="Equation" r:id="rId10" imgW="5778500" imgH="635000" progId="Equation.3">
                   <p:embed/>
                 </p:oleObj>
               </mc:Choice>
@@ -9353,7 +9332,7 @@
           <a:graphicData uri="http://schemas.openxmlformats.org/presentationml/2006/ole">
             <mc:AlternateContent xmlns:mc="http://schemas.openxmlformats.org/markup-compatibility/2006">
               <mc:Choice xmlns:v="urn:schemas-microsoft-com:vml" Requires="v">
-                <p:oleObj spid="_x0000_s67608" name="Equation" r:id="rId4" imgW="2400300" imgH="457200" progId="Equation.3">
+                <p:oleObj spid="_x0000_s67613" name="Equation" r:id="rId4" imgW="2400300" imgH="457200" progId="Equation.3">
                   <p:embed/>
                 </p:oleObj>
               </mc:Choice>
@@ -9410,7 +9389,7 @@
           <a:graphicData uri="http://schemas.openxmlformats.org/presentationml/2006/ole">
             <mc:AlternateContent xmlns:mc="http://schemas.openxmlformats.org/markup-compatibility/2006">
               <mc:Choice xmlns:v="urn:schemas-microsoft-com:vml" Requires="v">
-                <p:oleObj spid="_x0000_s67609" name="Equation" r:id="rId6" imgW="2425700" imgH="457200" progId="Equation.3">
+                <p:oleObj spid="_x0000_s67614" name="Equation" r:id="rId6" imgW="2425700" imgH="457200" progId="Equation.3">
                   <p:embed/>
                 </p:oleObj>
               </mc:Choice>
@@ -10099,7 +10078,7 @@
           <a:graphicData uri="http://schemas.openxmlformats.org/presentationml/2006/ole">
             <mc:AlternateContent xmlns:mc="http://schemas.openxmlformats.org/markup-compatibility/2006">
               <mc:Choice xmlns:v="urn:schemas-microsoft-com:vml" Requires="v">
-                <p:oleObj spid="_x0000_s81927" name="Equation" r:id="rId4" imgW="4330700" imgH="673100" progId="Equation.3">
+                <p:oleObj spid="_x0000_s81932" name="Equation" r:id="rId4" imgW="4330700" imgH="673100" progId="Equation.3">
                   <p:embed/>
                 </p:oleObj>
               </mc:Choice>
@@ -10156,7 +10135,7 @@
           <a:graphicData uri="http://schemas.openxmlformats.org/presentationml/2006/ole">
             <mc:AlternateContent xmlns:mc="http://schemas.openxmlformats.org/markup-compatibility/2006">
               <mc:Choice xmlns:v="urn:schemas-microsoft-com:vml" Requires="v">
-                <p:oleObj spid="_x0000_s81928" name="Equation" r:id="rId6" imgW="127000" imgH="203200" progId="Equation.3">
+                <p:oleObj spid="_x0000_s81933" name="Equation" r:id="rId6" imgW="127000" imgH="203200" progId="Equation.3">
                   <p:embed/>
                 </p:oleObj>
               </mc:Choice>
@@ -11615,7 +11594,7 @@
           <a:graphicData uri="http://schemas.openxmlformats.org/presentationml/2006/ole">
             <mc:AlternateContent xmlns:mc="http://schemas.openxmlformats.org/markup-compatibility/2006">
               <mc:Choice xmlns:v="urn:schemas-microsoft-com:vml" Requires="v">
-                <p:oleObj spid="_x0000_s70680" name="Equation" r:id="rId3" imgW="3721100" imgH="215900" progId="Equation.3">
+                <p:oleObj spid="_x0000_s70685" name="Equation" r:id="rId3" imgW="3721100" imgH="215900" progId="Equation.3">
                   <p:embed/>
                 </p:oleObj>
               </mc:Choice>
@@ -11672,7 +11651,7 @@
           <a:graphicData uri="http://schemas.openxmlformats.org/presentationml/2006/ole">
             <mc:AlternateContent xmlns:mc="http://schemas.openxmlformats.org/markup-compatibility/2006">
               <mc:Choice xmlns:v="urn:schemas-microsoft-com:vml" Requires="v">
-                <p:oleObj spid="_x0000_s70681" name="Equation" r:id="rId5" imgW="4457700" imgH="215900" progId="Equation.3">
+                <p:oleObj spid="_x0000_s70686" name="Equation" r:id="rId5" imgW="4457700" imgH="215900" progId="Equation.3">
                   <p:embed/>
                 </p:oleObj>
               </mc:Choice>
@@ -12046,7 +12025,7 @@
           <a:graphicData uri="http://schemas.openxmlformats.org/presentationml/2006/ole">
             <mc:AlternateContent xmlns:mc="http://schemas.openxmlformats.org/markup-compatibility/2006">
               <mc:Choice xmlns:v="urn:schemas-microsoft-com:vml" Requires="v">
-                <p:oleObj spid="_x0000_s56412" name="Equation" r:id="rId4" imgW="2590800" imgH="787400" progId="Equation.3">
+                <p:oleObj spid="_x0000_s56417" name="Equation" r:id="rId4" imgW="2590800" imgH="787400" progId="Equation.3">
                   <p:embed/>
                 </p:oleObj>
               </mc:Choice>
@@ -12141,7 +12120,7 @@
           <a:graphicData uri="http://schemas.openxmlformats.org/presentationml/2006/ole">
             <mc:AlternateContent xmlns:mc="http://schemas.openxmlformats.org/markup-compatibility/2006">
               <mc:Choice xmlns:v="urn:schemas-microsoft-com:vml" Requires="v">
-                <p:oleObj spid="_x0000_s56413" name="Equation" r:id="rId6" imgW="3213100" imgH="787400" progId="Equation.3">
+                <p:oleObj spid="_x0000_s56418" name="Equation" r:id="rId6" imgW="3213100" imgH="787400" progId="Equation.3">
                   <p:embed/>
                 </p:oleObj>
               </mc:Choice>
@@ -12477,7 +12456,7 @@
           <a:graphicData uri="http://schemas.openxmlformats.org/presentationml/2006/ole">
             <mc:AlternateContent xmlns:mc="http://schemas.openxmlformats.org/markup-compatibility/2006">
               <mc:Choice xmlns:v="urn:schemas-microsoft-com:vml" Requires="v">
-                <p:oleObj spid="_x0000_s69646" name="Equation" r:id="rId4" imgW="4216400" imgH="787400" progId="Equation.3">
+                <p:oleObj spid="_x0000_s69649" name="Equation" r:id="rId4" imgW="4216400" imgH="787400" progId="Equation.3">
                   <p:embed/>
                 </p:oleObj>
               </mc:Choice>
@@ -13274,7 +13253,7 @@
           <a:graphicData uri="http://schemas.openxmlformats.org/presentationml/2006/ole">
             <mc:AlternateContent xmlns:mc="http://schemas.openxmlformats.org/markup-compatibility/2006">
               <mc:Choice xmlns:v="urn:schemas-microsoft-com:vml" Requires="v">
-                <p:oleObj spid="_x0000_s71698" name="Equation" r:id="rId4" imgW="4216400" imgH="787400" progId="Equation.3">
+                <p:oleObj spid="_x0000_s71703" name="Equation" r:id="rId4" imgW="4216400" imgH="787400" progId="Equation.3">
                   <p:embed/>
                 </p:oleObj>
               </mc:Choice>
@@ -13441,7 +13420,7 @@
           <a:graphicData uri="http://schemas.openxmlformats.org/presentationml/2006/ole">
             <mc:AlternateContent xmlns:mc="http://schemas.openxmlformats.org/markup-compatibility/2006">
               <mc:Choice xmlns:v="urn:schemas-microsoft-com:vml" Requires="v">
-                <p:oleObj spid="_x0000_s71699" name="Equation" r:id="rId6" imgW="3848100" imgH="787400" progId="Equation.3">
+                <p:oleObj spid="_x0000_s71704" name="Equation" r:id="rId6" imgW="3848100" imgH="787400" progId="Equation.3">
                   <p:embed/>
                 </p:oleObj>
               </mc:Choice>
@@ -13816,7 +13795,7 @@
           <a:graphicData uri="http://schemas.openxmlformats.org/presentationml/2006/ole">
             <mc:AlternateContent xmlns:mc="http://schemas.openxmlformats.org/markup-compatibility/2006">
               <mc:Choice xmlns:v="urn:schemas-microsoft-com:vml" Requires="v">
-                <p:oleObj spid="_x0000_s1080" name="Equation" r:id="rId4" imgW="4419600" imgH="787400" progId="Equation.3">
+                <p:oleObj spid="_x0000_s1085" name="Equation" r:id="rId4" imgW="4419600" imgH="787400" progId="Equation.3">
                   <p:embed/>
                 </p:oleObj>
               </mc:Choice>
@@ -13873,7 +13852,7 @@
           <a:graphicData uri="http://schemas.openxmlformats.org/presentationml/2006/ole">
             <mc:AlternateContent xmlns:mc="http://schemas.openxmlformats.org/markup-compatibility/2006">
               <mc:Choice xmlns:v="urn:schemas-microsoft-com:vml" Requires="v">
-                <p:oleObj spid="_x0000_s1081" name="Equation" r:id="rId6" imgW="215900" imgH="215900" progId="Equation.3">
+                <p:oleObj spid="_x0000_s1086" name="Equation" r:id="rId6" imgW="215900" imgH="215900" progId="Equation.3">
                   <p:embed/>
                 </p:oleObj>
               </mc:Choice>
@@ -13970,39 +13949,7 @@
                   <a:schemeClr val="tx2"/>
                 </a:solidFill>
               </a:rPr>
-              <a:t>With </a:t>
-            </a:r>
-            <a:r>
-              <a:rPr lang="en-US" sz="2400" dirty="0" smtClean="0">
-                <a:solidFill>
-                  <a:schemeClr val="tx2"/>
-                </a:solidFill>
-              </a:rPr>
-              <a:t>data augmentation, the model </a:t>
-            </a:r>
-            <a:r>
-              <a:rPr lang="en-US" sz="2400" dirty="0" smtClean="0">
-                <a:solidFill>
-                  <a:schemeClr val="tx2"/>
-                </a:solidFill>
-              </a:rPr>
-              <a:t>unknowns </a:t>
-            </a:r>
-            <a:r>
-              <a:rPr lang="en-US" sz="2400" dirty="0" smtClean="0">
-                <a:solidFill>
-                  <a:schemeClr val="tx2"/>
-                </a:solidFill>
-              </a:rPr>
-              <a:t>involve not only the parameters (effects, variances, etc.) but also the un-observed time to events</a:t>
-            </a:r>
-            <a:r>
-              <a:rPr lang="en-US" sz="2400" dirty="0" smtClean="0">
-                <a:solidFill>
-                  <a:schemeClr val="tx2"/>
-                </a:solidFill>
-              </a:rPr>
-              <a:t>.</a:t>
+              <a:t>With data augmentation, the model unknowns involve not only the parameters (effects, variances, etc.) but also the un-observed time to events.</a:t>
             </a:r>
           </a:p>
           <a:p>
@@ -14023,23 +13970,7 @@
                   <a:schemeClr val="tx2"/>
                 </a:solidFill>
               </a:rPr>
-              <a:t>Therefore</a:t>
-            </a:r>
-            <a:r>
-              <a:rPr lang="en-US" sz="2400" dirty="0" smtClean="0">
-                <a:solidFill>
-                  <a:schemeClr val="tx2"/>
-                </a:solidFill>
-              </a:rPr>
-              <a:t>, in our sampler we need to sample also the un-observed time to event of the censored points</a:t>
-            </a:r>
-            <a:r>
-              <a:rPr lang="en-US" sz="2400" dirty="0" smtClean="0">
-                <a:solidFill>
-                  <a:schemeClr val="tx2"/>
-                </a:solidFill>
-              </a:rPr>
-              <a:t>.</a:t>
+              <a:t>Therefore, in our sampler we need to sample also the un-observed time to event of the censored points.</a:t>
             </a:r>
           </a:p>
         </p:txBody>
@@ -14221,7 +14152,7 @@
           <a:graphicData uri="http://schemas.openxmlformats.org/presentationml/2006/ole">
             <mc:AlternateContent xmlns:mc="http://schemas.openxmlformats.org/markup-compatibility/2006">
               <mc:Choice xmlns:v="urn:schemas-microsoft-com:vml" Requires="v">
-                <p:oleObj spid="_x0000_s57480" name="Equation" r:id="rId4" imgW="939800" imgH="292100" progId="Equation.3">
+                <p:oleObj spid="_x0000_s57489" name="Equation" r:id="rId4" imgW="939800" imgH="292100" progId="Equation.3">
                   <p:embed/>
                 </p:oleObj>
               </mc:Choice>
@@ -14284,15 +14215,7 @@
                   <a:schemeClr val="tx2"/>
                 </a:solidFill>
               </a:rPr>
-              <a:t>Joint Posterior</a:t>
-            </a:r>
-            <a:r>
-              <a:rPr lang="en-US" sz="2400" u="sng" dirty="0" smtClean="0">
-                <a:solidFill>
-                  <a:schemeClr val="tx2"/>
-                </a:solidFill>
-              </a:rPr>
-              <a:t>:							</a:t>
+              <a:t>Joint Posterior:							</a:t>
             </a:r>
             <a:endParaRPr lang="en-US" sz="2400" u="sng" dirty="0">
               <a:solidFill>
@@ -14324,7 +14247,7 @@
           <a:graphicData uri="http://schemas.openxmlformats.org/presentationml/2006/ole">
             <mc:AlternateContent xmlns:mc="http://schemas.openxmlformats.org/markup-compatibility/2006">
               <mc:Choice xmlns:v="urn:schemas-microsoft-com:vml" Requires="v">
-                <p:oleObj spid="_x0000_s57481" name="Equation" r:id="rId6" imgW="5765800" imgH="1079500" progId="Equation.3">
+                <p:oleObj spid="_x0000_s57490" name="Equation" r:id="rId6" imgW="5765800" imgH="1079500" progId="Equation.3">
                   <p:embed/>
                 </p:oleObj>
               </mc:Choice>
@@ -14387,15 +14310,7 @@
                   <a:schemeClr val="tx2"/>
                 </a:solidFill>
               </a:rPr>
-              <a:t>Fully Conditional (truncated normal)</a:t>
-            </a:r>
-            <a:r>
-              <a:rPr lang="en-US" sz="2400" u="sng" dirty="0" smtClean="0">
-                <a:solidFill>
-                  <a:schemeClr val="tx2"/>
-                </a:solidFill>
-              </a:rPr>
-              <a:t>:				</a:t>
+              <a:t>Fully Conditional (truncated normal):				</a:t>
             </a:r>
             <a:endParaRPr lang="en-US" sz="2400" u="sng" dirty="0">
               <a:solidFill>
@@ -14414,25 +14329,25 @@
           <p:nvPr>
             <p:extLst>
               <p:ext uri="{D42A27DB-BD31-4B8C-83A1-F6EECF244321}">
-                <p14:modId xmlns:p14="http://schemas.microsoft.com/office/powerpoint/2010/main" val="1280606636"/>
+                <p14:modId xmlns:p14="http://schemas.microsoft.com/office/powerpoint/2010/main" val="1407188685"/>
               </p:ext>
             </p:extLst>
           </p:nvPr>
         </p:nvGraphicFramePr>
         <p:xfrm>
-          <a:off x="2362200" y="5562600"/>
-          <a:ext cx="3951287" cy="1295400"/>
+          <a:off x="1979613" y="5562600"/>
+          <a:ext cx="4716462" cy="1295400"/>
         </p:xfrm>
         <a:graphic>
           <a:graphicData uri="http://schemas.openxmlformats.org/presentationml/2006/ole">
             <mc:AlternateContent xmlns:mc="http://schemas.openxmlformats.org/markup-compatibility/2006">
               <mc:Choice xmlns:v="urn:schemas-microsoft-com:vml" Requires="v">
-                <p:oleObj spid="_x0000_s57482" name="Equation" r:id="rId8" imgW="2095500" imgH="685800" progId="Equation.3">
+                <p:oleObj spid="_x0000_s57491" name="Equation" r:id="rId8" imgW="2501900" imgH="685800" progId="Equation.3">
                   <p:embed/>
                 </p:oleObj>
               </mc:Choice>
               <mc:Fallback>
-                <p:oleObj name="Equation" r:id="rId8" imgW="2095500" imgH="685800" progId="Equation.3">
+                <p:oleObj name="Equation" r:id="rId8" imgW="2501900" imgH="685800" progId="Equation.3">
                   <p:embed/>
                   <p:pic>
                     <p:nvPicPr>
@@ -14448,8 +14363,8 @@
                     </p:blipFill>
                     <p:spPr>
                       <a:xfrm>
-                        <a:off x="2362200" y="5562600"/>
-                        <a:ext cx="3951287" cy="1295400"/>
+                        <a:off x="1979613" y="5562600"/>
+                        <a:ext cx="4716462" cy="1295400"/>
                       </a:xfrm>
                       <a:prstGeom prst="rect">
                         <a:avLst/>
@@ -14484,7 +14399,7 @@
           <a:graphicData uri="http://schemas.openxmlformats.org/presentationml/2006/ole">
             <mc:AlternateContent xmlns:mc="http://schemas.openxmlformats.org/markup-compatibility/2006">
               <mc:Choice xmlns:v="urn:schemas-microsoft-com:vml" Requires="v">
-                <p:oleObj spid="_x0000_s57483" name="Equation" r:id="rId10" imgW="4419600" imgH="787400" progId="Equation.3">
+                <p:oleObj spid="_x0000_s57492" name="Equation" r:id="rId10" imgW="4419600" imgH="787400" progId="Equation.3">
                   <p:embed/>
                 </p:oleObj>
               </mc:Choice>
